--- a/TIAA Alexa Skill-PMR July 2019.pptx
+++ b/TIAA Alexa Skill-PMR July 2019.pptx
@@ -7,10 +7,10 @@
     <p:sldMasterId id="2147483791" r:id="rId3"/>
   </p:sldMasterIdLst>
   <p:notesMasterIdLst>
-    <p:notesMasterId r:id="rId30"/>
+    <p:notesMasterId r:id="rId35"/>
   </p:notesMasterIdLst>
   <p:handoutMasterIdLst>
-    <p:handoutMasterId r:id="rId31"/>
+    <p:handoutMasterId r:id="rId36"/>
   </p:handoutMasterIdLst>
   <p:sldIdLst>
     <p:sldId id="742" r:id="rId4"/>
@@ -37,8 +37,13 @@
     <p:sldId id="768" r:id="rId25"/>
     <p:sldId id="1235" r:id="rId26"/>
     <p:sldId id="811" r:id="rId27"/>
-    <p:sldId id="1243" r:id="rId28"/>
-    <p:sldId id="812" r:id="rId29"/>
+    <p:sldId id="1246" r:id="rId28"/>
+    <p:sldId id="1243" r:id="rId29"/>
+    <p:sldId id="1245" r:id="rId30"/>
+    <p:sldId id="1247" r:id="rId31"/>
+    <p:sldId id="1248" r:id="rId32"/>
+    <p:sldId id="1249" r:id="rId33"/>
+    <p:sldId id="812" r:id="rId34"/>
   </p:sldIdLst>
   <p:sldSz cx="9144000" cy="6858000" type="screen4x3"/>
   <p:notesSz cx="6858000" cy="9144000"/>
@@ -294,9 +299,7 @@
               <c:showPercent val="0"/>
               <c:showBubbleSize val="0"/>
               <c:extLst>
-                <c:ext xmlns:c15="http://schemas.microsoft.com/office/drawing/2012/chart" uri="{CE6537A1-D6FC-4f65-9D91-7224C49458BB}">
-                  <c15:layout/>
-                </c:ext>
+                <c:ext xmlns:c15="http://schemas.microsoft.com/office/drawing/2012/chart" uri="{CE6537A1-D6FC-4f65-9D91-7224C49458BB}"/>
                 <c:ext xmlns:c16="http://schemas.microsoft.com/office/drawing/2014/chart" uri="{C3380CC4-5D6E-409C-BE32-E72D297353CC}">
                   <c16:uniqueId val="{00000000-556C-4EA4-9156-181DB96B5EC0}"/>
                 </c:ext>
@@ -331,9 +334,7 @@
               <c:showPercent val="0"/>
               <c:showBubbleSize val="0"/>
               <c:extLst>
-                <c:ext xmlns:c15="http://schemas.microsoft.com/office/drawing/2012/chart" uri="{CE6537A1-D6FC-4f65-9D91-7224C49458BB}">
-                  <c15:layout/>
-                </c:ext>
+                <c:ext xmlns:c15="http://schemas.microsoft.com/office/drawing/2012/chart" uri="{CE6537A1-D6FC-4f65-9D91-7224C49458BB}"/>
                 <c:ext xmlns:c16="http://schemas.microsoft.com/office/drawing/2014/chart" uri="{C3380CC4-5D6E-409C-BE32-E72D297353CC}">
                   <c16:uniqueId val="{00000001-556C-4EA4-9156-181DB96B5EC0}"/>
                 </c:ext>
@@ -1220,11 +1221,7 @@
         <a:p>
           <a:r>
             <a:rPr lang="en-US" sz="1400" b="1" dirty="0" smtClean="0"/>
-            <a:t>Alexa </a:t>
-          </a:r>
-          <a:r>
-            <a:rPr lang="en-US" sz="1400" b="1" dirty="0" smtClean="0"/>
-            <a:t>2019</a:t>
+            <a:t>Alexa 2019</a:t>
           </a:r>
           <a:endParaRPr lang="en-US" sz="1400" b="1" dirty="0"/>
         </a:p>
@@ -1498,11 +1495,7 @@
           </a:pPr>
           <a:r>
             <a:rPr lang="en-US" sz="1400" b="1" kern="1200" dirty="0" smtClean="0"/>
-            <a:t>Alexa </a:t>
-          </a:r>
-          <a:r>
-            <a:rPr lang="en-US" sz="1400" b="1" kern="1200" dirty="0" smtClean="0"/>
-            <a:t>2019</a:t>
+            <a:t>Alexa 2019</a:t>
           </a:r>
           <a:endParaRPr lang="en-US" sz="1400" b="1" kern="1200" dirty="0"/>
         </a:p>
@@ -17263,7 +17256,7 @@
         <p:spPr>
           <a:xfrm>
             <a:off x="807131" y="1210038"/>
-            <a:ext cx="4553673" cy="1508105"/>
+            <a:ext cx="4553673" cy="1846659"/>
           </a:xfrm>
           <a:prstGeom prst="rect">
             <a:avLst/>
@@ -17306,15 +17299,7 @@
                   <a:schemeClr val="bg1"/>
                 </a:solidFill>
               </a:rPr>
-              <a:t>Adding Alexa Visual UX </a:t>
-            </a:r>
-            <a:r>
-              <a:rPr lang="en-US" sz="1200" dirty="0" smtClean="0">
-                <a:solidFill>
-                  <a:schemeClr val="bg1"/>
-                </a:solidFill>
-              </a:rPr>
-              <a:t>for TIAA trivia game.</a:t>
+              <a:t>Adding Alexa Visual UX for TIAA trivia game.</a:t>
             </a:r>
           </a:p>
           <a:p>
@@ -17354,6 +17339,23 @@
                 </a:solidFill>
               </a:rPr>
               <a:t>Viewing particular advisor details on touch selection.</a:t>
+            </a:r>
+          </a:p>
+          <a:p>
+            <a:pPr marL="285750" lvl="1" indent="-285750">
+              <a:spcBef>
+                <a:spcPts val="1200"/>
+              </a:spcBef>
+              <a:buFont typeface="Arial" panose="020B0604020202020204" pitchFamily="34" charset="0"/>
+              <a:buChar char="•"/>
+            </a:pPr>
+            <a:r>
+              <a:rPr lang="en-US" sz="1200" dirty="0" smtClean="0">
+                <a:solidFill>
+                  <a:schemeClr val="bg1"/>
+                </a:solidFill>
+              </a:rPr>
+              <a:t>Integrating Google Map View in Echo display device</a:t>
             </a:r>
           </a:p>
         </p:txBody>
@@ -17516,15 +17518,7 @@
                   <a:schemeClr val="bg1"/>
                 </a:solidFill>
               </a:rPr>
-              <a:t>Secur</a:t>
-            </a:r>
-            <a:r>
-              <a:rPr lang="en-US" sz="1200" dirty="0" smtClean="0">
-                <a:solidFill>
-                  <a:schemeClr val="bg1"/>
-                </a:solidFill>
-              </a:rPr>
-              <a:t>e PIN authentication in the balance inquiry conversation flow</a:t>
+              <a:t>Secure PIN authentication in the balance inquiry conversation flow</a:t>
             </a:r>
           </a:p>
           <a:p>
@@ -17541,15 +17535,7 @@
                   <a:schemeClr val="bg1"/>
                 </a:solidFill>
               </a:rPr>
-              <a:t>Providing account balance for the Portfolio, Brokerage, Bank, Retirement, Life </a:t>
-            </a:r>
-            <a:r>
-              <a:rPr lang="en-US" sz="1200" dirty="0" smtClean="0">
-                <a:solidFill>
-                  <a:schemeClr val="bg1"/>
-                </a:solidFill>
-              </a:rPr>
-              <a:t>Insurance, Mutual Funds, Retirement Healthcare, Outside Assets and Trust</a:t>
+              <a:t>Providing account balance for the Portfolio, Brokerage, Bank, Retirement, Life Insurance, Mutual Funds, Retirement Healthcare, Outside Assets and Trust</a:t>
             </a:r>
           </a:p>
           <a:p>
@@ -18014,21 +18000,7 @@
                 <a:latin typeface="Segoe UI "/>
                 <a:ea typeface="Verdana" panose="020B0604030504040204" pitchFamily="34" charset="0"/>
               </a:rPr>
-              <a:t>TIAA Alexa Skill</a:t>
-            </a:r>
-            <a:r>
-              <a:rPr lang="en-US" sz="1800" b="0" i="0" dirty="0" smtClean="0">
-                <a:latin typeface="Segoe UI "/>
-                <a:ea typeface="Verdana" panose="020B0604030504040204" pitchFamily="34" charset="0"/>
-              </a:rPr>
-              <a:t> Platform </a:t>
-            </a:r>
-            <a:r>
-              <a:rPr lang="en-US" sz="1800" b="0" i="0" dirty="0" smtClean="0">
-                <a:latin typeface="Segoe UI "/>
-                <a:ea typeface="Verdana" panose="020B0604030504040204" pitchFamily="34" charset="0"/>
-              </a:rPr>
-              <a:t>-  Future Release</a:t>
+              <a:t>TIAA Alexa Skill Platform -  Future Release</a:t>
             </a:r>
             <a:endParaRPr lang="en-US" sz="1800" b="0" i="0" dirty="0">
               <a:latin typeface="Segoe UI "/>
@@ -18163,11 +18135,7 @@
               </a:r>
               <a:r>
                 <a:rPr lang="en-US" sz="1200" dirty="0" smtClean="0"/>
-                <a:t>involved in August </a:t>
-              </a:r>
-              <a:r>
-                <a:rPr lang="en-US" sz="1200" dirty="0" smtClean="0"/>
-                <a:t>release</a:t>
+                <a:t>involved in August release</a:t>
               </a:r>
               <a:endParaRPr lang="en-US" sz="1200" dirty="0"/>
             </a:p>
@@ -18216,35 +18184,8 @@
                 <a:latin typeface="Calibri" panose="020F0502020204030204" pitchFamily="34" charset="0"/>
                 <a:cs typeface="Calibri" panose="020F0502020204030204" pitchFamily="34" charset="0"/>
               </a:rPr>
-              <a:t>Chennai </a:t>
-            </a:r>
-            <a:r>
-              <a:rPr lang="en-US" sz="1200" dirty="0" smtClean="0">
-                <a:solidFill>
-                  <a:srgbClr val="000000"/>
-                </a:solidFill>
-                <a:latin typeface="Calibri" panose="020F0502020204030204" pitchFamily="34" charset="0"/>
-                <a:cs typeface="Calibri" panose="020F0502020204030204" pitchFamily="34" charset="0"/>
-              </a:rPr>
-              <a:t>: </a:t>
-            </a:r>
-            <a:r>
-              <a:rPr lang="en-US" sz="1200" dirty="0" smtClean="0">
-                <a:solidFill>
-                  <a:srgbClr val="000000"/>
-                </a:solidFill>
-                <a:latin typeface="Calibri" panose="020F0502020204030204" pitchFamily="34" charset="0"/>
-                <a:cs typeface="Calibri" panose="020F0502020204030204" pitchFamily="34" charset="0"/>
-              </a:rPr>
-              <a:t>4</a:t>
-            </a:r>
-            <a:endParaRPr lang="en-US" sz="1200" dirty="0" smtClean="0">
-              <a:solidFill>
-                <a:srgbClr val="000000"/>
-              </a:solidFill>
-              <a:latin typeface="Calibri" panose="020F0502020204030204" pitchFamily="34" charset="0"/>
-              <a:cs typeface="Calibri" panose="020F0502020204030204" pitchFamily="34" charset="0"/>
-            </a:endParaRPr>
+              <a:t>Chennai : 4</a:t>
+            </a:r>
           </a:p>
         </p:txBody>
       </p:sp>
@@ -18381,17 +18322,7 @@
                 <a:latin typeface="+mj-lt"/>
                 <a:cs typeface="Calibri" panose="020F0502020204030204" pitchFamily="34" charset="0"/>
               </a:rPr>
-              <a:t>eam Distribution - </a:t>
-            </a:r>
-            <a:r>
-              <a:rPr lang="en-US" sz="1400" b="1" dirty="0" smtClean="0">
-                <a:solidFill>
-                  <a:srgbClr val="000000"/>
-                </a:solidFill>
-                <a:latin typeface="+mj-lt"/>
-                <a:cs typeface="Calibri" panose="020F0502020204030204" pitchFamily="34" charset="0"/>
-              </a:rPr>
-              <a:t>5</a:t>
+              <a:t>eam Distribution - 5</a:t>
             </a:r>
             <a:endParaRPr lang="en-US" sz="1400" b="1" dirty="0">
               <a:solidFill>
@@ -20648,17 +20579,7 @@
                 <a:latin typeface="+mn-lt"/>
                 <a:cs typeface="Arial" pitchFamily="34" charset="0"/>
               </a:rPr>
-              <a:t>August </a:t>
-            </a:r>
-            <a:r>
-              <a:rPr lang="en-US" sz="1600" b="1" kern="0" dirty="0" smtClean="0">
-                <a:solidFill>
-                  <a:srgbClr val="0B3CA4"/>
-                </a:solidFill>
-                <a:latin typeface="+mn-lt"/>
-                <a:cs typeface="Arial" pitchFamily="34" charset="0"/>
-              </a:rPr>
-              <a:t>Release Plan</a:t>
+              <a:t>August Release Plan</a:t>
             </a:r>
             <a:endParaRPr lang="en-US" sz="1600" b="1" kern="0" dirty="0">
               <a:solidFill>
@@ -24043,7 +23964,6 @@
               <a:rPr lang="en-US" sz="1200" dirty="0"/>
               <a:t>more flexible with regard to implementing changes in preexisting code</a:t>
             </a:r>
-            <a:endParaRPr lang="en-US" sz="1200" dirty="0"/>
           </a:p>
         </p:txBody>
       </p:sp>
@@ -24157,31 +24077,7 @@
             </a:pPr>
             <a:r>
               <a:rPr lang="en-US" sz="1400" dirty="0" smtClean="0"/>
-              <a:t>In TIAA, </a:t>
-            </a:r>
-            <a:r>
-              <a:rPr lang="en-US" sz="1400" dirty="0" smtClean="0"/>
-              <a:t>TIAA Alexa Skill </a:t>
-            </a:r>
-            <a:r>
-              <a:rPr lang="en-US" sz="1400" dirty="0" smtClean="0"/>
-              <a:t>is </a:t>
-            </a:r>
-            <a:r>
-              <a:rPr lang="en-US" sz="1400" dirty="0" smtClean="0"/>
-              <a:t>the </a:t>
-            </a:r>
-            <a:r>
-              <a:rPr lang="en-US" sz="1400" dirty="0" smtClean="0"/>
-              <a:t>first project </a:t>
-            </a:r>
-            <a:r>
-              <a:rPr lang="en-US" sz="1400" dirty="0" smtClean="0"/>
-              <a:t>that uses </a:t>
-            </a:r>
-            <a:r>
-              <a:rPr lang="en-US" sz="1400" dirty="0" smtClean="0"/>
-              <a:t>server-less computing platform i.e. AWS Lambda. The lambda then moved to VPC environment for high secure deployment.</a:t>
+              <a:t>In TIAA, TIAA Alexa Skill is the first project that uses server-less computing platform i.e. AWS Lambda. The lambda then moved to VPC environment for high secure deployment.</a:t>
             </a:r>
             <a:endParaRPr lang="en-US" sz="1400" dirty="0"/>
           </a:p>
@@ -24537,14 +24433,6 @@
               </a:rPr>
               <a:t>Veracode Check</a:t>
             </a:r>
-            <a:endParaRPr lang="en-US" sz="1400" b="1" dirty="0" smtClean="0">
-              <a:solidFill>
-                <a:srgbClr val="25A4BD"/>
-              </a:solidFill>
-              <a:latin typeface="+mj-lt"/>
-              <a:ea typeface="Times New Roman" panose="02020603050405020304" pitchFamily="18" charset="0"/>
-              <a:cs typeface="Calibri" panose="020F0502020204030204" pitchFamily="34" charset="0"/>
-            </a:endParaRPr>
           </a:p>
           <a:p>
             <a:pPr algn="ctr">
@@ -25182,14 +25070,6 @@
               </a:rPr>
               <a:t>Automated unit test scripts helped in ensuring the bug free code prior to code deployment.</a:t>
             </a:r>
-            <a:endParaRPr lang="en-US" sz="1200" dirty="0" smtClean="0">
-              <a:solidFill>
-                <a:schemeClr val="bg1"/>
-              </a:solidFill>
-              <a:latin typeface="+mj-lt"/>
-              <a:ea typeface="Calibri" panose="020F0502020204030204" pitchFamily="34" charset="0"/>
-              <a:cs typeface="Calibri" panose="020F0502020204030204" pitchFamily="34" charset="0"/>
-            </a:endParaRPr>
           </a:p>
           <a:p>
             <a:pPr marL="171450" indent="-171450">
@@ -25234,14 +25114,6 @@
               </a:rPr>
               <a:t>.</a:t>
             </a:r>
-            <a:endParaRPr lang="en-US" sz="1200" dirty="0" smtClean="0">
-              <a:solidFill>
-                <a:schemeClr val="bg1"/>
-              </a:solidFill>
-              <a:latin typeface="+mj-lt"/>
-              <a:ea typeface="Calibri" panose="020F0502020204030204" pitchFamily="34" charset="0"/>
-              <a:cs typeface="Calibri" panose="020F0502020204030204" pitchFamily="34" charset="0"/>
-            </a:endParaRPr>
           </a:p>
         </p:txBody>
       </p:sp>
@@ -25321,21 +25193,7 @@
                 <a:latin typeface="Segoe UI "/>
                 <a:ea typeface="Verdana" panose="020B0604030504040204" pitchFamily="34" charset="0"/>
               </a:rPr>
-              <a:t>TIAA Alexa</a:t>
-            </a:r>
-            <a:r>
-              <a:rPr lang="en-US" sz="1800" b="0" i="0" dirty="0" smtClean="0">
-                <a:latin typeface="Segoe UI "/>
-                <a:ea typeface="Verdana" panose="020B0604030504040204" pitchFamily="34" charset="0"/>
-              </a:rPr>
-              <a:t> </a:t>
-            </a:r>
-            <a:r>
-              <a:rPr lang="en-US" sz="1800" b="0" i="0" dirty="0" smtClean="0">
-                <a:latin typeface="Segoe UI "/>
-                <a:ea typeface="Verdana" panose="020B0604030504040204" pitchFamily="34" charset="0"/>
-              </a:rPr>
-              <a:t>Team – Other Metrics</a:t>
+              <a:t>TIAA Alexa Team – Other Metrics</a:t>
             </a:r>
             <a:endParaRPr lang="en-US" sz="1800" b="0" i="0" dirty="0">
               <a:latin typeface="Segoe UI "/>
@@ -25773,23 +25631,7 @@
                 <a:ea typeface="Calibri" panose="020F0502020204030204" pitchFamily="34" charset="0"/>
                 <a:cs typeface="Calibri" panose="020F0502020204030204" pitchFamily="34" charset="0"/>
               </a:rPr>
-              <a:t>Team is continuously doing research on latest trend in </a:t>
-            </a:r>
-            <a:r>
-              <a:rPr lang="en-US" sz="1200" dirty="0" smtClean="0">
-                <a:latin typeface="+mj-lt"/>
-                <a:ea typeface="Calibri" panose="020F0502020204030204" pitchFamily="34" charset="0"/>
-                <a:cs typeface="Calibri" panose="020F0502020204030204" pitchFamily="34" charset="0"/>
-              </a:rPr>
-              <a:t>Amazon Alexa </a:t>
-            </a:r>
-            <a:r>
-              <a:rPr lang="en-US" sz="1200" dirty="0" smtClean="0">
-                <a:latin typeface="+mj-lt"/>
-                <a:ea typeface="Calibri" panose="020F0502020204030204" pitchFamily="34" charset="0"/>
-                <a:cs typeface="Calibri" panose="020F0502020204030204" pitchFamily="34" charset="0"/>
-              </a:rPr>
-              <a:t>and shares comparative study in TIAA perspective.</a:t>
+              <a:t>Team is continuously doing research on latest trend in Amazon Alexa and shares comparative study in TIAA perspective.</a:t>
             </a:r>
             <a:endParaRPr lang="en-US" sz="1200" dirty="0">
               <a:latin typeface="+mj-lt"/>
@@ -26872,9 +26714,10 @@
               </a:spcAft>
             </a:pPr>
             <a:r>
-              <a:rPr lang="en-US" sz="1200" b="1" dirty="0"/>
-              <a:t>Cognizant onsite performs the dual role of Scrum master and Technical lead. There were challenges initially in assigning the work to GBS. But Onsite worked with TIAA managers to sort out the issues.</a:t>
-            </a:r>
+              <a:rPr lang="en-US" sz="1200" b="1" dirty="0" smtClean="0"/>
+              <a:t>Cognizant offshore performs the dual role of Development and Technical lead. There were challenges initially in assigning the work to GBS. But Onsite worked with TIAA managers to sort out the issues.</a:t>
+            </a:r>
+            <a:endParaRPr lang="en-US" sz="1200" b="1" dirty="0"/>
           </a:p>
         </p:txBody>
       </p:sp>
@@ -29268,7 +29111,6 @@
               <a:rPr lang="en-US" sz="1200" dirty="0" smtClean="0"/>
               <a:t>Support for Balance Inquiry secure PIN conversation flow. </a:t>
             </a:r>
-            <a:endParaRPr lang="en-US" sz="1200" dirty="0" smtClean="0"/>
           </a:p>
           <a:p>
             <a:pPr marL="171450" indent="-171450">
@@ -29279,7 +29121,6 @@
               <a:rPr lang="en-US" sz="1200" dirty="0" smtClean="0"/>
               <a:t>Echo Show UX for office.</a:t>
             </a:r>
-            <a:endParaRPr lang="en-US" sz="1200" dirty="0" smtClean="0"/>
           </a:p>
           <a:p>
             <a:pPr marL="171450" indent="-171450">
@@ -29866,15 +29707,7 @@
                   <a:schemeClr val="bg1"/>
                 </a:solidFill>
               </a:rPr>
-              <a:t>Mock service creation for the new service in </a:t>
-            </a:r>
-            <a:r>
-              <a:rPr lang="en-US" sz="1200" dirty="0" smtClean="0">
-                <a:solidFill>
-                  <a:schemeClr val="bg1"/>
-                </a:solidFill>
-              </a:rPr>
-              <a:t>the future.</a:t>
+              <a:t>Mock service creation for the new service in the future.</a:t>
             </a:r>
           </a:p>
           <a:p>
@@ -29952,7 +29785,6 @@
               <a:rPr lang="en-US" sz="1200" dirty="0" smtClean="0"/>
               <a:t>Transaction Use Cases</a:t>
             </a:r>
-            <a:endParaRPr lang="en-US" sz="1200" dirty="0" smtClean="0"/>
           </a:p>
         </p:txBody>
       </p:sp>
@@ -30555,11 +30387,7 @@
             </a:r>
             <a:r>
               <a:rPr lang="en-US" sz="1400" dirty="0" smtClean="0"/>
-              <a:t>TIAA Alexa Skill </a:t>
-            </a:r>
-            <a:r>
-              <a:rPr lang="en-US" sz="1400" dirty="0" smtClean="0"/>
-              <a:t>release</a:t>
+              <a:t>TIAA Alexa Skill release</a:t>
             </a:r>
             <a:endParaRPr lang="en-US" sz="1400" dirty="0"/>
           </a:p>
@@ -30619,7 +30447,6 @@
               <a:rPr lang="en-US" sz="1400" i="1" dirty="0"/>
               <a:t>Great milestone - congrats to this awesome team!!</a:t>
             </a:r>
-            <a:endParaRPr lang="en-US" sz="1400" i="1" dirty="0"/>
           </a:p>
         </p:txBody>
       </p:sp>
@@ -30704,7 +30531,6 @@
               <a:rPr lang="en-US" sz="1400" i="1" dirty="0"/>
               <a:t>“I am excited to announce that our Alexa Skill is now LIVE in the Amazon Marketplace! With the new skill, users can find local TIAA advisor, get a market quote, and find important tax information. A big THANK YOU to the entire Alexa pilot team for making this idea a reality.”</a:t>
             </a:r>
-            <a:endParaRPr lang="en-US" sz="1400" i="1" dirty="0"/>
           </a:p>
         </p:txBody>
       </p:sp>
@@ -31033,14 +30859,184 @@
           <a:bodyPr/>
           <a:lstStyle/>
           <a:p>
-            <a:endParaRPr lang="en-US"/>
+            <a:r>
+              <a:rPr lang="en-US" dirty="0" smtClean="0"/>
+              <a:t>TIAA nearest advisor / office Conversation </a:t>
+            </a:r>
+            <a:r>
+              <a:rPr lang="en-US" dirty="0"/>
+              <a:t>F</a:t>
+            </a:r>
+            <a:r>
+              <a:rPr lang="en-US" dirty="0" smtClean="0"/>
+              <a:t>low</a:t>
+            </a:r>
+            <a:endParaRPr lang="en-US" dirty="0"/>
           </a:p>
         </p:txBody>
       </p:sp>
+      <p:sp>
+        <p:nvSpPr>
+          <p:cNvPr id="4" name="Rectangle 2"/>
+          <p:cNvSpPr>
+            <a:spLocks noChangeArrowheads="1"/>
+          </p:cNvSpPr>
+          <p:nvPr/>
+        </p:nvSpPr>
+        <p:spPr bwMode="auto">
+          <a:xfrm>
+            <a:off x="0" y="0"/>
+            <a:ext cx="9144000" cy="457200"/>
+          </a:xfrm>
+          <a:prstGeom prst="rect">
+            <a:avLst/>
+          </a:prstGeom>
+          <a:noFill/>
+          <a:ln>
+            <a:noFill/>
+          </a:ln>
+          <a:effectLst/>
+          <a:extLst>
+            <a:ext uri="{909E8E84-426E-40DD-AFC4-6F175D3DCCD1}">
+              <a14:hiddenFill xmlns:a14="http://schemas.microsoft.com/office/drawing/2010/main">
+                <a:solidFill>
+                  <a:schemeClr val="accent1"/>
+                </a:solidFill>
+              </a14:hiddenFill>
+            </a:ext>
+            <a:ext uri="{91240B29-F687-4F45-9708-019B960494DF}">
+              <a14:hiddenLine xmlns:a14="http://schemas.microsoft.com/office/drawing/2010/main" w="9525">
+                <a:solidFill>
+                  <a:schemeClr val="tx1"/>
+                </a:solidFill>
+                <a:miter lim="800000"/>
+                <a:headEnd/>
+                <a:tailEnd/>
+              </a14:hiddenLine>
+            </a:ext>
+            <a:ext uri="{AF507438-7753-43E0-B8FC-AC1667EBCBE1}">
+              <a14:hiddenEffects xmlns:a14="http://schemas.microsoft.com/office/drawing/2010/main">
+                <a:effectLst>
+                  <a:outerShdw dist="35921" dir="2700000" algn="ctr" rotWithShape="0">
+                    <a:schemeClr val="bg2"/>
+                  </a:outerShdw>
+                </a:effectLst>
+              </a14:hiddenEffects>
+            </a:ext>
+          </a:extLst>
+        </p:spPr>
+        <p:txBody>
+          <a:bodyPr vert="horz" wrap="none" lIns="91440" tIns="45720" rIns="91440" bIns="45720" numCol="1" anchor="ctr" anchorCtr="0" compatLnSpc="1">
+            <a:prstTxWarp prst="textNoShape">
+              <a:avLst/>
+            </a:prstTxWarp>
+            <a:spAutoFit/>
+          </a:bodyPr>
+          <a:lstStyle/>
+          <a:p>
+            <a:endParaRPr lang="en-US"/>
+          </a:p>
+        </p:txBody>
+      </p:sp>
+      <p:pic>
+        <p:nvPicPr>
+          <p:cNvPr id="6145" name="Picture 2" descr="cid:image008.jpg@01D54ECF.C94903E0"/>
+          <p:cNvPicPr>
+            <a:picLocks noChangeAspect="1" noChangeArrowheads="1"/>
+          </p:cNvPicPr>
+          <p:nvPr/>
+        </p:nvPicPr>
+        <p:blipFill>
+          <a:blip r:embed="rId2" r:link="rId3">
+            <a:extLst>
+              <a:ext uri="{28A0092B-C50C-407E-A947-70E740481C1C}">
+                <a14:useLocalDpi xmlns:a14="http://schemas.microsoft.com/office/drawing/2010/main" val="0"/>
+              </a:ext>
+            </a:extLst>
+          </a:blip>
+          <a:srcRect/>
+          <a:stretch>
+            <a:fillRect/>
+          </a:stretch>
+        </p:blipFill>
+        <p:spPr bwMode="auto">
+          <a:xfrm>
+            <a:off x="1013655" y="1370205"/>
+            <a:ext cx="3810000" cy="4019550"/>
+          </a:xfrm>
+          <a:prstGeom prst="rect">
+            <a:avLst/>
+          </a:prstGeom>
+          <a:noFill/>
+          <a:extLst>
+            <a:ext uri="{909E8E84-426E-40DD-AFC4-6F175D3DCCD1}">
+              <a14:hiddenFill xmlns:a14="http://schemas.microsoft.com/office/drawing/2010/main">
+                <a:solidFill>
+                  <a:srgbClr val="FFFFFF"/>
+                </a:solidFill>
+              </a14:hiddenFill>
+            </a:ext>
+          </a:extLst>
+        </p:spPr>
+      </p:pic>
+      <p:pic>
+        <p:nvPicPr>
+          <p:cNvPr id="6148" name="Picture 3" descr="image009"/>
+          <p:cNvPicPr>
+            <a:picLocks noChangeAspect="1" noChangeArrowheads="1"/>
+          </p:cNvPicPr>
+          <p:nvPr/>
+        </p:nvPicPr>
+        <p:blipFill>
+          <a:blip r:embed="rId4">
+            <a:extLst>
+              <a:ext uri="{28A0092B-C50C-407E-A947-70E740481C1C}">
+                <a14:useLocalDpi xmlns:a14="http://schemas.microsoft.com/office/drawing/2010/main" val="0"/>
+              </a:ext>
+            </a:extLst>
+          </a:blip>
+          <a:srcRect/>
+          <a:stretch>
+            <a:fillRect/>
+          </a:stretch>
+        </p:blipFill>
+        <p:spPr bwMode="auto">
+          <a:xfrm>
+            <a:off x="4982461" y="3503805"/>
+            <a:ext cx="3714750" cy="1885950"/>
+          </a:xfrm>
+          <a:prstGeom prst="rect">
+            <a:avLst/>
+          </a:prstGeom>
+          <a:noFill/>
+          <a:ln>
+            <a:noFill/>
+          </a:ln>
+          <a:extLst>
+            <a:ext uri="{909E8E84-426E-40DD-AFC4-6F175D3DCCD1}">
+              <a14:hiddenFill xmlns:a14="http://schemas.microsoft.com/office/drawing/2010/main">
+                <a:solidFill>
+                  <a:srgbClr val="FFFFFF"/>
+                </a:solidFill>
+              </a14:hiddenFill>
+            </a:ext>
+            <a:ext uri="{91240B29-F687-4F45-9708-019B960494DF}">
+              <a14:hiddenLine xmlns:a14="http://schemas.microsoft.com/office/drawing/2010/main" w="9525">
+                <a:solidFill>
+                  <a:srgbClr val="000000"/>
+                </a:solidFill>
+                <a:miter lim="800000"/>
+                <a:headEnd/>
+                <a:tailEnd/>
+              </a14:hiddenLine>
+            </a:ext>
+          </a:extLst>
+        </p:spPr>
+      </p:pic>
     </p:spTree>
     <p:extLst>
       <p:ext uri="{BB962C8B-B14F-4D97-AF65-F5344CB8AC3E}">
-        <p14:creationId xmlns:p14="http://schemas.microsoft.com/office/powerpoint/2010/main" val="3433005607"/>
+        <p14:creationId xmlns:p14="http://schemas.microsoft.com/office/powerpoint/2010/main" val="1679823734"/>
       </p:ext>
     </p:extLst>
   </p:cSld>
@@ -31069,73 +31065,642 @@
       </p:grpSpPr>
       <p:sp>
         <p:nvSpPr>
-          <p:cNvPr id="3" name="TextBox 2"/>
-          <p:cNvSpPr txBox="1"/>
+          <p:cNvPr id="2" name="Content Placeholder 1"/>
+          <p:cNvSpPr>
+            <a:spLocks noGrp="1"/>
+          </p:cNvSpPr>
+          <p:nvPr>
+            <p:ph idx="1"/>
+          </p:nvPr>
+        </p:nvSpPr>
+        <p:spPr/>
+        <p:txBody>
+          <a:bodyPr/>
+          <a:lstStyle/>
+          <a:p>
+            <a:r>
+              <a:rPr lang="en-US" dirty="0" smtClean="0"/>
+              <a:t>Screenshots (if any)</a:t>
+            </a:r>
+            <a:endParaRPr lang="en-US" dirty="0"/>
+          </a:p>
+        </p:txBody>
+      </p:sp>
+      <p:sp>
+        <p:nvSpPr>
+          <p:cNvPr id="3" name="Title 2"/>
+          <p:cNvSpPr>
+            <a:spLocks noGrp="1"/>
+          </p:cNvSpPr>
+          <p:nvPr>
+            <p:ph type="title"/>
+          </p:nvPr>
+        </p:nvSpPr>
+        <p:spPr/>
+        <p:txBody>
+          <a:bodyPr/>
+          <a:lstStyle/>
+          <a:p>
+            <a:r>
+              <a:rPr lang="en-US" dirty="0" smtClean="0"/>
+              <a:t>TIAA nearest advisor list view from Echo Show</a:t>
+            </a:r>
+            <a:endParaRPr lang="en-US" dirty="0"/>
+          </a:p>
+        </p:txBody>
+      </p:sp>
+      <p:pic>
+        <p:nvPicPr>
+          <p:cNvPr id="4098" name="Picture 5" descr="image011"/>
+          <p:cNvPicPr>
+            <a:picLocks noChangeAspect="1" noChangeArrowheads="1"/>
+          </p:cNvPicPr>
           <p:nvPr/>
-        </p:nvSpPr>
-        <p:spPr>
+        </p:nvPicPr>
+        <p:blipFill>
+          <a:blip r:embed="rId2">
+            <a:extLst>
+              <a:ext uri="{28A0092B-C50C-407E-A947-70E740481C1C}">
+                <a14:useLocalDpi xmlns:a14="http://schemas.microsoft.com/office/drawing/2010/main" val="0"/>
+              </a:ext>
+            </a:extLst>
+          </a:blip>
+          <a:srcRect/>
+          <a:stretch>
+            <a:fillRect/>
+          </a:stretch>
+        </p:blipFill>
+        <p:spPr bwMode="auto">
           <a:xfrm>
-            <a:off x="6504201" y="3000375"/>
-            <a:ext cx="2108782" cy="523220"/>
+            <a:off x="536385" y="1362204"/>
+            <a:ext cx="7800975" cy="4610100"/>
           </a:xfrm>
           <a:prstGeom prst="rect">
             <a:avLst/>
           </a:prstGeom>
           <a:noFill/>
+          <a:ln>
+            <a:noFill/>
+          </a:ln>
+          <a:extLst>
+            <a:ext uri="{909E8E84-426E-40DD-AFC4-6F175D3DCCD1}">
+              <a14:hiddenFill xmlns:a14="http://schemas.microsoft.com/office/drawing/2010/main">
+                <a:solidFill>
+                  <a:srgbClr val="FFFFFF"/>
+                </a:solidFill>
+              </a14:hiddenFill>
+            </a:ext>
+            <a:ext uri="{91240B29-F687-4F45-9708-019B960494DF}">
+              <a14:hiddenLine xmlns:a14="http://schemas.microsoft.com/office/drawing/2010/main" w="9525">
+                <a:solidFill>
+                  <a:srgbClr val="000000"/>
+                </a:solidFill>
+                <a:miter lim="800000"/>
+                <a:headEnd/>
+                <a:tailEnd/>
+              </a14:hiddenLine>
+            </a:ext>
+          </a:extLst>
         </p:spPr>
-        <p:txBody>
-          <a:bodyPr wrap="none" rtlCol="0">
-            <a:spAutoFit/>
-          </a:bodyPr>
-          <a:lstStyle/>
-          <a:p>
-            <a:r>
-              <a:rPr lang="en-US" sz="2800" b="1" dirty="0" smtClean="0">
-                <a:solidFill>
-                  <a:srgbClr val="0070C0"/>
-                </a:solidFill>
-                <a:latin typeface="Segoe UI "/>
-              </a:rPr>
-              <a:t>Thank You!</a:t>
-            </a:r>
-            <a:endParaRPr lang="en-US" sz="2800" b="1" dirty="0">
-              <a:solidFill>
-                <a:srgbClr val="0070C0"/>
-              </a:solidFill>
-              <a:latin typeface="Segoe UI "/>
-            </a:endParaRPr>
-          </a:p>
-        </p:txBody>
-      </p:sp>
+      </p:pic>
     </p:spTree>
     <p:extLst>
       <p:ext uri="{BB962C8B-B14F-4D97-AF65-F5344CB8AC3E}">
-        <p14:creationId xmlns:p14="http://schemas.microsoft.com/office/powerpoint/2010/main" val="1658094072"/>
+        <p14:creationId xmlns:p14="http://schemas.microsoft.com/office/powerpoint/2010/main" val="3433005607"/>
       </p:ext>
     </p:extLst>
   </p:cSld>
   <p:clrMapOvr>
     <a:masterClrMapping/>
   </p:clrMapOvr>
-  <mc:AlternateContent xmlns:mc="http://schemas.openxmlformats.org/markup-compatibility/2006" xmlns:p15="http://schemas.microsoft.com/office/powerpoint/2012/main">
-    <mc:Choice Requires="p15">
-      <p:transition xmlns:p14="http://schemas.microsoft.com/office/powerpoint/2010/main" spd="slow" p14:dur="1250">
-        <p15:prstTrans prst="pageCurlDouble"/>
-      </p:transition>
-    </mc:Choice>
-    <mc:Fallback xmlns="">
-      <p:transition spd="slow">
-        <p:fade/>
-      </p:transition>
-    </mc:Fallback>
-  </mc:AlternateContent>
-  <p:timing>
-    <p:tnLst>
-      <p:par>
-        <p:cTn id="1" dur="indefinite" restart="never" nodeType="tmRoot"/>
-      </p:par>
-    </p:tnLst>
-  </p:timing>
+</p:sld>
+</file>
+
+<file path=ppt/slides/slide27.xml><?xml version="1.0" encoding="utf-8"?>
+<p:sld xmlns:a="http://schemas.openxmlformats.org/drawingml/2006/main" xmlns:r="http://schemas.openxmlformats.org/officeDocument/2006/relationships" xmlns:p="http://schemas.openxmlformats.org/presentationml/2006/main">
+  <p:cSld>
+    <p:spTree>
+      <p:nvGrpSpPr>
+        <p:cNvPr id="1" name=""/>
+        <p:cNvGrpSpPr/>
+        <p:nvPr/>
+      </p:nvGrpSpPr>
+      <p:grpSpPr>
+        <a:xfrm>
+          <a:off x="0" y="0"/>
+          <a:ext cx="0" cy="0"/>
+          <a:chOff x="0" y="0"/>
+          <a:chExt cx="0" cy="0"/>
+        </a:xfrm>
+      </p:grpSpPr>
+      <p:sp>
+        <p:nvSpPr>
+          <p:cNvPr id="2" name="Content Placeholder 1"/>
+          <p:cNvSpPr>
+            <a:spLocks noGrp="1"/>
+          </p:cNvSpPr>
+          <p:nvPr>
+            <p:ph idx="1"/>
+          </p:nvPr>
+        </p:nvSpPr>
+        <p:spPr/>
+        <p:txBody>
+          <a:bodyPr/>
+          <a:lstStyle/>
+          <a:p>
+            <a:r>
+              <a:rPr lang="en-US" dirty="0" smtClean="0"/>
+              <a:t>Screenshots (if any)</a:t>
+            </a:r>
+            <a:endParaRPr lang="en-US" dirty="0"/>
+          </a:p>
+        </p:txBody>
+      </p:sp>
+      <p:sp>
+        <p:nvSpPr>
+          <p:cNvPr id="3" name="Title 2"/>
+          <p:cNvSpPr>
+            <a:spLocks noGrp="1"/>
+          </p:cNvSpPr>
+          <p:nvPr>
+            <p:ph type="title"/>
+          </p:nvPr>
+        </p:nvSpPr>
+        <p:spPr/>
+        <p:txBody>
+          <a:bodyPr/>
+          <a:lstStyle/>
+          <a:p>
+            <a:r>
+              <a:rPr lang="en-US" dirty="0" smtClean="0"/>
+              <a:t>TIAA Trivia Question view from Echo Show</a:t>
+            </a:r>
+            <a:endParaRPr lang="en-US" dirty="0"/>
+          </a:p>
+        </p:txBody>
+      </p:sp>
+      <p:pic>
+        <p:nvPicPr>
+          <p:cNvPr id="5122" name="Picture 6" descr="image012"/>
+          <p:cNvPicPr>
+            <a:picLocks noChangeAspect="1" noChangeArrowheads="1"/>
+          </p:cNvPicPr>
+          <p:nvPr/>
+        </p:nvPicPr>
+        <p:blipFill>
+          <a:blip r:embed="rId2">
+            <a:extLst>
+              <a:ext uri="{28A0092B-C50C-407E-A947-70E740481C1C}">
+                <a14:useLocalDpi xmlns:a14="http://schemas.microsoft.com/office/drawing/2010/main" val="0"/>
+              </a:ext>
+            </a:extLst>
+          </a:blip>
+          <a:srcRect/>
+          <a:stretch>
+            <a:fillRect/>
+          </a:stretch>
+        </p:blipFill>
+        <p:spPr bwMode="auto">
+          <a:xfrm>
+            <a:off x="714429" y="1287652"/>
+            <a:ext cx="7715250" cy="4562475"/>
+          </a:xfrm>
+          <a:prstGeom prst="rect">
+            <a:avLst/>
+          </a:prstGeom>
+          <a:noFill/>
+          <a:ln>
+            <a:noFill/>
+          </a:ln>
+          <a:extLst>
+            <a:ext uri="{909E8E84-426E-40DD-AFC4-6F175D3DCCD1}">
+              <a14:hiddenFill xmlns:a14="http://schemas.microsoft.com/office/drawing/2010/main">
+                <a:solidFill>
+                  <a:srgbClr val="FFFFFF"/>
+                </a:solidFill>
+              </a14:hiddenFill>
+            </a:ext>
+            <a:ext uri="{91240B29-F687-4F45-9708-019B960494DF}">
+              <a14:hiddenLine xmlns:a14="http://schemas.microsoft.com/office/drawing/2010/main" w="9525">
+                <a:solidFill>
+                  <a:srgbClr val="000000"/>
+                </a:solidFill>
+                <a:miter lim="800000"/>
+                <a:headEnd/>
+                <a:tailEnd/>
+              </a14:hiddenLine>
+            </a:ext>
+          </a:extLst>
+        </p:spPr>
+      </p:pic>
+    </p:spTree>
+    <p:extLst>
+      <p:ext uri="{BB962C8B-B14F-4D97-AF65-F5344CB8AC3E}">
+        <p14:creationId xmlns:p14="http://schemas.microsoft.com/office/powerpoint/2010/main" val="3893277333"/>
+      </p:ext>
+    </p:extLst>
+  </p:cSld>
+  <p:clrMapOvr>
+    <a:masterClrMapping/>
+  </p:clrMapOvr>
+</p:sld>
+</file>
+
+<file path=ppt/slides/slide28.xml><?xml version="1.0" encoding="utf-8"?>
+<p:sld xmlns:a="http://schemas.openxmlformats.org/drawingml/2006/main" xmlns:r="http://schemas.openxmlformats.org/officeDocument/2006/relationships" xmlns:p="http://schemas.openxmlformats.org/presentationml/2006/main">
+  <p:cSld>
+    <p:spTree>
+      <p:nvGrpSpPr>
+        <p:cNvPr id="1" name=""/>
+        <p:cNvGrpSpPr/>
+        <p:nvPr/>
+      </p:nvGrpSpPr>
+      <p:grpSpPr>
+        <a:xfrm>
+          <a:off x="0" y="0"/>
+          <a:ext cx="0" cy="0"/>
+          <a:chOff x="0" y="0"/>
+          <a:chExt cx="0" cy="0"/>
+        </a:xfrm>
+      </p:grpSpPr>
+      <p:sp>
+        <p:nvSpPr>
+          <p:cNvPr id="2" name="Content Placeholder 1"/>
+          <p:cNvSpPr>
+            <a:spLocks noGrp="1"/>
+          </p:cNvSpPr>
+          <p:nvPr>
+            <p:ph idx="1"/>
+          </p:nvPr>
+        </p:nvSpPr>
+        <p:spPr/>
+        <p:txBody>
+          <a:bodyPr/>
+          <a:lstStyle/>
+          <a:p>
+            <a:r>
+              <a:rPr lang="en-US" dirty="0" smtClean="0"/>
+              <a:t>Screenshots (if any)</a:t>
+            </a:r>
+            <a:endParaRPr lang="en-US" dirty="0"/>
+          </a:p>
+        </p:txBody>
+      </p:sp>
+      <p:sp>
+        <p:nvSpPr>
+          <p:cNvPr id="3" name="Title 2"/>
+          <p:cNvSpPr>
+            <a:spLocks noGrp="1"/>
+          </p:cNvSpPr>
+          <p:nvPr>
+            <p:ph type="title"/>
+          </p:nvPr>
+        </p:nvSpPr>
+        <p:spPr/>
+        <p:txBody>
+          <a:bodyPr>
+            <a:normAutofit fontScale="90000"/>
+          </a:bodyPr>
+          <a:lstStyle/>
+          <a:p>
+            <a:r>
+              <a:rPr lang="en-US" dirty="0" smtClean="0"/>
+              <a:t>TIAA Tax form availability &amp; Balance Inquiry Conversation </a:t>
+            </a:r>
+            <a:r>
+              <a:rPr lang="en-US" dirty="0"/>
+              <a:t>F</a:t>
+            </a:r>
+            <a:r>
+              <a:rPr lang="en-US" dirty="0" smtClean="0"/>
+              <a:t>low</a:t>
+            </a:r>
+            <a:endParaRPr lang="en-US" dirty="0"/>
+          </a:p>
+        </p:txBody>
+      </p:sp>
+      <p:sp>
+        <p:nvSpPr>
+          <p:cNvPr id="4" name="Rectangle 2"/>
+          <p:cNvSpPr>
+            <a:spLocks noChangeArrowheads="1"/>
+          </p:cNvSpPr>
+          <p:nvPr/>
+        </p:nvSpPr>
+        <p:spPr bwMode="auto">
+          <a:xfrm>
+            <a:off x="0" y="0"/>
+            <a:ext cx="9144000" cy="457200"/>
+          </a:xfrm>
+          <a:prstGeom prst="rect">
+            <a:avLst/>
+          </a:prstGeom>
+          <a:noFill/>
+          <a:ln>
+            <a:noFill/>
+          </a:ln>
+          <a:effectLst/>
+          <a:extLst>
+            <a:ext uri="{909E8E84-426E-40DD-AFC4-6F175D3DCCD1}">
+              <a14:hiddenFill xmlns:a14="http://schemas.microsoft.com/office/drawing/2010/main">
+                <a:solidFill>
+                  <a:schemeClr val="accent1"/>
+                </a:solidFill>
+              </a14:hiddenFill>
+            </a:ext>
+            <a:ext uri="{91240B29-F687-4F45-9708-019B960494DF}">
+              <a14:hiddenLine xmlns:a14="http://schemas.microsoft.com/office/drawing/2010/main" w="9525">
+                <a:solidFill>
+                  <a:schemeClr val="tx1"/>
+                </a:solidFill>
+                <a:miter lim="800000"/>
+                <a:headEnd/>
+                <a:tailEnd/>
+              </a14:hiddenLine>
+            </a:ext>
+            <a:ext uri="{AF507438-7753-43E0-B8FC-AC1667EBCBE1}">
+              <a14:hiddenEffects xmlns:a14="http://schemas.microsoft.com/office/drawing/2010/main">
+                <a:effectLst>
+                  <a:outerShdw dist="35921" dir="2700000" algn="ctr" rotWithShape="0">
+                    <a:schemeClr val="bg2"/>
+                  </a:outerShdw>
+                </a:effectLst>
+              </a14:hiddenEffects>
+            </a:ext>
+          </a:extLst>
+        </p:spPr>
+        <p:txBody>
+          <a:bodyPr vert="horz" wrap="none" lIns="91440" tIns="45720" rIns="91440" bIns="45720" numCol="1" anchor="ctr" anchorCtr="0" compatLnSpc="1">
+            <a:prstTxWarp prst="textNoShape">
+              <a:avLst/>
+            </a:prstTxWarp>
+            <a:spAutoFit/>
+          </a:bodyPr>
+          <a:lstStyle/>
+          <a:p>
+            <a:endParaRPr lang="en-US"/>
+          </a:p>
+        </p:txBody>
+      </p:sp>
+      <p:pic>
+        <p:nvPicPr>
+          <p:cNvPr id="7170" name="Picture 1" descr="image007"/>
+          <p:cNvPicPr>
+            <a:picLocks noChangeAspect="1" noChangeArrowheads="1"/>
+          </p:cNvPicPr>
+          <p:nvPr/>
+        </p:nvPicPr>
+        <p:blipFill>
+          <a:blip r:embed="rId2">
+            <a:extLst>
+              <a:ext uri="{28A0092B-C50C-407E-A947-70E740481C1C}">
+                <a14:useLocalDpi xmlns:a14="http://schemas.microsoft.com/office/drawing/2010/main" val="0"/>
+              </a:ext>
+            </a:extLst>
+          </a:blip>
+          <a:srcRect/>
+          <a:stretch>
+            <a:fillRect/>
+          </a:stretch>
+        </p:blipFill>
+        <p:spPr bwMode="auto">
+          <a:xfrm>
+            <a:off x="2864077" y="1275085"/>
+            <a:ext cx="3714750" cy="4914900"/>
+          </a:xfrm>
+          <a:prstGeom prst="rect">
+            <a:avLst/>
+          </a:prstGeom>
+          <a:noFill/>
+          <a:ln>
+            <a:noFill/>
+          </a:ln>
+          <a:extLst>
+            <a:ext uri="{909E8E84-426E-40DD-AFC4-6F175D3DCCD1}">
+              <a14:hiddenFill xmlns:a14="http://schemas.microsoft.com/office/drawing/2010/main">
+                <a:solidFill>
+                  <a:srgbClr val="FFFFFF"/>
+                </a:solidFill>
+              </a14:hiddenFill>
+            </a:ext>
+            <a:ext uri="{91240B29-F687-4F45-9708-019B960494DF}">
+              <a14:hiddenLine xmlns:a14="http://schemas.microsoft.com/office/drawing/2010/main" w="9525">
+                <a:solidFill>
+                  <a:srgbClr val="000000"/>
+                </a:solidFill>
+                <a:miter lim="800000"/>
+                <a:headEnd/>
+                <a:tailEnd/>
+              </a14:hiddenLine>
+            </a:ext>
+          </a:extLst>
+        </p:spPr>
+      </p:pic>
+    </p:spTree>
+    <p:extLst>
+      <p:ext uri="{BB962C8B-B14F-4D97-AF65-F5344CB8AC3E}">
+        <p14:creationId xmlns:p14="http://schemas.microsoft.com/office/powerpoint/2010/main" val="1447921463"/>
+      </p:ext>
+    </p:extLst>
+  </p:cSld>
+  <p:clrMapOvr>
+    <a:masterClrMapping/>
+  </p:clrMapOvr>
+</p:sld>
+</file>
+
+<file path=ppt/slides/slide29.xml><?xml version="1.0" encoding="utf-8"?>
+<p:sld xmlns:a="http://schemas.openxmlformats.org/drawingml/2006/main" xmlns:r="http://schemas.openxmlformats.org/officeDocument/2006/relationships" xmlns:p="http://schemas.openxmlformats.org/presentationml/2006/main">
+  <p:cSld>
+    <p:spTree>
+      <p:nvGrpSpPr>
+        <p:cNvPr id="1" name=""/>
+        <p:cNvGrpSpPr/>
+        <p:nvPr/>
+      </p:nvGrpSpPr>
+      <p:grpSpPr>
+        <a:xfrm>
+          <a:off x="0" y="0"/>
+          <a:ext cx="0" cy="0"/>
+          <a:chOff x="0" y="0"/>
+          <a:chExt cx="0" cy="0"/>
+        </a:xfrm>
+      </p:grpSpPr>
+      <p:sp>
+        <p:nvSpPr>
+          <p:cNvPr id="2" name="Content Placeholder 1"/>
+          <p:cNvSpPr>
+            <a:spLocks noGrp="1"/>
+          </p:cNvSpPr>
+          <p:nvPr>
+            <p:ph idx="1"/>
+          </p:nvPr>
+        </p:nvSpPr>
+        <p:spPr/>
+        <p:txBody>
+          <a:bodyPr/>
+          <a:lstStyle/>
+          <a:p>
+            <a:r>
+              <a:rPr lang="en-US" dirty="0" smtClean="0"/>
+              <a:t>Screenshots (if any)</a:t>
+            </a:r>
+            <a:endParaRPr lang="en-US" dirty="0"/>
+          </a:p>
+        </p:txBody>
+      </p:sp>
+      <p:sp>
+        <p:nvSpPr>
+          <p:cNvPr id="3" name="Title 2"/>
+          <p:cNvSpPr>
+            <a:spLocks noGrp="1"/>
+          </p:cNvSpPr>
+          <p:nvPr>
+            <p:ph type="title"/>
+          </p:nvPr>
+        </p:nvSpPr>
+        <p:spPr/>
+        <p:txBody>
+          <a:bodyPr>
+            <a:normAutofit/>
+          </a:bodyPr>
+          <a:lstStyle/>
+          <a:p>
+            <a:r>
+              <a:rPr lang="en-US" dirty="0" smtClean="0"/>
+              <a:t>TIAA Market Quote and Performance conversation flow</a:t>
+            </a:r>
+            <a:endParaRPr lang="en-US" dirty="0"/>
+          </a:p>
+        </p:txBody>
+      </p:sp>
+      <p:sp>
+        <p:nvSpPr>
+          <p:cNvPr id="4" name="Rectangle 2"/>
+          <p:cNvSpPr>
+            <a:spLocks noChangeArrowheads="1"/>
+          </p:cNvSpPr>
+          <p:nvPr/>
+        </p:nvSpPr>
+        <p:spPr bwMode="auto">
+          <a:xfrm>
+            <a:off x="0" y="0"/>
+            <a:ext cx="9144000" cy="457200"/>
+          </a:xfrm>
+          <a:prstGeom prst="rect">
+            <a:avLst/>
+          </a:prstGeom>
+          <a:noFill/>
+          <a:ln>
+            <a:noFill/>
+          </a:ln>
+          <a:effectLst/>
+          <a:extLst>
+            <a:ext uri="{909E8E84-426E-40DD-AFC4-6F175D3DCCD1}">
+              <a14:hiddenFill xmlns:a14="http://schemas.microsoft.com/office/drawing/2010/main">
+                <a:solidFill>
+                  <a:schemeClr val="accent1"/>
+                </a:solidFill>
+              </a14:hiddenFill>
+            </a:ext>
+            <a:ext uri="{91240B29-F687-4F45-9708-019B960494DF}">
+              <a14:hiddenLine xmlns:a14="http://schemas.microsoft.com/office/drawing/2010/main" w="9525">
+                <a:solidFill>
+                  <a:schemeClr val="tx1"/>
+                </a:solidFill>
+                <a:miter lim="800000"/>
+                <a:headEnd/>
+                <a:tailEnd/>
+              </a14:hiddenLine>
+            </a:ext>
+            <a:ext uri="{AF507438-7753-43E0-B8FC-AC1667EBCBE1}">
+              <a14:hiddenEffects xmlns:a14="http://schemas.microsoft.com/office/drawing/2010/main">
+                <a:effectLst>
+                  <a:outerShdw dist="35921" dir="2700000" algn="ctr" rotWithShape="0">
+                    <a:schemeClr val="bg2"/>
+                  </a:outerShdw>
+                </a:effectLst>
+              </a14:hiddenEffects>
+            </a:ext>
+          </a:extLst>
+        </p:spPr>
+        <p:txBody>
+          <a:bodyPr vert="horz" wrap="none" lIns="91440" tIns="45720" rIns="91440" bIns="45720" numCol="1" anchor="ctr" anchorCtr="0" compatLnSpc="1">
+            <a:prstTxWarp prst="textNoShape">
+              <a:avLst/>
+            </a:prstTxWarp>
+            <a:spAutoFit/>
+          </a:bodyPr>
+          <a:lstStyle/>
+          <a:p>
+            <a:endParaRPr lang="en-US"/>
+          </a:p>
+        </p:txBody>
+      </p:sp>
+      <p:pic>
+        <p:nvPicPr>
+          <p:cNvPr id="8194" name="Picture 4" descr="image010"/>
+          <p:cNvPicPr>
+            <a:picLocks noChangeAspect="1" noChangeArrowheads="1"/>
+          </p:cNvPicPr>
+          <p:nvPr/>
+        </p:nvPicPr>
+        <p:blipFill>
+          <a:blip r:embed="rId2">
+            <a:extLst>
+              <a:ext uri="{28A0092B-C50C-407E-A947-70E740481C1C}">
+                <a14:useLocalDpi xmlns:a14="http://schemas.microsoft.com/office/drawing/2010/main" val="0"/>
+              </a:ext>
+            </a:extLst>
+          </a:blip>
+          <a:srcRect/>
+          <a:stretch>
+            <a:fillRect/>
+          </a:stretch>
+        </p:blipFill>
+        <p:spPr bwMode="auto">
+          <a:xfrm>
+            <a:off x="2724150" y="1586820"/>
+            <a:ext cx="3695700" cy="4248150"/>
+          </a:xfrm>
+          <a:prstGeom prst="rect">
+            <a:avLst/>
+          </a:prstGeom>
+          <a:noFill/>
+          <a:ln>
+            <a:noFill/>
+          </a:ln>
+          <a:extLst>
+            <a:ext uri="{909E8E84-426E-40DD-AFC4-6F175D3DCCD1}">
+              <a14:hiddenFill xmlns:a14="http://schemas.microsoft.com/office/drawing/2010/main">
+                <a:solidFill>
+                  <a:srgbClr val="FFFFFF"/>
+                </a:solidFill>
+              </a14:hiddenFill>
+            </a:ext>
+            <a:ext uri="{91240B29-F687-4F45-9708-019B960494DF}">
+              <a14:hiddenLine xmlns:a14="http://schemas.microsoft.com/office/drawing/2010/main" w="9525">
+                <a:solidFill>
+                  <a:srgbClr val="000000"/>
+                </a:solidFill>
+                <a:miter lim="800000"/>
+                <a:headEnd/>
+                <a:tailEnd/>
+              </a14:hiddenLine>
+            </a:ext>
+          </a:extLst>
+        </p:spPr>
+      </p:pic>
+    </p:spTree>
+    <p:extLst>
+      <p:ext uri="{BB962C8B-B14F-4D97-AF65-F5344CB8AC3E}">
+        <p14:creationId xmlns:p14="http://schemas.microsoft.com/office/powerpoint/2010/main" val="2113998741"/>
+      </p:ext>
+    </p:extLst>
+  </p:cSld>
+  <p:clrMapOvr>
+    <a:masterClrMapping/>
+  </p:clrMapOvr>
 </p:sld>
 </file>
 
@@ -31427,6 +31992,266 @@
     <p:extLst>
       <p:ext uri="{BB962C8B-B14F-4D97-AF65-F5344CB8AC3E}">
         <p14:creationId xmlns:p14="http://schemas.microsoft.com/office/powerpoint/2010/main" val="3242232661"/>
+      </p:ext>
+    </p:extLst>
+  </p:cSld>
+  <p:clrMapOvr>
+    <a:masterClrMapping/>
+  </p:clrMapOvr>
+  <mc:AlternateContent xmlns:mc="http://schemas.openxmlformats.org/markup-compatibility/2006" xmlns:p15="http://schemas.microsoft.com/office/powerpoint/2012/main">
+    <mc:Choice Requires="p15">
+      <p:transition xmlns:p14="http://schemas.microsoft.com/office/powerpoint/2010/main" spd="slow" p14:dur="1250">
+        <p15:prstTrans prst="pageCurlDouble"/>
+      </p:transition>
+    </mc:Choice>
+    <mc:Fallback xmlns="">
+      <p:transition spd="slow">
+        <p:fade/>
+      </p:transition>
+    </mc:Fallback>
+  </mc:AlternateContent>
+  <p:timing>
+    <p:tnLst>
+      <p:par>
+        <p:cTn id="1" dur="indefinite" restart="never" nodeType="tmRoot"/>
+      </p:par>
+    </p:tnLst>
+  </p:timing>
+</p:sld>
+</file>
+
+<file path=ppt/slides/slide30.xml><?xml version="1.0" encoding="utf-8"?>
+<p:sld xmlns:a="http://schemas.openxmlformats.org/drawingml/2006/main" xmlns:r="http://schemas.openxmlformats.org/officeDocument/2006/relationships" xmlns:p="http://schemas.openxmlformats.org/presentationml/2006/main">
+  <p:cSld>
+    <p:spTree>
+      <p:nvGrpSpPr>
+        <p:cNvPr id="1" name=""/>
+        <p:cNvGrpSpPr/>
+        <p:nvPr/>
+      </p:nvGrpSpPr>
+      <p:grpSpPr>
+        <a:xfrm>
+          <a:off x="0" y="0"/>
+          <a:ext cx="0" cy="0"/>
+          <a:chOff x="0" y="0"/>
+          <a:chExt cx="0" cy="0"/>
+        </a:xfrm>
+      </p:grpSpPr>
+      <p:sp>
+        <p:nvSpPr>
+          <p:cNvPr id="2" name="Content Placeholder 1"/>
+          <p:cNvSpPr>
+            <a:spLocks noGrp="1"/>
+          </p:cNvSpPr>
+          <p:nvPr>
+            <p:ph idx="1"/>
+          </p:nvPr>
+        </p:nvSpPr>
+        <p:spPr/>
+        <p:txBody>
+          <a:bodyPr/>
+          <a:lstStyle/>
+          <a:p>
+            <a:r>
+              <a:rPr lang="en-US" dirty="0" smtClean="0"/>
+              <a:t>Screenshots (if any)</a:t>
+            </a:r>
+            <a:endParaRPr lang="en-US" dirty="0"/>
+          </a:p>
+        </p:txBody>
+      </p:sp>
+      <p:sp>
+        <p:nvSpPr>
+          <p:cNvPr id="3" name="Title 2"/>
+          <p:cNvSpPr>
+            <a:spLocks noGrp="1"/>
+          </p:cNvSpPr>
+          <p:nvPr>
+            <p:ph type="title"/>
+          </p:nvPr>
+        </p:nvSpPr>
+        <p:spPr/>
+        <p:txBody>
+          <a:bodyPr>
+            <a:normAutofit/>
+          </a:bodyPr>
+          <a:lstStyle/>
+          <a:p>
+            <a:r>
+              <a:rPr lang="en-US" dirty="0" smtClean="0"/>
+              <a:t>TIAA Alexa Skill Companion App View</a:t>
+            </a:r>
+            <a:endParaRPr lang="en-US" dirty="0"/>
+          </a:p>
+        </p:txBody>
+      </p:sp>
+      <p:sp>
+        <p:nvSpPr>
+          <p:cNvPr id="4" name="Rectangle 2"/>
+          <p:cNvSpPr>
+            <a:spLocks noChangeArrowheads="1"/>
+          </p:cNvSpPr>
+          <p:nvPr/>
+        </p:nvSpPr>
+        <p:spPr bwMode="auto">
+          <a:xfrm>
+            <a:off x="0" y="0"/>
+            <a:ext cx="9144000" cy="457200"/>
+          </a:xfrm>
+          <a:prstGeom prst="rect">
+            <a:avLst/>
+          </a:prstGeom>
+          <a:noFill/>
+          <a:ln>
+            <a:noFill/>
+          </a:ln>
+          <a:effectLst/>
+          <a:extLst>
+            <a:ext uri="{909E8E84-426E-40DD-AFC4-6F175D3DCCD1}">
+              <a14:hiddenFill xmlns:a14="http://schemas.microsoft.com/office/drawing/2010/main">
+                <a:solidFill>
+                  <a:schemeClr val="accent1"/>
+                </a:solidFill>
+              </a14:hiddenFill>
+            </a:ext>
+            <a:ext uri="{91240B29-F687-4F45-9708-019B960494DF}">
+              <a14:hiddenLine xmlns:a14="http://schemas.microsoft.com/office/drawing/2010/main" w="9525">
+                <a:solidFill>
+                  <a:schemeClr val="tx1"/>
+                </a:solidFill>
+                <a:miter lim="800000"/>
+                <a:headEnd/>
+                <a:tailEnd/>
+              </a14:hiddenLine>
+            </a:ext>
+            <a:ext uri="{AF507438-7753-43E0-B8FC-AC1667EBCBE1}">
+              <a14:hiddenEffects xmlns:a14="http://schemas.microsoft.com/office/drawing/2010/main">
+                <a:effectLst>
+                  <a:outerShdw dist="35921" dir="2700000" algn="ctr" rotWithShape="0">
+                    <a:schemeClr val="bg2"/>
+                  </a:outerShdw>
+                </a:effectLst>
+              </a14:hiddenEffects>
+            </a:ext>
+          </a:extLst>
+        </p:spPr>
+        <p:txBody>
+          <a:bodyPr vert="horz" wrap="none" lIns="91440" tIns="45720" rIns="91440" bIns="45720" numCol="1" anchor="ctr" anchorCtr="0" compatLnSpc="1">
+            <a:prstTxWarp prst="textNoShape">
+              <a:avLst/>
+            </a:prstTxWarp>
+            <a:spAutoFit/>
+          </a:bodyPr>
+          <a:lstStyle/>
+          <a:p>
+            <a:endParaRPr lang="en-US"/>
+          </a:p>
+        </p:txBody>
+      </p:sp>
+      <p:pic>
+        <p:nvPicPr>
+          <p:cNvPr id="5" name="Picture 4"/>
+          <p:cNvPicPr>
+            <a:picLocks noChangeAspect="1"/>
+          </p:cNvPicPr>
+          <p:nvPr/>
+        </p:nvPicPr>
+        <p:blipFill>
+          <a:blip r:embed="rId2">
+            <a:extLst>
+              <a:ext uri="{28A0092B-C50C-407E-A947-70E740481C1C}">
+                <a14:useLocalDpi xmlns:a14="http://schemas.microsoft.com/office/drawing/2010/main" val="0"/>
+              </a:ext>
+            </a:extLst>
+          </a:blip>
+          <a:stretch>
+            <a:fillRect/>
+          </a:stretch>
+        </p:blipFill>
+        <p:spPr>
+          <a:xfrm>
+            <a:off x="3534771" y="787656"/>
+            <a:ext cx="5040998" cy="5159146"/>
+          </a:xfrm>
+          <a:prstGeom prst="rect">
+            <a:avLst/>
+          </a:prstGeom>
+        </p:spPr>
+      </p:pic>
+    </p:spTree>
+    <p:extLst>
+      <p:ext uri="{BB962C8B-B14F-4D97-AF65-F5344CB8AC3E}">
+        <p14:creationId xmlns:p14="http://schemas.microsoft.com/office/powerpoint/2010/main" val="3104639109"/>
+      </p:ext>
+    </p:extLst>
+  </p:cSld>
+  <p:clrMapOvr>
+    <a:masterClrMapping/>
+  </p:clrMapOvr>
+</p:sld>
+</file>
+
+<file path=ppt/slides/slide31.xml><?xml version="1.0" encoding="utf-8"?>
+<p:sld xmlns:a="http://schemas.openxmlformats.org/drawingml/2006/main" xmlns:r="http://schemas.openxmlformats.org/officeDocument/2006/relationships" xmlns:p="http://schemas.openxmlformats.org/presentationml/2006/main">
+  <p:cSld>
+    <p:spTree>
+      <p:nvGrpSpPr>
+        <p:cNvPr id="1" name=""/>
+        <p:cNvGrpSpPr/>
+        <p:nvPr/>
+      </p:nvGrpSpPr>
+      <p:grpSpPr>
+        <a:xfrm>
+          <a:off x="0" y="0"/>
+          <a:ext cx="0" cy="0"/>
+          <a:chOff x="0" y="0"/>
+          <a:chExt cx="0" cy="0"/>
+        </a:xfrm>
+      </p:grpSpPr>
+      <p:sp>
+        <p:nvSpPr>
+          <p:cNvPr id="3" name="TextBox 2"/>
+          <p:cNvSpPr txBox="1"/>
+          <p:nvPr/>
+        </p:nvSpPr>
+        <p:spPr>
+          <a:xfrm>
+            <a:off x="6504201" y="3000375"/>
+            <a:ext cx="2108782" cy="523220"/>
+          </a:xfrm>
+          <a:prstGeom prst="rect">
+            <a:avLst/>
+          </a:prstGeom>
+          <a:noFill/>
+        </p:spPr>
+        <p:txBody>
+          <a:bodyPr wrap="none" rtlCol="0">
+            <a:spAutoFit/>
+          </a:bodyPr>
+          <a:lstStyle/>
+          <a:p>
+            <a:r>
+              <a:rPr lang="en-US" sz="2800" b="1" dirty="0" smtClean="0">
+                <a:solidFill>
+                  <a:srgbClr val="0070C0"/>
+                </a:solidFill>
+                <a:latin typeface="Segoe UI "/>
+              </a:rPr>
+              <a:t>Thank You!</a:t>
+            </a:r>
+            <a:endParaRPr lang="en-US" sz="2800" b="1" dirty="0">
+              <a:solidFill>
+                <a:srgbClr val="0070C0"/>
+              </a:solidFill>
+              <a:latin typeface="Segoe UI "/>
+            </a:endParaRPr>
+          </a:p>
+        </p:txBody>
+      </p:sp>
+    </p:spTree>
+    <p:extLst>
+      <p:ext uri="{BB962C8B-B14F-4D97-AF65-F5344CB8AC3E}">
+        <p14:creationId xmlns:p14="http://schemas.microsoft.com/office/powerpoint/2010/main" val="1658094072"/>
       </p:ext>
     </p:extLst>
   </p:cSld>
@@ -36392,18 +37217,7 @@
                 <a:ea typeface="Calibri" charset="0"/>
                 <a:cs typeface="Calibri" charset="0"/>
               </a:rPr>
-              <a:t>TIAA Alexa - First Digital </a:t>
-            </a:r>
-            <a:r>
-              <a:rPr lang="en-US" sz="1400" b="1" dirty="0" smtClean="0">
-                <a:solidFill>
-                  <a:sysClr val="windowText" lastClr="000000"/>
-                </a:solidFill>
-                <a:latin typeface="+mj-lt"/>
-                <a:ea typeface="Calibri" charset="0"/>
-                <a:cs typeface="Calibri" charset="0"/>
-              </a:rPr>
-              <a:t>Assistant</a:t>
+              <a:t>TIAA Alexa - First Digital Assistant</a:t>
             </a:r>
             <a:endParaRPr lang="en-US" sz="1400" b="1" dirty="0">
               <a:solidFill>
@@ -36499,13 +37313,7 @@
               <a:rPr lang="en-US" sz="1200" dirty="0" smtClean="0">
                 <a:latin typeface="+mj-lt"/>
               </a:rPr>
-              <a:t>Voice Experience: Voice is the most natural form. </a:t>
-            </a:r>
-            <a:r>
-              <a:rPr lang="en-US" sz="1200" dirty="0" smtClean="0">
-                <a:latin typeface="+mj-lt"/>
-              </a:rPr>
-              <a:t>It simplifies the way the user go about every day.</a:t>
+              <a:t>Voice Experience: Voice is the most natural form. It simplifies the way the user go about every day.</a:t>
             </a:r>
             <a:endParaRPr lang="en-US" sz="1200" dirty="0">
               <a:latin typeface="+mj-lt"/>
@@ -36559,13 +37367,7 @@
               <a:rPr lang="en-US" sz="1200" dirty="0" smtClean="0">
                 <a:latin typeface="+mj-lt"/>
               </a:rPr>
-              <a:t>Hands Free: Enables user to communicate </a:t>
-            </a:r>
-            <a:r>
-              <a:rPr lang="en-US" sz="1200" dirty="0" smtClean="0">
-                <a:latin typeface="+mj-lt"/>
-              </a:rPr>
-              <a:t>being in the place where they are.</a:t>
+              <a:t>Hands Free: Enables user to communicate being in the place where they are.</a:t>
             </a:r>
             <a:endParaRPr lang="en-US" sz="1200" dirty="0">
               <a:latin typeface="+mj-lt"/>
@@ -36852,19 +37654,7 @@
               <a:rPr lang="en-US" sz="1200" dirty="0" smtClean="0">
                 <a:latin typeface="+mj-lt"/>
               </a:rPr>
-              <a:t>Implemented the test scripts using </a:t>
-            </a:r>
-            <a:r>
-              <a:rPr lang="en-US" sz="1200" dirty="0" smtClean="0">
-                <a:latin typeface="+mj-lt"/>
-              </a:rPr>
-              <a:t>lambda tester for the </a:t>
-            </a:r>
-            <a:r>
-              <a:rPr lang="en-US" sz="1200" dirty="0" smtClean="0">
-                <a:latin typeface="+mj-lt"/>
-              </a:rPr>
-              <a:t>incremental changes to rectify the issues in the development stage.</a:t>
+              <a:t>Implemented the test scripts using lambda tester for the incremental changes to rectify the issues in the development stage.</a:t>
             </a:r>
             <a:endParaRPr lang="en-US" sz="1200" dirty="0">
               <a:latin typeface="+mj-lt"/>
@@ -37902,15 +38692,7 @@
                   <a:schemeClr val="bg1"/>
                 </a:solidFill>
               </a:rPr>
-              <a:t>Responses based on Device </a:t>
-            </a:r>
-            <a:r>
-              <a:rPr lang="en-US" sz="1400" b="1" dirty="0" smtClean="0">
-                <a:solidFill>
-                  <a:schemeClr val="bg1"/>
-                </a:solidFill>
-              </a:rPr>
-              <a:t>Time Zone</a:t>
+              <a:t>Responses based on Device Time Zone</a:t>
             </a:r>
             <a:endParaRPr lang="en-US" sz="1400" b="1" dirty="0">
               <a:solidFill>
@@ -37947,15 +38729,7 @@
                   <a:schemeClr val="bg1"/>
                 </a:solidFill>
               </a:rPr>
-              <a:t>April </a:t>
-            </a:r>
-            <a:r>
-              <a:rPr lang="en-US" sz="1400" b="1" dirty="0" smtClean="0">
-                <a:solidFill>
-                  <a:schemeClr val="bg1"/>
-                </a:solidFill>
-              </a:rPr>
-              <a:t>2019</a:t>
+              <a:t>April 2019</a:t>
             </a:r>
           </a:p>
           <a:p>

--- a/TIAA Alexa Skill-PMR July 2019.pptx
+++ b/TIAA Alexa Skill-PMR July 2019.pptx
@@ -24431,7 +24431,18 @@
                 <a:ea typeface="Times New Roman" panose="02020603050405020304" pitchFamily="18" charset="0"/>
                 <a:cs typeface="Calibri" panose="020F0502020204030204" pitchFamily="34" charset="0"/>
               </a:rPr>
-              <a:t>Veracode Check</a:t>
+              <a:t>VERACODE </a:t>
+            </a:r>
+            <a:r>
+              <a:rPr lang="en-US" sz="1400" b="1" dirty="0" smtClean="0">
+                <a:solidFill>
+                  <a:srgbClr val="25A4BD"/>
+                </a:solidFill>
+                <a:latin typeface="+mj-lt"/>
+                <a:ea typeface="Times New Roman" panose="02020603050405020304" pitchFamily="18" charset="0"/>
+                <a:cs typeface="Calibri" panose="020F0502020204030204" pitchFamily="34" charset="0"/>
+              </a:rPr>
+              <a:t>Check</a:t>
             </a:r>
           </a:p>
           <a:p>
@@ -26955,89 +26966,13 @@
       </p:sp>
       <p:sp>
         <p:nvSpPr>
-          <p:cNvPr id="34" name="Rectangle 33"/>
-          <p:cNvSpPr/>
-          <p:nvPr/>
-        </p:nvSpPr>
-        <p:spPr>
-          <a:xfrm>
-            <a:off x="1185961" y="2607698"/>
-            <a:ext cx="1361270" cy="276999"/>
-          </a:xfrm>
-          <a:prstGeom prst="rect">
-            <a:avLst/>
-          </a:prstGeom>
-        </p:spPr>
-        <p:txBody>
-          <a:bodyPr wrap="none" anchor="ctr">
-            <a:spAutoFit/>
-          </a:bodyPr>
-          <a:lstStyle/>
-          <a:p>
-            <a:pPr marL="0" lvl="1"/>
-            <a:r>
-              <a:rPr lang="en-US" sz="1200" b="1" dirty="0" smtClean="0">
-                <a:latin typeface="Segoe UI "/>
-                <a:ea typeface="Segoe UI" panose="020B0502040204020203" pitchFamily="34" charset="0"/>
-                <a:cs typeface="Segoe UI" panose="020B0502040204020203" pitchFamily="34" charset="0"/>
-              </a:rPr>
-              <a:t>Delivery Metrics</a:t>
-            </a:r>
-            <a:endParaRPr lang="en-US" sz="1200" b="1" dirty="0">
-              <a:latin typeface="Segoe UI "/>
-              <a:ea typeface="Segoe UI" panose="020B0502040204020203" pitchFamily="34" charset="0"/>
-              <a:cs typeface="Segoe UI" panose="020B0502040204020203" pitchFamily="34" charset="0"/>
-            </a:endParaRPr>
-          </a:p>
-        </p:txBody>
-      </p:sp>
-      <p:sp>
-        <p:nvSpPr>
-          <p:cNvPr id="37" name="Rectangle 36"/>
-          <p:cNvSpPr/>
-          <p:nvPr/>
-        </p:nvSpPr>
-        <p:spPr>
-          <a:xfrm>
-            <a:off x="1185961" y="3190300"/>
-            <a:ext cx="1184940" cy="276999"/>
-          </a:xfrm>
-          <a:prstGeom prst="rect">
-            <a:avLst/>
-          </a:prstGeom>
-        </p:spPr>
-        <p:txBody>
-          <a:bodyPr wrap="none" anchor="ctr">
-            <a:spAutoFit/>
-          </a:bodyPr>
-          <a:lstStyle/>
-          <a:p>
-            <a:pPr marL="0" lvl="1"/>
-            <a:r>
-              <a:rPr lang="en-US" sz="1200" b="1" dirty="0" smtClean="0">
-                <a:latin typeface="Segoe UI "/>
-                <a:ea typeface="Segoe UI" panose="020B0502040204020203" pitchFamily="34" charset="0"/>
-                <a:cs typeface="Segoe UI" panose="020B0502040204020203" pitchFamily="34" charset="0"/>
-              </a:rPr>
-              <a:t>SPD / Devops</a:t>
-            </a:r>
-            <a:endParaRPr lang="en-US" sz="1200" b="1" dirty="0">
-              <a:latin typeface="Segoe UI "/>
-              <a:ea typeface="Segoe UI" panose="020B0502040204020203" pitchFamily="34" charset="0"/>
-              <a:cs typeface="Segoe UI" panose="020B0502040204020203" pitchFamily="34" charset="0"/>
-            </a:endParaRPr>
-          </a:p>
-        </p:txBody>
-      </p:sp>
-      <p:sp>
-        <p:nvSpPr>
           <p:cNvPr id="40" name="Rectangle 39"/>
           <p:cNvSpPr/>
           <p:nvPr/>
         </p:nvSpPr>
         <p:spPr>
           <a:xfrm>
-            <a:off x="1185961" y="3772902"/>
+            <a:off x="1185961" y="2591667"/>
             <a:ext cx="3455946" cy="276999"/>
           </a:xfrm>
           <a:prstGeom prst="rect">
@@ -27096,7 +27031,7 @@
         </p:nvSpPr>
         <p:spPr>
           <a:xfrm>
-            <a:off x="1185961" y="4355504"/>
+            <a:off x="1185961" y="3174269"/>
             <a:ext cx="1005403" cy="276999"/>
           </a:xfrm>
           <a:prstGeom prst="rect">
@@ -27133,7 +27068,7 @@
         </p:nvSpPr>
         <p:spPr>
           <a:xfrm>
-            <a:off x="1185961" y="4938106"/>
+            <a:off x="1185961" y="3756871"/>
             <a:ext cx="1268296" cy="276999"/>
           </a:xfrm>
           <a:prstGeom prst="rect">
@@ -27170,7 +27105,7 @@
         </p:nvSpPr>
         <p:spPr>
           <a:xfrm>
-            <a:off x="1185961" y="5520711"/>
+            <a:off x="1185961" y="4339476"/>
             <a:ext cx="886781" cy="276999"/>
           </a:xfrm>
           <a:prstGeom prst="rect">
@@ -27498,216 +27433,13 @@
       </p:grpSp>
       <p:grpSp>
         <p:nvGrpSpPr>
-          <p:cNvPr id="60" name="Group 59"/>
-          <p:cNvGrpSpPr/>
-          <p:nvPr/>
-        </p:nvGrpSpPr>
-        <p:grpSpPr>
-          <a:xfrm>
-            <a:off x="724350" y="2558867"/>
-            <a:ext cx="312393" cy="380603"/>
-            <a:chOff x="838199" y="960935"/>
-            <a:chExt cx="414337" cy="504805"/>
-          </a:xfrm>
-        </p:grpSpPr>
-        <p:sp>
-          <p:nvSpPr>
-            <p:cNvPr id="61" name="Round Same Side Corner Rectangle 60"/>
-            <p:cNvSpPr/>
-            <p:nvPr/>
-          </p:nvSpPr>
-          <p:spPr>
-            <a:xfrm rot="5400000">
-              <a:off x="809624" y="1003799"/>
-              <a:ext cx="485775" cy="400049"/>
-            </a:xfrm>
-            <a:prstGeom prst="round2SameRect">
-              <a:avLst>
-                <a:gd name="adj1" fmla="val 50000"/>
-                <a:gd name="adj2" fmla="val 0"/>
-              </a:avLst>
-            </a:prstGeom>
-            <a:solidFill>
-              <a:schemeClr val="accent2">
-                <a:lumMod val="60000"/>
-                <a:lumOff val="40000"/>
-              </a:schemeClr>
-            </a:solidFill>
-            <a:ln>
-              <a:solidFill>
-                <a:schemeClr val="accent2">
-                  <a:lumMod val="75000"/>
-                </a:schemeClr>
-              </a:solidFill>
-            </a:ln>
-          </p:spPr>
-          <p:style>
-            <a:lnRef idx="2">
-              <a:schemeClr val="accent1">
-                <a:shade val="50000"/>
-              </a:schemeClr>
-            </a:lnRef>
-            <a:fillRef idx="1">
-              <a:schemeClr val="accent1"/>
-            </a:fillRef>
-            <a:effectRef idx="0">
-              <a:schemeClr val="accent1"/>
-            </a:effectRef>
-            <a:fontRef idx="minor">
-              <a:schemeClr val="lt1"/>
-            </a:fontRef>
-          </p:style>
-          <p:txBody>
-            <a:bodyPr rtlCol="0" anchor="ctr"/>
-            <a:lstStyle/>
-            <a:p>
-              <a:pPr algn="ctr"/>
-              <a:endParaRPr lang="en-US"/>
-            </a:p>
-          </p:txBody>
-        </p:sp>
-        <p:cxnSp>
-          <p:nvCxnSpPr>
-            <p:cNvPr id="62" name="Straight Connector 61"/>
-            <p:cNvCxnSpPr/>
-            <p:nvPr/>
-          </p:nvCxnSpPr>
-          <p:spPr>
-            <a:xfrm>
-              <a:off x="838199" y="960935"/>
-              <a:ext cx="0" cy="504805"/>
-            </a:xfrm>
-            <a:prstGeom prst="line">
-              <a:avLst/>
-            </a:prstGeom>
-            <a:effectLst>
-              <a:outerShdw blurRad="50800" dist="38100" algn="l" rotWithShape="0">
-                <a:prstClr val="black">
-                  <a:alpha val="40000"/>
-                </a:prstClr>
-              </a:outerShdw>
-            </a:effectLst>
-          </p:spPr>
-          <p:style>
-            <a:lnRef idx="1">
-              <a:schemeClr val="accent2"/>
-            </a:lnRef>
-            <a:fillRef idx="0">
-              <a:schemeClr val="accent2"/>
-            </a:fillRef>
-            <a:effectRef idx="0">
-              <a:schemeClr val="accent2"/>
-            </a:effectRef>
-            <a:fontRef idx="minor">
-              <a:schemeClr val="tx1"/>
-            </a:fontRef>
-          </p:style>
-        </p:cxnSp>
-      </p:grpSp>
-      <p:grpSp>
-        <p:nvGrpSpPr>
-          <p:cNvPr id="63" name="Group 62"/>
-          <p:cNvGrpSpPr/>
-          <p:nvPr/>
-        </p:nvGrpSpPr>
-        <p:grpSpPr>
-          <a:xfrm>
-            <a:off x="724350" y="3142311"/>
-            <a:ext cx="312393" cy="380603"/>
-            <a:chOff x="685799" y="808535"/>
-            <a:chExt cx="414337" cy="504805"/>
-          </a:xfrm>
-        </p:grpSpPr>
-        <p:sp>
-          <p:nvSpPr>
-            <p:cNvPr id="64" name="Round Same Side Corner Rectangle 63"/>
-            <p:cNvSpPr/>
-            <p:nvPr/>
-          </p:nvSpPr>
-          <p:spPr>
-            <a:xfrm rot="5400000">
-              <a:off x="657224" y="851399"/>
-              <a:ext cx="485775" cy="400049"/>
-            </a:xfrm>
-            <a:prstGeom prst="round2SameRect">
-              <a:avLst>
-                <a:gd name="adj1" fmla="val 50000"/>
-                <a:gd name="adj2" fmla="val 0"/>
-              </a:avLst>
-            </a:prstGeom>
-          </p:spPr>
-          <p:style>
-            <a:lnRef idx="2">
-              <a:schemeClr val="accent1">
-                <a:shade val="50000"/>
-              </a:schemeClr>
-            </a:lnRef>
-            <a:fillRef idx="1">
-              <a:schemeClr val="accent1"/>
-            </a:fillRef>
-            <a:effectRef idx="0">
-              <a:schemeClr val="accent1"/>
-            </a:effectRef>
-            <a:fontRef idx="minor">
-              <a:schemeClr val="lt1"/>
-            </a:fontRef>
-          </p:style>
-          <p:txBody>
-            <a:bodyPr rtlCol="0" anchor="ctr"/>
-            <a:lstStyle/>
-            <a:p>
-              <a:pPr algn="ctr"/>
-              <a:endParaRPr lang="en-US"/>
-            </a:p>
-          </p:txBody>
-        </p:sp>
-        <p:cxnSp>
-          <p:nvCxnSpPr>
-            <p:cNvPr id="65" name="Straight Connector 64"/>
-            <p:cNvCxnSpPr/>
-            <p:nvPr/>
-          </p:nvCxnSpPr>
-          <p:spPr>
-            <a:xfrm>
-              <a:off x="685799" y="808535"/>
-              <a:ext cx="0" cy="504805"/>
-            </a:xfrm>
-            <a:prstGeom prst="line">
-              <a:avLst/>
-            </a:prstGeom>
-            <a:effectLst>
-              <a:outerShdw blurRad="50800" dist="38100" algn="l" rotWithShape="0">
-                <a:prstClr val="black">
-                  <a:alpha val="40000"/>
-                </a:prstClr>
-              </a:outerShdw>
-            </a:effectLst>
-          </p:spPr>
-          <p:style>
-            <a:lnRef idx="1">
-              <a:schemeClr val="accent1"/>
-            </a:lnRef>
-            <a:fillRef idx="0">
-              <a:schemeClr val="accent1"/>
-            </a:fillRef>
-            <a:effectRef idx="0">
-              <a:schemeClr val="accent1"/>
-            </a:effectRef>
-            <a:fontRef idx="minor">
-              <a:schemeClr val="tx1"/>
-            </a:fontRef>
-          </p:style>
-        </p:cxnSp>
-      </p:grpSp>
-      <p:grpSp>
-        <p:nvGrpSpPr>
           <p:cNvPr id="66" name="Group 65"/>
           <p:cNvGrpSpPr/>
           <p:nvPr/>
         </p:nvGrpSpPr>
         <p:grpSpPr>
           <a:xfrm>
-            <a:off x="724350" y="3725755"/>
+            <a:off x="724350" y="2544520"/>
             <a:ext cx="312393" cy="380603"/>
             <a:chOff x="838199" y="960935"/>
             <a:chExt cx="414337" cy="504805"/>
@@ -27815,7 +27547,7 @@
         </p:nvGrpSpPr>
         <p:grpSpPr>
           <a:xfrm>
-            <a:off x="724350" y="4309199"/>
+            <a:off x="724350" y="3127964"/>
             <a:ext cx="312393" cy="380603"/>
             <a:chOff x="685799" y="808535"/>
             <a:chExt cx="414337" cy="504805"/>
@@ -27910,7 +27642,7 @@
         </p:nvGrpSpPr>
         <p:grpSpPr>
           <a:xfrm>
-            <a:off x="724350" y="4892643"/>
+            <a:off x="724350" y="3711408"/>
             <a:ext cx="312393" cy="380603"/>
             <a:chOff x="838199" y="960935"/>
             <a:chExt cx="414337" cy="504805"/>
@@ -28018,7 +27750,7 @@
         </p:nvGrpSpPr>
         <p:grpSpPr>
           <a:xfrm>
-            <a:off x="724350" y="5476084"/>
+            <a:off x="724350" y="4294849"/>
             <a:ext cx="312393" cy="380603"/>
             <a:chOff x="685799" y="808535"/>
             <a:chExt cx="414337" cy="504805"/>
@@ -28242,13 +27974,13 @@
       </p:sp>
       <p:sp>
         <p:nvSpPr>
-          <p:cNvPr id="80" name="Isosceles Triangle 79"/>
+          <p:cNvPr id="82" name="Isosceles Triangle 81"/>
           <p:cNvSpPr/>
           <p:nvPr/>
         </p:nvSpPr>
         <p:spPr>
           <a:xfrm rot="5400000">
-            <a:off x="1073287" y="2692229"/>
+            <a:off x="1073287" y="2687006"/>
             <a:ext cx="157391" cy="77953"/>
           </a:xfrm>
           <a:prstGeom prst="triangle">
@@ -28291,13 +28023,13 @@
       </p:sp>
       <p:sp>
         <p:nvSpPr>
-          <p:cNvPr id="81" name="Isosceles Triangle 80"/>
+          <p:cNvPr id="83" name="Isosceles Triangle 82"/>
           <p:cNvSpPr/>
           <p:nvPr/>
         </p:nvSpPr>
         <p:spPr>
           <a:xfrm rot="5400000">
-            <a:off x="1073287" y="3294322"/>
+            <a:off x="1073287" y="3269186"/>
             <a:ext cx="157391" cy="77953"/>
           </a:xfrm>
           <a:prstGeom prst="triangle">
@@ -28334,13 +28066,13 @@
       </p:sp>
       <p:sp>
         <p:nvSpPr>
-          <p:cNvPr id="82" name="Isosceles Triangle 81"/>
+          <p:cNvPr id="84" name="Isosceles Triangle 83"/>
           <p:cNvSpPr/>
           <p:nvPr/>
         </p:nvSpPr>
         <p:spPr>
           <a:xfrm rot="5400000">
-            <a:off x="1073287" y="3868241"/>
+            <a:off x="1073287" y="3843105"/>
             <a:ext cx="157391" cy="77953"/>
           </a:xfrm>
           <a:prstGeom prst="triangle">
@@ -28383,105 +28115,13 @@
       </p:sp>
       <p:sp>
         <p:nvSpPr>
-          <p:cNvPr id="83" name="Isosceles Triangle 82"/>
-          <p:cNvSpPr/>
-          <p:nvPr/>
-        </p:nvSpPr>
-        <p:spPr>
-          <a:xfrm rot="5400000">
-            <a:off x="1073287" y="4450421"/>
-            <a:ext cx="157391" cy="77953"/>
-          </a:xfrm>
-          <a:prstGeom prst="triangle">
-            <a:avLst/>
-          </a:prstGeom>
-          <a:ln>
-            <a:noFill/>
-          </a:ln>
-        </p:spPr>
-        <p:style>
-          <a:lnRef idx="2">
-            <a:schemeClr val="accent1">
-              <a:shade val="50000"/>
-            </a:schemeClr>
-          </a:lnRef>
-          <a:fillRef idx="1">
-            <a:schemeClr val="accent1"/>
-          </a:fillRef>
-          <a:effectRef idx="0">
-            <a:schemeClr val="accent1"/>
-          </a:effectRef>
-          <a:fontRef idx="minor">
-            <a:schemeClr val="lt1"/>
-          </a:fontRef>
-        </p:style>
-        <p:txBody>
-          <a:bodyPr rtlCol="0" anchor="ctr"/>
-          <a:lstStyle/>
-          <a:p>
-            <a:pPr algn="ctr"/>
-            <a:endParaRPr lang="en-US"/>
-          </a:p>
-        </p:txBody>
-      </p:sp>
-      <p:sp>
-        <p:nvSpPr>
-          <p:cNvPr id="84" name="Isosceles Triangle 83"/>
-          <p:cNvSpPr/>
-          <p:nvPr/>
-        </p:nvSpPr>
-        <p:spPr>
-          <a:xfrm rot="5400000">
-            <a:off x="1073287" y="5024340"/>
-            <a:ext cx="157391" cy="77953"/>
-          </a:xfrm>
-          <a:prstGeom prst="triangle">
-            <a:avLst/>
-          </a:prstGeom>
-          <a:solidFill>
-            <a:schemeClr val="accent2">
-              <a:lumMod val="60000"/>
-              <a:lumOff val="40000"/>
-            </a:schemeClr>
-          </a:solidFill>
-          <a:ln>
-            <a:noFill/>
-          </a:ln>
-        </p:spPr>
-        <p:style>
-          <a:lnRef idx="2">
-            <a:schemeClr val="accent1">
-              <a:shade val="50000"/>
-            </a:schemeClr>
-          </a:lnRef>
-          <a:fillRef idx="1">
-            <a:schemeClr val="accent1"/>
-          </a:fillRef>
-          <a:effectRef idx="0">
-            <a:schemeClr val="accent1"/>
-          </a:effectRef>
-          <a:fontRef idx="minor">
-            <a:schemeClr val="lt1"/>
-          </a:fontRef>
-        </p:style>
-        <p:txBody>
-          <a:bodyPr rtlCol="0" anchor="ctr"/>
-          <a:lstStyle/>
-          <a:p>
-            <a:pPr algn="ctr"/>
-            <a:endParaRPr lang="en-US"/>
-          </a:p>
-        </p:txBody>
-      </p:sp>
-      <p:sp>
-        <p:nvSpPr>
           <p:cNvPr id="85" name="Isosceles Triangle 84"/>
           <p:cNvSpPr/>
           <p:nvPr/>
         </p:nvSpPr>
         <p:spPr>
           <a:xfrm rot="5400000">
-            <a:off x="1073287" y="5620235"/>
+            <a:off x="1073287" y="4439000"/>
             <a:ext cx="157391" cy="77953"/>
           </a:xfrm>
           <a:prstGeom prst="triangle">
@@ -28592,87 +28232,13 @@
       </p:cxnSp>
       <p:cxnSp>
         <p:nvCxnSpPr>
-          <p:cNvPr id="87" name="Straight Connector 86"/>
-          <p:cNvCxnSpPr/>
-          <p:nvPr/>
-        </p:nvCxnSpPr>
-        <p:spPr>
-          <a:xfrm>
-            <a:off x="748002" y="2436684"/>
-            <a:ext cx="7781849" cy="0"/>
-          </a:xfrm>
-          <a:prstGeom prst="line">
-            <a:avLst/>
-          </a:prstGeom>
-          <a:ln>
-            <a:solidFill>
-              <a:schemeClr val="bg1">
-                <a:lumMod val="85000"/>
-              </a:schemeClr>
-            </a:solidFill>
-          </a:ln>
-        </p:spPr>
-        <p:style>
-          <a:lnRef idx="1">
-            <a:schemeClr val="accent1"/>
-          </a:lnRef>
-          <a:fillRef idx="0">
-            <a:schemeClr val="accent1"/>
-          </a:fillRef>
-          <a:effectRef idx="0">
-            <a:schemeClr val="accent1"/>
-          </a:effectRef>
-          <a:fontRef idx="minor">
-            <a:schemeClr val="tx1"/>
-          </a:fontRef>
-        </p:style>
-      </p:cxnSp>
-      <p:cxnSp>
-        <p:nvCxnSpPr>
           <p:cNvPr id="88" name="Straight Connector 87"/>
           <p:cNvCxnSpPr/>
           <p:nvPr/>
         </p:nvCxnSpPr>
         <p:spPr>
           <a:xfrm>
-            <a:off x="748002" y="3025812"/>
-            <a:ext cx="7781849" cy="0"/>
-          </a:xfrm>
-          <a:prstGeom prst="line">
-            <a:avLst/>
-          </a:prstGeom>
-          <a:ln>
-            <a:solidFill>
-              <a:schemeClr val="bg1">
-                <a:lumMod val="85000"/>
-              </a:schemeClr>
-            </a:solidFill>
-          </a:ln>
-        </p:spPr>
-        <p:style>
-          <a:lnRef idx="1">
-            <a:schemeClr val="accent1"/>
-          </a:lnRef>
-          <a:fillRef idx="0">
-            <a:schemeClr val="accent1"/>
-          </a:fillRef>
-          <a:effectRef idx="0">
-            <a:schemeClr val="accent1"/>
-          </a:effectRef>
-          <a:fontRef idx="minor">
-            <a:schemeClr val="tx1"/>
-          </a:fontRef>
-        </p:style>
-      </p:cxnSp>
-      <p:cxnSp>
-        <p:nvCxnSpPr>
-          <p:cNvPr id="89" name="Straight Connector 88"/>
-          <p:cNvCxnSpPr/>
-          <p:nvPr/>
-        </p:nvCxnSpPr>
-        <p:spPr>
-          <a:xfrm>
-            <a:off x="748002" y="3610400"/>
+            <a:off x="737230" y="2450551"/>
             <a:ext cx="7781849" cy="0"/>
           </a:xfrm>
           <a:prstGeom prst="line">
@@ -28709,7 +28275,7 @@
         </p:nvCxnSpPr>
         <p:spPr>
           <a:xfrm>
-            <a:off x="748002" y="4199528"/>
+            <a:off x="748002" y="3018293"/>
             <a:ext cx="7781849" cy="0"/>
           </a:xfrm>
           <a:prstGeom prst="line">
@@ -28746,7 +28312,7 @@
         </p:nvCxnSpPr>
         <p:spPr>
           <a:xfrm>
-            <a:off x="748002" y="4764289"/>
+            <a:off x="748002" y="3583054"/>
             <a:ext cx="7781849" cy="0"/>
           </a:xfrm>
           <a:prstGeom prst="line">
@@ -28783,7 +28349,7 @@
         </p:nvCxnSpPr>
         <p:spPr>
           <a:xfrm>
-            <a:off x="748002" y="5353417"/>
+            <a:off x="748002" y="4172182"/>
             <a:ext cx="7781849" cy="0"/>
           </a:xfrm>
           <a:prstGeom prst="line">

--- a/TIAA Alexa Skill-PMR July 2019.pptx
+++ b/TIAA Alexa Skill-PMR July 2019.pptx
@@ -7,10 +7,10 @@
     <p:sldMasterId id="2147483791" r:id="rId3"/>
   </p:sldMasterIdLst>
   <p:notesMasterIdLst>
-    <p:notesMasterId r:id="rId35"/>
+    <p:notesMasterId r:id="rId38"/>
   </p:notesMasterIdLst>
   <p:handoutMasterIdLst>
-    <p:handoutMasterId r:id="rId36"/>
+    <p:handoutMasterId r:id="rId39"/>
   </p:handoutMasterIdLst>
   <p:sldIdLst>
     <p:sldId id="742" r:id="rId4"/>
@@ -43,7 +43,10 @@
     <p:sldId id="1247" r:id="rId31"/>
     <p:sldId id="1248" r:id="rId32"/>
     <p:sldId id="1249" r:id="rId33"/>
-    <p:sldId id="812" r:id="rId34"/>
+    <p:sldId id="1250" r:id="rId34"/>
+    <p:sldId id="1251" r:id="rId35"/>
+    <p:sldId id="1252" r:id="rId36"/>
+    <p:sldId id="812" r:id="rId37"/>
   </p:sldIdLst>
   <p:sldSz cx="9144000" cy="6858000" type="screen4x3"/>
   <p:notesSz cx="6858000" cy="9144000"/>
@@ -174,7 +177,7 @@
   </p:defaultTextStyle>
   <p:extLst>
     <p:ext uri="{EFAFB233-063F-42B5-8137-9DF3F51BA10A}">
-      <p15:sldGuideLst xmlns:p15="http://schemas.microsoft.com/office/powerpoint/2012/main">
+      <p15:sldGuideLst xmlns="" xmlns:p15="http://schemas.microsoft.com/office/powerpoint/2012/main">
         <p15:guide id="1" orient="horz" pos="2160">
           <p15:clr>
             <a:srgbClr val="A4A3A4"/>
@@ -188,7 +191,7 @@
       </p15:sldGuideLst>
     </p:ext>
     <p:ext uri="{2D200454-40CA-4A62-9FC3-DE9A4176ACB9}">
-      <p15:notesGuideLst xmlns:p15="http://schemas.microsoft.com/office/powerpoint/2012/main">
+      <p15:notesGuideLst xmlns="" xmlns:p15="http://schemas.microsoft.com/office/powerpoint/2012/main">
         <p15:guide id="1" orient="horz" pos="2880">
           <p15:clr>
             <a:srgbClr val="A4A3A4"/>
@@ -206,18 +209,9 @@
 </file>
 
 <file path=ppt/charts/chart1.xml><?xml version="1.0" encoding="utf-8"?>
-<c:chartSpace xmlns:c="http://schemas.openxmlformats.org/drawingml/2006/chart" xmlns:a="http://schemas.openxmlformats.org/drawingml/2006/main" xmlns:r="http://schemas.openxmlformats.org/officeDocument/2006/relationships" xmlns:c16r2="http://schemas.microsoft.com/office/drawing/2015/06/chart">
-  <c:date1904 val="0"/>
-  <c:lang val="en-US"/>
-  <c:roundedCorners val="0"/>
-  <mc:AlternateContent xmlns:mc="http://schemas.openxmlformats.org/markup-compatibility/2006">
-    <mc:Choice xmlns:c14="http://schemas.microsoft.com/office/drawing/2007/8/2/chart" Requires="c14">
-      <c14:style val="103"/>
-    </mc:Choice>
-    <mc:Fallback>
-      <c:style val="3"/>
-    </mc:Fallback>
-  </mc:AlternateContent>
+<c:chartSpace xmlns:c="http://schemas.openxmlformats.org/drawingml/2006/chart" xmlns:a="http://schemas.openxmlformats.org/drawingml/2006/main" xmlns:r="http://schemas.openxmlformats.org/officeDocument/2006/relationships">
+  <c:lang val="en-IN"/>
+  <c:style val="3"/>
   <c:chart>
     <c:autoTitleDeleted val="1"/>
     <c:plotArea>
@@ -226,9 +220,9 @@
           <c:layoutTarget val="inner"/>
           <c:xMode val="edge"/>
           <c:yMode val="edge"/>
-          <c:x val="4.6089537789240478E-2"/>
-          <c:y val="3.2403435529601642E-2"/>
-          <c:w val="0.83849170209427915"/>
+          <c:x val="4.6089537789240492E-2"/>
+          <c:y val="3.2403435529601662E-2"/>
+          <c:w val="0.83849170209427948"/>
           <c:h val="0.96759656447039832"/>
         </c:manualLayout>
       </c:layout>
@@ -250,7 +244,6 @@
           </c:tx>
           <c:dPt>
             <c:idx val="0"/>
-            <c:bubble3D val="0"/>
             <c:spPr>
               <a:solidFill>
                 <a:schemeClr val="accent2">
@@ -259,7 +252,7 @@
                 </a:schemeClr>
               </a:solidFill>
             </c:spPr>
-            <c:extLst>
+            <c:extLst xmlns:c16r2="http://schemas.microsoft.com/office/drawing/2015/06/chart">
               <c:ext xmlns:c16="http://schemas.microsoft.com/office/drawing/2014/chart" uri="{C3380CC4-5D6E-409C-BE32-E72D297353CC}">
                 <c16:uniqueId val="{00000000-556C-4EA4-9156-181DB96B5EC0}"/>
               </c:ext>
@@ -267,7 +260,6 @@
           </c:dPt>
           <c:dPt>
             <c:idx val="1"/>
-            <c:bubble3D val="0"/>
             <c:spPr>
               <a:solidFill>
                 <a:schemeClr val="tx2">
@@ -276,7 +268,7 @@
                 </a:schemeClr>
               </a:solidFill>
             </c:spPr>
-            <c:extLst>
+            <c:extLst xmlns:c16r2="http://schemas.microsoft.com/office/drawing/2015/06/chart">
               <c:ext xmlns:c16="http://schemas.microsoft.com/office/drawing/2014/chart" uri="{C3380CC4-5D6E-409C-BE32-E72D297353CC}">
                 <c16:uniqueId val="{00000001-556C-4EA4-9156-181DB96B5EC0}"/>
               </c:ext>
@@ -288,17 +280,12 @@
               <c:layout>
                 <c:manualLayout>
                   <c:x val="-0.20428870163455715"/>
-                  <c:y val="-0.1457120324443269"/>
+                  <c:y val="-0.14571203244432701"/>
                 </c:manualLayout>
               </c:layout>
               <c:dLblPos val="bestFit"/>
-              <c:showLegendKey val="0"/>
               <c:showVal val="1"/>
-              <c:showCatName val="0"/>
-              <c:showSerName val="0"/>
-              <c:showPercent val="0"/>
-              <c:showBubbleSize val="0"/>
-              <c:extLst>
+              <c:extLst xmlns:c16r2="http://schemas.microsoft.com/office/drawing/2015/06/chart">
                 <c:ext xmlns:c15="http://schemas.microsoft.com/office/drawing/2012/chart" uri="{CE6537A1-D6FC-4f65-9D91-7224C49458BB}"/>
                 <c:ext xmlns:c16="http://schemas.microsoft.com/office/drawing/2014/chart" uri="{C3380CC4-5D6E-409C-BE32-E72D297353CC}">
                   <c16:uniqueId val="{00000000-556C-4EA4-9156-181DB96B5EC0}"/>
@@ -310,7 +297,7 @@
               <c:layout>
                 <c:manualLayout>
                   <c:x val="0.2278604749000829"/>
-                  <c:y val="9.9697706409276263E-2"/>
+                  <c:y val="9.9697706409276304E-2"/>
                 </c:manualLayout>
               </c:layout>
               <c:tx>
@@ -327,13 +314,8 @@
                 </c:rich>
               </c:tx>
               <c:dLblPos val="bestFit"/>
-              <c:showLegendKey val="0"/>
               <c:showVal val="1"/>
-              <c:showCatName val="0"/>
-              <c:showSerName val="0"/>
-              <c:showPercent val="0"/>
-              <c:showBubbleSize val="0"/>
-              <c:extLst>
+              <c:extLst xmlns:c16r2="http://schemas.microsoft.com/office/drawing/2015/06/chart">
                 <c:ext xmlns:c15="http://schemas.microsoft.com/office/drawing/2012/chart" uri="{CE6537A1-D6FC-4f65-9D91-7224C49458BB}"/>
                 <c:ext xmlns:c16="http://schemas.microsoft.com/office/drawing/2014/chart" uri="{C3380CC4-5D6E-409C-BE32-E72D297353CC}">
                   <c16:uniqueId val="{00000001-556C-4EA4-9156-181DB96B5EC0}"/>
@@ -347,15 +329,20 @@
               </a:ln>
               <a:effectLst/>
             </c:spPr>
+            <c:txPr>
+              <a:bodyPr/>
+              <a:lstStyle/>
+              <a:p>
+                <a:pPr>
+                  <a:defRPr lang="en-US"/>
+                </a:pPr>
+                <a:endParaRPr lang="en-US"/>
+              </a:p>
+            </c:txPr>
             <c:dLblPos val="outEnd"/>
-            <c:showLegendKey val="0"/>
             <c:showVal val="1"/>
-            <c:showCatName val="0"/>
-            <c:showSerName val="0"/>
-            <c:showPercent val="0"/>
-            <c:showBubbleSize val="0"/>
             <c:showLeaderLines val="1"/>
-            <c:extLst>
+            <c:extLst xmlns:c16r2="http://schemas.microsoft.com/office/drawing/2015/06/chart">
               <c:ext xmlns:c15="http://schemas.microsoft.com/office/drawing/2012/chart" uri="{CE6537A1-D6FC-4f65-9D91-7224C49458BB}"/>
             </c:extLst>
           </c:dLbls>
@@ -388,28 +375,20 @@
               </c:numCache>
             </c:numRef>
           </c:val>
-          <c:extLst>
+          <c:extLst xmlns:c16r2="http://schemas.microsoft.com/office/drawing/2015/06/chart">
             <c:ext xmlns:c16="http://schemas.microsoft.com/office/drawing/2014/chart" uri="{C3380CC4-5D6E-409C-BE32-E72D297353CC}">
               <c16:uniqueId val="{00000002-556C-4EA4-9156-181DB96B5EC0}"/>
             </c:ext>
           </c:extLst>
         </c:ser>
         <c:dLbls>
-          <c:dLblPos val="outEnd"/>
-          <c:showLegendKey val="0"/>
           <c:showVal val="1"/>
-          <c:showCatName val="0"/>
-          <c:showSerName val="0"/>
-          <c:showPercent val="0"/>
-          <c:showBubbleSize val="0"/>
-          <c:showLeaderLines val="1"/>
         </c:dLbls>
         <c:firstSliceAng val="0"/>
       </c:pieChart>
     </c:plotArea>
     <c:plotVisOnly val="1"/>
     <c:dispBlanksAs val="zero"/>
-    <c:showDLblsOverMax val="0"/>
   </c:chart>
   <c:txPr>
     <a:bodyPr/>
@@ -448,9 +427,7 @@
       <a:endParaRPr lang="en-US"/>
     </a:p>
   </c:txPr>
-  <c:externalData r:id="rId1">
-    <c:autoUpdate val="0"/>
-  </c:externalData>
+  <c:externalData r:id="rId1"/>
 </c:chartSpace>
 </file>
 
@@ -1402,13 +1379,13 @@
     </dgm:pt>
   </dgm:ptLst>
   <dgm:cxnLst>
+    <dgm:cxn modelId="{95991948-4AB3-4755-BCBB-BCF237B9E8DF}" type="presOf" srcId="{A669ABB1-2ED6-4D3F-8D07-7306EA1202FE}" destId="{681D62EE-4116-4C30-84C1-CB14E2BEA71D}" srcOrd="0" destOrd="0" presId="urn:microsoft.com/office/officeart/2005/8/layout/chevron1"/>
+    <dgm:cxn modelId="{9A68D17E-DFAB-487C-9297-D3BE9DDE1A13}" srcId="{76B7954E-6297-43CC-8631-6E13F828982F}" destId="{002B3227-2551-446A-BB2B-2B454C6E8DB7}" srcOrd="2" destOrd="0" parTransId="{7230809D-3A00-4845-A981-E684077B6232}" sibTransId="{A39DE6EF-FCDA-4571-A7CA-CE4278410F2E}"/>
+    <dgm:cxn modelId="{DA73091A-DFD5-4425-B9E8-EA0400AC2643}" srcId="{76B7954E-6297-43CC-8631-6E13F828982F}" destId="{2660F72A-9422-47D1-ADA1-39CD692B1740}" srcOrd="0" destOrd="0" parTransId="{ECEEA266-B3C3-409C-BA2D-6A92C11B6380}" sibTransId="{F0B8D52F-FDFA-45AF-8315-9730E6C65AA5}"/>
+    <dgm:cxn modelId="{6FA535AF-A1C6-4235-B280-2B943E1890C7}" type="presOf" srcId="{76B7954E-6297-43CC-8631-6E13F828982F}" destId="{3CBC5D65-6ED3-48E7-BB56-74CC1E5299FE}" srcOrd="0" destOrd="0" presId="urn:microsoft.com/office/officeart/2005/8/layout/chevron1"/>
+    <dgm:cxn modelId="{2644F9E0-7904-43F1-B6FE-A21C6221CD9F}" type="presOf" srcId="{2660F72A-9422-47D1-ADA1-39CD692B1740}" destId="{960AC897-8524-42C6-A4C0-AA121002A308}" srcOrd="0" destOrd="0" presId="urn:microsoft.com/office/officeart/2005/8/layout/chevron1"/>
     <dgm:cxn modelId="{9F5618D2-D8BF-410C-ACB3-6C2AC156F077}" type="presOf" srcId="{002B3227-2551-446A-BB2B-2B454C6E8DB7}" destId="{DBD7C74F-A2C2-4263-9D67-CCC525BDCBA8}" srcOrd="0" destOrd="0" presId="urn:microsoft.com/office/officeart/2005/8/layout/chevron1"/>
-    <dgm:cxn modelId="{9A68D17E-DFAB-487C-9297-D3BE9DDE1A13}" srcId="{76B7954E-6297-43CC-8631-6E13F828982F}" destId="{002B3227-2551-446A-BB2B-2B454C6E8DB7}" srcOrd="2" destOrd="0" parTransId="{7230809D-3A00-4845-A981-E684077B6232}" sibTransId="{A39DE6EF-FCDA-4571-A7CA-CE4278410F2E}"/>
-    <dgm:cxn modelId="{2644F9E0-7904-43F1-B6FE-A21C6221CD9F}" type="presOf" srcId="{2660F72A-9422-47D1-ADA1-39CD692B1740}" destId="{960AC897-8524-42C6-A4C0-AA121002A308}" srcOrd="0" destOrd="0" presId="urn:microsoft.com/office/officeart/2005/8/layout/chevron1"/>
-    <dgm:cxn modelId="{6FA535AF-A1C6-4235-B280-2B943E1890C7}" type="presOf" srcId="{76B7954E-6297-43CC-8631-6E13F828982F}" destId="{3CBC5D65-6ED3-48E7-BB56-74CC1E5299FE}" srcOrd="0" destOrd="0" presId="urn:microsoft.com/office/officeart/2005/8/layout/chevron1"/>
     <dgm:cxn modelId="{DE9E1E34-43D1-4353-BAB2-918EF2ED61EC}" srcId="{76B7954E-6297-43CC-8631-6E13F828982F}" destId="{A669ABB1-2ED6-4D3F-8D07-7306EA1202FE}" srcOrd="1" destOrd="0" parTransId="{961DA812-8FAC-439D-BFE1-73422366CBCC}" sibTransId="{237C8CFF-8AE5-4F37-B88D-11AAF91FCC79}"/>
-    <dgm:cxn modelId="{95991948-4AB3-4755-BCBB-BCF237B9E8DF}" type="presOf" srcId="{A669ABB1-2ED6-4D3F-8D07-7306EA1202FE}" destId="{681D62EE-4116-4C30-84C1-CB14E2BEA71D}" srcOrd="0" destOrd="0" presId="urn:microsoft.com/office/officeart/2005/8/layout/chevron1"/>
-    <dgm:cxn modelId="{DA73091A-DFD5-4425-B9E8-EA0400AC2643}" srcId="{76B7954E-6297-43CC-8631-6E13F828982F}" destId="{2660F72A-9422-47D1-ADA1-39CD692B1740}" srcOrd="0" destOrd="0" parTransId="{ECEEA266-B3C3-409C-BA2D-6A92C11B6380}" sibTransId="{F0B8D52F-FDFA-45AF-8315-9730E6C65AA5}"/>
     <dgm:cxn modelId="{A392D2F7-4AD9-447C-BD49-94AC2F9F3031}" type="presParOf" srcId="{3CBC5D65-6ED3-48E7-BB56-74CC1E5299FE}" destId="{960AC897-8524-42C6-A4C0-AA121002A308}" srcOrd="0" destOrd="0" presId="urn:microsoft.com/office/officeart/2005/8/layout/chevron1"/>
     <dgm:cxn modelId="{3522A2CB-D34C-4185-BEE2-717CA40069CA}" type="presParOf" srcId="{3CBC5D65-6ED3-48E7-BB56-74CC1E5299FE}" destId="{79FCF352-0290-4FE5-A2E5-BD4830D3D1DE}" srcOrd="1" destOrd="0" presId="urn:microsoft.com/office/officeart/2005/8/layout/chevron1"/>
     <dgm:cxn modelId="{236A50E5-3CF5-45F6-80C9-AD9D330EB8F5}" type="presParOf" srcId="{3CBC5D65-6ED3-48E7-BB56-74CC1E5299FE}" destId="{681D62EE-4116-4C30-84C1-CB14E2BEA71D}" srcOrd="2" destOrd="0" presId="urn:microsoft.com/office/officeart/2005/8/layout/chevron1"/>
@@ -1419,7 +1396,7 @@
   <dgm:whole/>
   <dgm:extLst>
     <a:ext uri="http://schemas.microsoft.com/office/drawing/2008/diagram">
-      <dsp:dataModelExt xmlns:dsp="http://schemas.microsoft.com/office/drawing/2008/diagram" relId="rId8" minVer="http://schemas.openxmlformats.org/drawingml/2006/diagram"/>
+      <dsp:dataModelExt xmlns="" xmlns:dsp="http://schemas.microsoft.com/office/drawing/2008/diagram" relId="rId8" minVer="http://schemas.openxmlformats.org/drawingml/2006/diagram"/>
     </a:ext>
   </dgm:extLst>
 </dgm:dataModel>
@@ -3053,7 +3030,7 @@
             <a:fld id="{C3F0CD79-0DA8-448A-8FD8-5D1DE018C895}" type="datetimeFigureOut">
               <a:rPr lang="en-US" smtClean="0"/>
               <a:pPr/>
-              <a:t>8/9/2019</a:t>
+              <a:t>8/13/2019</a:t>
             </a:fld>
             <a:endParaRPr lang="en-US" dirty="0"/>
           </a:p>
@@ -3129,7 +3106,7 @@
     </p:spTree>
     <p:extLst>
       <p:ext uri="{BB962C8B-B14F-4D97-AF65-F5344CB8AC3E}">
-        <p14:creationId xmlns:p14="http://schemas.microsoft.com/office/powerpoint/2010/main" val="122253888"/>
+        <p14:creationId xmlns="" xmlns:p14="http://schemas.microsoft.com/office/powerpoint/2010/main" val="122253888"/>
       </p:ext>
     </p:extLst>
   </p:cSld>
@@ -3220,7 +3197,7 @@
             <a:fld id="{95AD72B8-4B3A-44EC-84A5-3C916A872B14}" type="datetimeFigureOut">
               <a:rPr lang="en-US" smtClean="0"/>
               <a:pPr/>
-              <a:t>8/9/2019</a:t>
+              <a:t>8/13/2019</a:t>
             </a:fld>
             <a:endParaRPr lang="en-US" dirty="0"/>
           </a:p>
@@ -3389,7 +3366,7 @@
     </p:spTree>
     <p:extLst>
       <p:ext uri="{BB962C8B-B14F-4D97-AF65-F5344CB8AC3E}">
-        <p14:creationId xmlns:p14="http://schemas.microsoft.com/office/powerpoint/2010/main" val="1032436857"/>
+        <p14:creationId xmlns="" xmlns:p14="http://schemas.microsoft.com/office/powerpoint/2010/main" val="1032436857"/>
       </p:ext>
     </p:extLst>
   </p:cSld>
@@ -3577,7 +3554,7 @@
     </p:spTree>
     <p:extLst>
       <p:ext uri="{BB962C8B-B14F-4D97-AF65-F5344CB8AC3E}">
-        <p14:creationId xmlns:p14="http://schemas.microsoft.com/office/powerpoint/2010/main" val="1512237426"/>
+        <p14:creationId xmlns="" xmlns:p14="http://schemas.microsoft.com/office/powerpoint/2010/main" val="1512237426"/>
       </p:ext>
     </p:extLst>
   </p:cSld>
@@ -3675,7 +3652,7 @@
     </p:spTree>
     <p:extLst>
       <p:ext uri="{BB962C8B-B14F-4D97-AF65-F5344CB8AC3E}">
-        <p14:creationId xmlns:p14="http://schemas.microsoft.com/office/powerpoint/2010/main" val="2116071676"/>
+        <p14:creationId xmlns="" xmlns:p14="http://schemas.microsoft.com/office/powerpoint/2010/main" val="2116071676"/>
       </p:ext>
     </p:extLst>
   </p:cSld>
@@ -3760,7 +3737,7 @@
     </p:spTree>
     <p:extLst>
       <p:ext uri="{BB962C8B-B14F-4D97-AF65-F5344CB8AC3E}">
-        <p14:creationId xmlns:p14="http://schemas.microsoft.com/office/powerpoint/2010/main" val="2303774475"/>
+        <p14:creationId xmlns="" xmlns:p14="http://schemas.microsoft.com/office/powerpoint/2010/main" val="2303774475"/>
       </p:ext>
     </p:extLst>
   </p:cSld>
@@ -3858,7 +3835,7 @@
     </p:spTree>
     <p:extLst>
       <p:ext uri="{BB962C8B-B14F-4D97-AF65-F5344CB8AC3E}">
-        <p14:creationId xmlns:p14="http://schemas.microsoft.com/office/powerpoint/2010/main" val="746903279"/>
+        <p14:creationId xmlns="" xmlns:p14="http://schemas.microsoft.com/office/powerpoint/2010/main" val="746903279"/>
       </p:ext>
     </p:extLst>
   </p:cSld>
@@ -3943,7 +3920,7 @@
     </p:spTree>
     <p:extLst>
       <p:ext uri="{BB962C8B-B14F-4D97-AF65-F5344CB8AC3E}">
-        <p14:creationId xmlns:p14="http://schemas.microsoft.com/office/powerpoint/2010/main" val="2128819789"/>
+        <p14:creationId xmlns="" xmlns:p14="http://schemas.microsoft.com/office/powerpoint/2010/main" val="2128819789"/>
       </p:ext>
     </p:extLst>
   </p:cSld>
@@ -4028,7 +4005,7 @@
     </p:spTree>
     <p:extLst>
       <p:ext uri="{BB962C8B-B14F-4D97-AF65-F5344CB8AC3E}">
-        <p14:creationId xmlns:p14="http://schemas.microsoft.com/office/powerpoint/2010/main" val="3694727135"/>
+        <p14:creationId xmlns="" xmlns:p14="http://schemas.microsoft.com/office/powerpoint/2010/main" val="3694727135"/>
       </p:ext>
     </p:extLst>
   </p:cSld>
@@ -4134,7 +4111,7 @@
     </p:spTree>
     <p:extLst>
       <p:ext uri="{BB962C8B-B14F-4D97-AF65-F5344CB8AC3E}">
-        <p14:creationId xmlns:p14="http://schemas.microsoft.com/office/powerpoint/2010/main" val="5403444"/>
+        <p14:creationId xmlns="" xmlns:p14="http://schemas.microsoft.com/office/powerpoint/2010/main" val="5403444"/>
       </p:ext>
     </p:extLst>
   </p:cSld>
@@ -4232,7 +4209,7 @@
     </p:spTree>
     <p:extLst>
       <p:ext uri="{BB962C8B-B14F-4D97-AF65-F5344CB8AC3E}">
-        <p14:creationId xmlns:p14="http://schemas.microsoft.com/office/powerpoint/2010/main" val="3966397797"/>
+        <p14:creationId xmlns="" xmlns:p14="http://schemas.microsoft.com/office/powerpoint/2010/main" val="3966397797"/>
       </p:ext>
     </p:extLst>
   </p:cSld>
@@ -4330,7 +4307,7 @@
     </p:spTree>
     <p:extLst>
       <p:ext uri="{BB962C8B-B14F-4D97-AF65-F5344CB8AC3E}">
-        <p14:creationId xmlns:p14="http://schemas.microsoft.com/office/powerpoint/2010/main" val="886626086"/>
+        <p14:creationId xmlns="" xmlns:p14="http://schemas.microsoft.com/office/powerpoint/2010/main" val="886626086"/>
       </p:ext>
     </p:extLst>
   </p:cSld>
@@ -4415,7 +4392,7 @@
     </p:spTree>
     <p:extLst>
       <p:ext uri="{BB962C8B-B14F-4D97-AF65-F5344CB8AC3E}">
-        <p14:creationId xmlns:p14="http://schemas.microsoft.com/office/powerpoint/2010/main" val="412948952"/>
+        <p14:creationId xmlns="" xmlns:p14="http://schemas.microsoft.com/office/powerpoint/2010/main" val="412948952"/>
       </p:ext>
     </p:extLst>
   </p:cSld>
@@ -4500,7 +4477,7 @@
     </p:spTree>
     <p:extLst>
       <p:ext uri="{BB962C8B-B14F-4D97-AF65-F5344CB8AC3E}">
-        <p14:creationId xmlns:p14="http://schemas.microsoft.com/office/powerpoint/2010/main" val="2021882105"/>
+        <p14:creationId xmlns="" xmlns:p14="http://schemas.microsoft.com/office/powerpoint/2010/main" val="2021882105"/>
       </p:ext>
     </p:extLst>
   </p:cSld>
@@ -4598,7 +4575,7 @@
     </p:spTree>
     <p:extLst>
       <p:ext uri="{BB962C8B-B14F-4D97-AF65-F5344CB8AC3E}">
-        <p14:creationId xmlns:p14="http://schemas.microsoft.com/office/powerpoint/2010/main" val="2080146116"/>
+        <p14:creationId xmlns="" xmlns:p14="http://schemas.microsoft.com/office/powerpoint/2010/main" val="2080146116"/>
       </p:ext>
     </p:extLst>
   </p:cSld>
@@ -4683,7 +4660,7 @@
     </p:spTree>
     <p:extLst>
       <p:ext uri="{BB962C8B-B14F-4D97-AF65-F5344CB8AC3E}">
-        <p14:creationId xmlns:p14="http://schemas.microsoft.com/office/powerpoint/2010/main" val="2965338095"/>
+        <p14:creationId xmlns="" xmlns:p14="http://schemas.microsoft.com/office/powerpoint/2010/main" val="2965338095"/>
       </p:ext>
     </p:extLst>
   </p:cSld>
@@ -4768,7 +4745,7 @@
     </p:spTree>
     <p:extLst>
       <p:ext uri="{BB962C8B-B14F-4D97-AF65-F5344CB8AC3E}">
-        <p14:creationId xmlns:p14="http://schemas.microsoft.com/office/powerpoint/2010/main" val="1544972156"/>
+        <p14:creationId xmlns="" xmlns:p14="http://schemas.microsoft.com/office/powerpoint/2010/main" val="1544972156"/>
       </p:ext>
     </p:extLst>
   </p:cSld>
@@ -4853,7 +4830,7 @@
     </p:spTree>
     <p:extLst>
       <p:ext uri="{BB962C8B-B14F-4D97-AF65-F5344CB8AC3E}">
-        <p14:creationId xmlns:p14="http://schemas.microsoft.com/office/powerpoint/2010/main" val="289722956"/>
+        <p14:creationId xmlns="" xmlns:p14="http://schemas.microsoft.com/office/powerpoint/2010/main" val="289722956"/>
       </p:ext>
     </p:extLst>
   </p:cSld>
@@ -4900,7 +4877,7 @@
           </a:prstGeom>
           <a:extLst>
             <a:ext uri="{AF507438-7753-43E0-B8FC-AC1667EBCBE1}">
-              <a14:hiddenEffects xmlns:a14="http://schemas.microsoft.com/office/drawing/2010/main">
+              <a14:hiddenEffects xmlns="" xmlns:a14="http://schemas.microsoft.com/office/drawing/2010/main">
                 <a:effectLst>
                   <a:outerShdw dist="53882" dir="2700000" algn="ctr" rotWithShape="0">
                     <a:schemeClr val="tx1"/>
@@ -4947,7 +4924,7 @@
           <a:blip r:embed="rId2" cstate="print">
             <a:extLst>
               <a:ext uri="{28A0092B-C50C-407E-A947-70E740481C1C}">
-                <a14:useLocalDpi xmlns:a14="http://schemas.microsoft.com/office/drawing/2010/main" val="0"/>
+                <a14:useLocalDpi xmlns="" xmlns:a14="http://schemas.microsoft.com/office/drawing/2010/main" val="0"/>
               </a:ext>
             </a:extLst>
           </a:blip>
@@ -4967,7 +4944,7 @@
           <a:noFill/>
           <a:extLst>
             <a:ext uri="{909E8E84-426E-40DD-AFC4-6F175D3DCCD1}">
-              <a14:hiddenFill xmlns:a14="http://schemas.microsoft.com/office/drawing/2010/main">
+              <a14:hiddenFill xmlns="" xmlns:a14="http://schemas.microsoft.com/office/drawing/2010/main">
                 <a:solidFill>
                   <a:srgbClr val="FFFFFF"/>
                 </a:solidFill>
@@ -4988,7 +4965,7 @@
           <a:blip r:embed="rId3" cstate="print">
             <a:extLst>
               <a:ext uri="{28A0092B-C50C-407E-A947-70E740481C1C}">
-                <a14:useLocalDpi xmlns:a14="http://schemas.microsoft.com/office/drawing/2010/main" val="0"/>
+                <a14:useLocalDpi xmlns="" xmlns:a14="http://schemas.microsoft.com/office/drawing/2010/main" val="0"/>
               </a:ext>
             </a:extLst>
           </a:blip>
@@ -5108,7 +5085,7 @@
           <a:effectLst/>
           <a:extLst>
             <a:ext uri="{91240B29-F687-4F45-9708-019B960494DF}">
-              <a14:hiddenLine xmlns:a14="http://schemas.microsoft.com/office/drawing/2010/main" w="9525">
+              <a14:hiddenLine xmlns="" xmlns:a14="http://schemas.microsoft.com/office/drawing/2010/main" w="9525">
                 <a:solidFill>
                   <a:schemeClr val="tx1"/>
                 </a:solidFill>
@@ -5118,7 +5095,7 @@
               </a14:hiddenLine>
             </a:ext>
             <a:ext uri="{AF507438-7753-43E0-B8FC-AC1667EBCBE1}">
-              <a14:hiddenEffects xmlns:a14="http://schemas.microsoft.com/office/drawing/2010/main">
+              <a14:hiddenEffects xmlns="" xmlns:a14="http://schemas.microsoft.com/office/drawing/2010/main">
                 <a:effectLst>
                   <a:outerShdw dist="35921" dir="2700000" algn="ctr" rotWithShape="0">
                     <a:schemeClr val="bg2"/>
@@ -5168,7 +5145,7 @@
           <a:effectLst/>
           <a:extLst>
             <a:ext uri="{91240B29-F687-4F45-9708-019B960494DF}">
-              <a14:hiddenLine xmlns:a14="http://schemas.microsoft.com/office/drawing/2010/main" w="9525">
+              <a14:hiddenLine xmlns="" xmlns:a14="http://schemas.microsoft.com/office/drawing/2010/main" w="9525">
                 <a:solidFill>
                   <a:schemeClr val="tx1"/>
                 </a:solidFill>
@@ -5178,7 +5155,7 @@
               </a14:hiddenLine>
             </a:ext>
             <a:ext uri="{AF507438-7753-43E0-B8FC-AC1667EBCBE1}">
-              <a14:hiddenEffects xmlns:a14="http://schemas.microsoft.com/office/drawing/2010/main">
+              <a14:hiddenEffects xmlns="" xmlns:a14="http://schemas.microsoft.com/office/drawing/2010/main">
                 <a:effectLst>
                   <a:outerShdw dist="35921" dir="2700000" algn="ctr" rotWithShape="0">
                     <a:schemeClr val="bg2"/>
@@ -5228,7 +5205,7 @@
           <a:effectLst/>
           <a:extLst>
             <a:ext uri="{91240B29-F687-4F45-9708-019B960494DF}">
-              <a14:hiddenLine xmlns:a14="http://schemas.microsoft.com/office/drawing/2010/main" w="9525">
+              <a14:hiddenLine xmlns="" xmlns:a14="http://schemas.microsoft.com/office/drawing/2010/main" w="9525">
                 <a:solidFill>
                   <a:schemeClr val="tx1"/>
                 </a:solidFill>
@@ -5238,7 +5215,7 @@
               </a14:hiddenLine>
             </a:ext>
             <a:ext uri="{AF507438-7753-43E0-B8FC-AC1667EBCBE1}">
-              <a14:hiddenEffects xmlns:a14="http://schemas.microsoft.com/office/drawing/2010/main">
+              <a14:hiddenEffects xmlns="" xmlns:a14="http://schemas.microsoft.com/office/drawing/2010/main">
                 <a:effectLst>
                   <a:outerShdw dist="35921" dir="2700000" algn="ctr" rotWithShape="0">
                     <a:schemeClr val="bg2"/>
@@ -5288,7 +5265,7 @@
           <a:effectLst/>
           <a:extLst>
             <a:ext uri="{91240B29-F687-4F45-9708-019B960494DF}">
-              <a14:hiddenLine xmlns:a14="http://schemas.microsoft.com/office/drawing/2010/main" w="9525">
+              <a14:hiddenLine xmlns="" xmlns:a14="http://schemas.microsoft.com/office/drawing/2010/main" w="9525">
                 <a:solidFill>
                   <a:schemeClr val="tx1"/>
                 </a:solidFill>
@@ -5298,7 +5275,7 @@
               </a14:hiddenLine>
             </a:ext>
             <a:ext uri="{AF507438-7753-43E0-B8FC-AC1667EBCBE1}">
-              <a14:hiddenEffects xmlns:a14="http://schemas.microsoft.com/office/drawing/2010/main">
+              <a14:hiddenEffects xmlns="" xmlns:a14="http://schemas.microsoft.com/office/drawing/2010/main">
                 <a:effectLst>
                   <a:outerShdw dist="35921" dir="2700000" algn="ctr" rotWithShape="0">
                     <a:schemeClr val="bg2"/>
@@ -5371,7 +5348,7 @@
           <a:blip r:embed="rId4" cstate="print">
             <a:extLst>
               <a:ext uri="{28A0092B-C50C-407E-A947-70E740481C1C}">
-                <a14:useLocalDpi xmlns:a14="http://schemas.microsoft.com/office/drawing/2010/main" val="0"/>
+                <a14:useLocalDpi xmlns="" xmlns:a14="http://schemas.microsoft.com/office/drawing/2010/main" val="0"/>
               </a:ext>
             </a:extLst>
           </a:blip>
@@ -5393,14 +5370,14 @@
           </a:ln>
           <a:extLst>
             <a:ext uri="{909E8E84-426E-40DD-AFC4-6F175D3DCCD1}">
-              <a14:hiddenFill xmlns:a14="http://schemas.microsoft.com/office/drawing/2010/main">
+              <a14:hiddenFill xmlns="" xmlns:a14="http://schemas.microsoft.com/office/drawing/2010/main">
                 <a:solidFill>
                   <a:srgbClr val="FFFFFF"/>
                 </a:solidFill>
               </a14:hiddenFill>
             </a:ext>
             <a:ext uri="{91240B29-F687-4F45-9708-019B960494DF}">
-              <a14:hiddenLine xmlns:a14="http://schemas.microsoft.com/office/drawing/2010/main" w="9525">
+              <a14:hiddenLine xmlns="" xmlns:a14="http://schemas.microsoft.com/office/drawing/2010/main" w="9525">
                 <a:solidFill>
                   <a:srgbClr val="000000"/>
                 </a:solidFill>
@@ -5470,7 +5447,7 @@
           <a:blip r:embed="rId5" cstate="print">
             <a:extLst>
               <a:ext uri="{28A0092B-C50C-407E-A947-70E740481C1C}">
-                <a14:useLocalDpi xmlns:a14="http://schemas.microsoft.com/office/drawing/2010/main" val="0"/>
+                <a14:useLocalDpi xmlns="" xmlns:a14="http://schemas.microsoft.com/office/drawing/2010/main" val="0"/>
               </a:ext>
             </a:extLst>
           </a:blip>
@@ -5500,7 +5477,7 @@
           <a:blip r:embed="rId6" cstate="print">
             <a:extLst>
               <a:ext uri="{28A0092B-C50C-407E-A947-70E740481C1C}">
-                <a14:useLocalDpi xmlns:a14="http://schemas.microsoft.com/office/drawing/2010/main" val="0"/>
+                <a14:useLocalDpi xmlns="" xmlns:a14="http://schemas.microsoft.com/office/drawing/2010/main" val="0"/>
               </a:ext>
             </a:extLst>
           </a:blip>
@@ -5520,7 +5497,7 @@
           <a:noFill/>
           <a:extLst>
             <a:ext uri="{909E8E84-426E-40DD-AFC4-6F175D3DCCD1}">
-              <a14:hiddenFill xmlns:a14="http://schemas.microsoft.com/office/drawing/2010/main">
+              <a14:hiddenFill xmlns="" xmlns:a14="http://schemas.microsoft.com/office/drawing/2010/main">
                 <a:solidFill>
                   <a:srgbClr val="FFFFFF"/>
                 </a:solidFill>
@@ -5541,7 +5518,7 @@
           <a:blip r:embed="rId7" cstate="print">
             <a:extLst>
               <a:ext uri="{28A0092B-C50C-407E-A947-70E740481C1C}">
-                <a14:useLocalDpi xmlns:a14="http://schemas.microsoft.com/office/drawing/2010/main" val="0"/>
+                <a14:useLocalDpi xmlns="" xmlns:a14="http://schemas.microsoft.com/office/drawing/2010/main" val="0"/>
               </a:ext>
             </a:extLst>
           </a:blip>
@@ -5571,7 +5548,7 @@
           <a:blip r:embed="rId8" cstate="print">
             <a:extLst>
               <a:ext uri="{28A0092B-C50C-407E-A947-70E740481C1C}">
-                <a14:useLocalDpi xmlns:a14="http://schemas.microsoft.com/office/drawing/2010/main" val="0"/>
+                <a14:useLocalDpi xmlns="" xmlns:a14="http://schemas.microsoft.com/office/drawing/2010/main" val="0"/>
               </a:ext>
             </a:extLst>
           </a:blip>
@@ -5699,7 +5676,7 @@
     </p:spTree>
     <p:extLst>
       <p:ext uri="{BB962C8B-B14F-4D97-AF65-F5344CB8AC3E}">
-        <p14:creationId xmlns:p14="http://schemas.microsoft.com/office/powerpoint/2010/main" val="4285600873"/>
+        <p14:creationId xmlns="" xmlns:p14="http://schemas.microsoft.com/office/powerpoint/2010/main" val="4285600873"/>
       </p:ext>
     </p:extLst>
   </p:cSld>
@@ -5832,7 +5809,7 @@
     </p:spTree>
     <p:extLst>
       <p:ext uri="{BB962C8B-B14F-4D97-AF65-F5344CB8AC3E}">
-        <p14:creationId xmlns:p14="http://schemas.microsoft.com/office/powerpoint/2010/main" val="621508298"/>
+        <p14:creationId xmlns="" xmlns:p14="http://schemas.microsoft.com/office/powerpoint/2010/main" val="621508298"/>
       </p:ext>
     </p:extLst>
   </p:cSld>
@@ -5936,7 +5913,7 @@
     </p:spTree>
     <p:extLst>
       <p:ext uri="{BB962C8B-B14F-4D97-AF65-F5344CB8AC3E}">
-        <p14:creationId xmlns:p14="http://schemas.microsoft.com/office/powerpoint/2010/main" val="3846589931"/>
+        <p14:creationId xmlns="" xmlns:p14="http://schemas.microsoft.com/office/powerpoint/2010/main" val="3846589931"/>
       </p:ext>
     </p:extLst>
   </p:cSld>
@@ -5996,7 +5973,7 @@
     </p:spTree>
     <p:extLst>
       <p:ext uri="{BB962C8B-B14F-4D97-AF65-F5344CB8AC3E}">
-        <p14:creationId xmlns:p14="http://schemas.microsoft.com/office/powerpoint/2010/main" val="1343633046"/>
+        <p14:creationId xmlns="" xmlns:p14="http://schemas.microsoft.com/office/powerpoint/2010/main" val="1343633046"/>
       </p:ext>
     </p:extLst>
   </p:cSld>
@@ -6131,7 +6108,7 @@
     </p:spTree>
     <p:extLst>
       <p:ext uri="{BB962C8B-B14F-4D97-AF65-F5344CB8AC3E}">
-        <p14:creationId xmlns:p14="http://schemas.microsoft.com/office/powerpoint/2010/main" val="1059545125"/>
+        <p14:creationId xmlns="" xmlns:p14="http://schemas.microsoft.com/office/powerpoint/2010/main" val="1059545125"/>
       </p:ext>
     </p:extLst>
   </p:cSld>
@@ -6178,7 +6155,7 @@
           </a:prstGeom>
           <a:extLst>
             <a:ext uri="{AF507438-7753-43E0-B8FC-AC1667EBCBE1}">
-              <a14:hiddenEffects xmlns:a14="http://schemas.microsoft.com/office/drawing/2010/main">
+              <a14:hiddenEffects xmlns="" xmlns:a14="http://schemas.microsoft.com/office/drawing/2010/main">
                 <a:effectLst>
                   <a:outerShdw dist="53882" dir="2700000" algn="ctr" rotWithShape="0">
                     <a:schemeClr val="tx1"/>
@@ -6225,7 +6202,7 @@
           <a:blip r:embed="rId2" cstate="print">
             <a:extLst>
               <a:ext uri="{28A0092B-C50C-407E-A947-70E740481C1C}">
-                <a14:useLocalDpi xmlns:a14="http://schemas.microsoft.com/office/drawing/2010/main" val="0"/>
+                <a14:useLocalDpi xmlns="" xmlns:a14="http://schemas.microsoft.com/office/drawing/2010/main" val="0"/>
               </a:ext>
             </a:extLst>
           </a:blip>
@@ -6245,7 +6222,7 @@
           <a:noFill/>
           <a:extLst>
             <a:ext uri="{909E8E84-426E-40DD-AFC4-6F175D3DCCD1}">
-              <a14:hiddenFill xmlns:a14="http://schemas.microsoft.com/office/drawing/2010/main">
+              <a14:hiddenFill xmlns="" xmlns:a14="http://schemas.microsoft.com/office/drawing/2010/main">
                 <a:solidFill>
                   <a:srgbClr val="FFFFFF"/>
                 </a:solidFill>
@@ -6266,7 +6243,7 @@
           <a:blip r:embed="rId3" cstate="print">
             <a:extLst>
               <a:ext uri="{28A0092B-C50C-407E-A947-70E740481C1C}">
-                <a14:useLocalDpi xmlns:a14="http://schemas.microsoft.com/office/drawing/2010/main" val="0"/>
+                <a14:useLocalDpi xmlns="" xmlns:a14="http://schemas.microsoft.com/office/drawing/2010/main" val="0"/>
               </a:ext>
             </a:extLst>
           </a:blip>
@@ -6392,7 +6369,7 @@
           <a:effectLst/>
           <a:extLst>
             <a:ext uri="{91240B29-F687-4F45-9708-019B960494DF}">
-              <a14:hiddenLine xmlns:a14="http://schemas.microsoft.com/office/drawing/2010/main" w="9525">
+              <a14:hiddenLine xmlns="" xmlns:a14="http://schemas.microsoft.com/office/drawing/2010/main" w="9525">
                 <a:solidFill>
                   <a:schemeClr val="tx1"/>
                 </a:solidFill>
@@ -6402,7 +6379,7 @@
               </a14:hiddenLine>
             </a:ext>
             <a:ext uri="{AF507438-7753-43E0-B8FC-AC1667EBCBE1}">
-              <a14:hiddenEffects xmlns:a14="http://schemas.microsoft.com/office/drawing/2010/main">
+              <a14:hiddenEffects xmlns="" xmlns:a14="http://schemas.microsoft.com/office/drawing/2010/main">
                 <a:effectLst>
                   <a:outerShdw dist="35921" dir="2700000" algn="ctr" rotWithShape="0">
                     <a:schemeClr val="bg2"/>
@@ -6455,7 +6432,7 @@
           <a:effectLst/>
           <a:extLst>
             <a:ext uri="{91240B29-F687-4F45-9708-019B960494DF}">
-              <a14:hiddenLine xmlns:a14="http://schemas.microsoft.com/office/drawing/2010/main" w="9525">
+              <a14:hiddenLine xmlns="" xmlns:a14="http://schemas.microsoft.com/office/drawing/2010/main" w="9525">
                 <a:solidFill>
                   <a:schemeClr val="tx1"/>
                 </a:solidFill>
@@ -6465,7 +6442,7 @@
               </a14:hiddenLine>
             </a:ext>
             <a:ext uri="{AF507438-7753-43E0-B8FC-AC1667EBCBE1}">
-              <a14:hiddenEffects xmlns:a14="http://schemas.microsoft.com/office/drawing/2010/main">
+              <a14:hiddenEffects xmlns="" xmlns:a14="http://schemas.microsoft.com/office/drawing/2010/main">
                 <a:effectLst>
                   <a:outerShdw dist="35921" dir="2700000" algn="ctr" rotWithShape="0">
                     <a:schemeClr val="bg2"/>
@@ -6518,7 +6495,7 @@
           <a:effectLst/>
           <a:extLst>
             <a:ext uri="{91240B29-F687-4F45-9708-019B960494DF}">
-              <a14:hiddenLine xmlns:a14="http://schemas.microsoft.com/office/drawing/2010/main" w="9525">
+              <a14:hiddenLine xmlns="" xmlns:a14="http://schemas.microsoft.com/office/drawing/2010/main" w="9525">
                 <a:solidFill>
                   <a:schemeClr val="tx1"/>
                 </a:solidFill>
@@ -6528,7 +6505,7 @@
               </a14:hiddenLine>
             </a:ext>
             <a:ext uri="{AF507438-7753-43E0-B8FC-AC1667EBCBE1}">
-              <a14:hiddenEffects xmlns:a14="http://schemas.microsoft.com/office/drawing/2010/main">
+              <a14:hiddenEffects xmlns="" xmlns:a14="http://schemas.microsoft.com/office/drawing/2010/main">
                 <a:effectLst>
                   <a:outerShdw dist="35921" dir="2700000" algn="ctr" rotWithShape="0">
                     <a:schemeClr val="bg2"/>
@@ -6581,7 +6558,7 @@
           <a:effectLst/>
           <a:extLst>
             <a:ext uri="{91240B29-F687-4F45-9708-019B960494DF}">
-              <a14:hiddenLine xmlns:a14="http://schemas.microsoft.com/office/drawing/2010/main" w="9525">
+              <a14:hiddenLine xmlns="" xmlns:a14="http://schemas.microsoft.com/office/drawing/2010/main" w="9525">
                 <a:solidFill>
                   <a:schemeClr val="tx1"/>
                 </a:solidFill>
@@ -6591,7 +6568,7 @@
               </a14:hiddenLine>
             </a:ext>
             <a:ext uri="{AF507438-7753-43E0-B8FC-AC1667EBCBE1}">
-              <a14:hiddenEffects xmlns:a14="http://schemas.microsoft.com/office/drawing/2010/main">
+              <a14:hiddenEffects xmlns="" xmlns:a14="http://schemas.microsoft.com/office/drawing/2010/main">
                 <a:effectLst>
                   <a:outerShdw dist="35921" dir="2700000" algn="ctr" rotWithShape="0">
                     <a:schemeClr val="bg2"/>
@@ -6667,7 +6644,7 @@
           <a:blip r:embed="rId4" cstate="print">
             <a:extLst>
               <a:ext uri="{28A0092B-C50C-407E-A947-70E740481C1C}">
-                <a14:useLocalDpi xmlns:a14="http://schemas.microsoft.com/office/drawing/2010/main" val="0"/>
+                <a14:useLocalDpi xmlns="" xmlns:a14="http://schemas.microsoft.com/office/drawing/2010/main" val="0"/>
               </a:ext>
             </a:extLst>
           </a:blip>
@@ -6689,14 +6666,14 @@
           </a:ln>
           <a:extLst>
             <a:ext uri="{909E8E84-426E-40DD-AFC4-6F175D3DCCD1}">
-              <a14:hiddenFill xmlns:a14="http://schemas.microsoft.com/office/drawing/2010/main">
+              <a14:hiddenFill xmlns="" xmlns:a14="http://schemas.microsoft.com/office/drawing/2010/main">
                 <a:solidFill>
                   <a:srgbClr val="FFFFFF"/>
                 </a:solidFill>
               </a14:hiddenFill>
             </a:ext>
             <a:ext uri="{91240B29-F687-4F45-9708-019B960494DF}">
-              <a14:hiddenLine xmlns:a14="http://schemas.microsoft.com/office/drawing/2010/main" w="9525">
+              <a14:hiddenLine xmlns="" xmlns:a14="http://schemas.microsoft.com/office/drawing/2010/main" w="9525">
                 <a:solidFill>
                   <a:srgbClr val="000000"/>
                 </a:solidFill>
@@ -6844,7 +6821,7 @@
           <a:blip r:embed="rId6" cstate="print">
             <a:extLst>
               <a:ext uri="{28A0092B-C50C-407E-A947-70E740481C1C}">
-                <a14:useLocalDpi xmlns:a14="http://schemas.microsoft.com/office/drawing/2010/main" val="0"/>
+                <a14:useLocalDpi xmlns="" xmlns:a14="http://schemas.microsoft.com/office/drawing/2010/main" val="0"/>
               </a:ext>
             </a:extLst>
           </a:blip>
@@ -6874,7 +6851,7 @@
           <a:blip r:embed="rId7" cstate="print">
             <a:extLst>
               <a:ext uri="{28A0092B-C50C-407E-A947-70E740481C1C}">
-                <a14:useLocalDpi xmlns:a14="http://schemas.microsoft.com/office/drawing/2010/main" val="0"/>
+                <a14:useLocalDpi xmlns="" xmlns:a14="http://schemas.microsoft.com/office/drawing/2010/main" val="0"/>
               </a:ext>
             </a:extLst>
           </a:blip>
@@ -6894,7 +6871,7 @@
           <a:noFill/>
           <a:extLst>
             <a:ext uri="{909E8E84-426E-40DD-AFC4-6F175D3DCCD1}">
-              <a14:hiddenFill xmlns:a14="http://schemas.microsoft.com/office/drawing/2010/main">
+              <a14:hiddenFill xmlns="" xmlns:a14="http://schemas.microsoft.com/office/drawing/2010/main">
                 <a:solidFill>
                   <a:srgbClr val="FFFFFF"/>
                 </a:solidFill>
@@ -6906,7 +6883,7 @@
     </p:spTree>
     <p:extLst>
       <p:ext uri="{BB962C8B-B14F-4D97-AF65-F5344CB8AC3E}">
-        <p14:creationId xmlns:p14="http://schemas.microsoft.com/office/powerpoint/2010/main" val="1751719694"/>
+        <p14:creationId xmlns="" xmlns:p14="http://schemas.microsoft.com/office/powerpoint/2010/main" val="1751719694"/>
       </p:ext>
     </p:extLst>
   </p:cSld>
@@ -6952,7 +6929,7 @@
           <a:blip r:embed="rId2" cstate="print">
             <a:extLst>
               <a:ext uri="{28A0092B-C50C-407E-A947-70E740481C1C}">
-                <a14:useLocalDpi xmlns:a14="http://schemas.microsoft.com/office/drawing/2010/main" val="0"/>
+                <a14:useLocalDpi xmlns="" xmlns:a14="http://schemas.microsoft.com/office/drawing/2010/main" val="0"/>
               </a:ext>
             </a:extLst>
           </a:blip>
@@ -6997,7 +6974,7 @@
           <a:effectLst/>
           <a:extLst>
             <a:ext uri="{91240B29-F687-4F45-9708-019B960494DF}">
-              <a14:hiddenLine xmlns:a14="http://schemas.microsoft.com/office/drawing/2010/main" w="9525">
+              <a14:hiddenLine xmlns="" xmlns:a14="http://schemas.microsoft.com/office/drawing/2010/main" w="9525">
                 <a:solidFill>
                   <a:schemeClr val="tx1"/>
                 </a:solidFill>
@@ -7007,7 +6984,7 @@
               </a14:hiddenLine>
             </a:ext>
             <a:ext uri="{AF507438-7753-43E0-B8FC-AC1667EBCBE1}">
-              <a14:hiddenEffects xmlns:a14="http://schemas.microsoft.com/office/drawing/2010/main">
+              <a14:hiddenEffects xmlns="" xmlns:a14="http://schemas.microsoft.com/office/drawing/2010/main">
                 <a:effectLst>
                   <a:outerShdw dist="35921" dir="2700000" algn="ctr" rotWithShape="0">
                     <a:schemeClr val="bg2"/>
@@ -7060,7 +7037,7 @@
           <a:effectLst/>
           <a:extLst>
             <a:ext uri="{91240B29-F687-4F45-9708-019B960494DF}">
-              <a14:hiddenLine xmlns:a14="http://schemas.microsoft.com/office/drawing/2010/main" w="9525">
+              <a14:hiddenLine xmlns="" xmlns:a14="http://schemas.microsoft.com/office/drawing/2010/main" w="9525">
                 <a:solidFill>
                   <a:schemeClr val="tx1"/>
                 </a:solidFill>
@@ -7070,7 +7047,7 @@
               </a14:hiddenLine>
             </a:ext>
             <a:ext uri="{AF507438-7753-43E0-B8FC-AC1667EBCBE1}">
-              <a14:hiddenEffects xmlns:a14="http://schemas.microsoft.com/office/drawing/2010/main">
+              <a14:hiddenEffects xmlns="" xmlns:a14="http://schemas.microsoft.com/office/drawing/2010/main">
                 <a:effectLst>
                   <a:outerShdw dist="35921" dir="2700000" algn="ctr" rotWithShape="0">
                     <a:schemeClr val="bg2"/>
@@ -7123,7 +7100,7 @@
           <a:effectLst/>
           <a:extLst>
             <a:ext uri="{91240B29-F687-4F45-9708-019B960494DF}">
-              <a14:hiddenLine xmlns:a14="http://schemas.microsoft.com/office/drawing/2010/main" w="9525">
+              <a14:hiddenLine xmlns="" xmlns:a14="http://schemas.microsoft.com/office/drawing/2010/main" w="9525">
                 <a:solidFill>
                   <a:schemeClr val="tx1"/>
                 </a:solidFill>
@@ -7133,7 +7110,7 @@
               </a14:hiddenLine>
             </a:ext>
             <a:ext uri="{AF507438-7753-43E0-B8FC-AC1667EBCBE1}">
-              <a14:hiddenEffects xmlns:a14="http://schemas.microsoft.com/office/drawing/2010/main">
+              <a14:hiddenEffects xmlns="" xmlns:a14="http://schemas.microsoft.com/office/drawing/2010/main">
                 <a:effectLst>
                   <a:outerShdw dist="35921" dir="2700000" algn="ctr" rotWithShape="0">
                     <a:schemeClr val="bg2"/>
@@ -7186,7 +7163,7 @@
           <a:effectLst/>
           <a:extLst>
             <a:ext uri="{91240B29-F687-4F45-9708-019B960494DF}">
-              <a14:hiddenLine xmlns:a14="http://schemas.microsoft.com/office/drawing/2010/main" w="9525">
+              <a14:hiddenLine xmlns="" xmlns:a14="http://schemas.microsoft.com/office/drawing/2010/main" w="9525">
                 <a:solidFill>
                   <a:schemeClr val="tx1"/>
                 </a:solidFill>
@@ -7196,7 +7173,7 @@
               </a14:hiddenLine>
             </a:ext>
             <a:ext uri="{AF507438-7753-43E0-B8FC-AC1667EBCBE1}">
-              <a14:hiddenEffects xmlns:a14="http://schemas.microsoft.com/office/drawing/2010/main">
+              <a14:hiddenEffects xmlns="" xmlns:a14="http://schemas.microsoft.com/office/drawing/2010/main">
                 <a:effectLst>
                   <a:outerShdw dist="35921" dir="2700000" algn="ctr" rotWithShape="0">
                     <a:schemeClr val="bg2"/>
@@ -7232,7 +7209,7 @@
           <a:blip r:embed="rId3" cstate="print">
             <a:extLst>
               <a:ext uri="{28A0092B-C50C-407E-A947-70E740481C1C}">
-                <a14:useLocalDpi xmlns:a14="http://schemas.microsoft.com/office/drawing/2010/main" val="0"/>
+                <a14:useLocalDpi xmlns="" xmlns:a14="http://schemas.microsoft.com/office/drawing/2010/main" val="0"/>
               </a:ext>
             </a:extLst>
           </a:blip>
@@ -7262,7 +7239,7 @@
           <a:blip r:embed="rId4" cstate="print">
             <a:extLst>
               <a:ext uri="{28A0092B-C50C-407E-A947-70E740481C1C}">
-                <a14:useLocalDpi xmlns:a14="http://schemas.microsoft.com/office/drawing/2010/main" val="0"/>
+                <a14:useLocalDpi xmlns="" xmlns:a14="http://schemas.microsoft.com/office/drawing/2010/main" val="0"/>
               </a:ext>
             </a:extLst>
           </a:blip>
@@ -7284,14 +7261,14 @@
           </a:ln>
           <a:extLst>
             <a:ext uri="{909E8E84-426E-40DD-AFC4-6F175D3DCCD1}">
-              <a14:hiddenFill xmlns:a14="http://schemas.microsoft.com/office/drawing/2010/main">
+              <a14:hiddenFill xmlns="" xmlns:a14="http://schemas.microsoft.com/office/drawing/2010/main">
                 <a:solidFill>
                   <a:srgbClr val="FFFFFF"/>
                 </a:solidFill>
               </a14:hiddenFill>
             </a:ext>
             <a:ext uri="{91240B29-F687-4F45-9708-019B960494DF}">
-              <a14:hiddenLine xmlns:a14="http://schemas.microsoft.com/office/drawing/2010/main" w="9525">
+              <a14:hiddenLine xmlns="" xmlns:a14="http://schemas.microsoft.com/office/drawing/2010/main" w="9525">
                 <a:solidFill>
                   <a:srgbClr val="000000"/>
                 </a:solidFill>
@@ -7672,7 +7649,7 @@
           <a:blip r:embed="rId6" cstate="print">
             <a:extLst>
               <a:ext uri="{28A0092B-C50C-407E-A947-70E740481C1C}">
-                <a14:useLocalDpi xmlns:a14="http://schemas.microsoft.com/office/drawing/2010/main" val="0"/>
+                <a14:useLocalDpi xmlns="" xmlns:a14="http://schemas.microsoft.com/office/drawing/2010/main" val="0"/>
               </a:ext>
             </a:extLst>
           </a:blip>
@@ -7692,7 +7669,7 @@
           <a:noFill/>
           <a:extLst>
             <a:ext uri="{909E8E84-426E-40DD-AFC4-6F175D3DCCD1}">
-              <a14:hiddenFill xmlns:a14="http://schemas.microsoft.com/office/drawing/2010/main">
+              <a14:hiddenFill xmlns="" xmlns:a14="http://schemas.microsoft.com/office/drawing/2010/main">
                 <a:solidFill>
                   <a:srgbClr val="FFFFFF"/>
                 </a:solidFill>
@@ -7704,7 +7681,7 @@
     </p:spTree>
     <p:extLst>
       <p:ext uri="{BB962C8B-B14F-4D97-AF65-F5344CB8AC3E}">
-        <p14:creationId xmlns:p14="http://schemas.microsoft.com/office/powerpoint/2010/main" val="2036614556"/>
+        <p14:creationId xmlns="" xmlns:p14="http://schemas.microsoft.com/office/powerpoint/2010/main" val="2036614556"/>
       </p:ext>
     </p:extLst>
   </p:cSld>
@@ -7860,7 +7837,7 @@
     </p:spTree>
     <p:extLst>
       <p:ext uri="{BB962C8B-B14F-4D97-AF65-F5344CB8AC3E}">
-        <p14:creationId xmlns:p14="http://schemas.microsoft.com/office/powerpoint/2010/main" val="1787567037"/>
+        <p14:creationId xmlns="" xmlns:p14="http://schemas.microsoft.com/office/powerpoint/2010/main" val="1787567037"/>
       </p:ext>
     </p:extLst>
   </p:cSld>
@@ -7962,7 +7939,7 @@
     </p:spTree>
     <p:extLst>
       <p:ext uri="{BB962C8B-B14F-4D97-AF65-F5344CB8AC3E}">
-        <p14:creationId xmlns:p14="http://schemas.microsoft.com/office/powerpoint/2010/main" val="52104216"/>
+        <p14:creationId xmlns="" xmlns:p14="http://schemas.microsoft.com/office/powerpoint/2010/main" val="52104216"/>
       </p:ext>
     </p:extLst>
   </p:cSld>
@@ -8192,7 +8169,7 @@
     </p:spTree>
     <p:extLst>
       <p:ext uri="{BB962C8B-B14F-4D97-AF65-F5344CB8AC3E}">
-        <p14:creationId xmlns:p14="http://schemas.microsoft.com/office/powerpoint/2010/main" val="3792492647"/>
+        <p14:creationId xmlns="" xmlns:p14="http://schemas.microsoft.com/office/powerpoint/2010/main" val="3792492647"/>
       </p:ext>
     </p:extLst>
   </p:cSld>
@@ -8238,7 +8215,7 @@
           <a:blip r:embed="rId2" cstate="print">
             <a:extLst>
               <a:ext uri="{28A0092B-C50C-407E-A947-70E740481C1C}">
-                <a14:useLocalDpi xmlns:a14="http://schemas.microsoft.com/office/drawing/2010/main" val="0"/>
+                <a14:useLocalDpi xmlns="" xmlns:a14="http://schemas.microsoft.com/office/drawing/2010/main" val="0"/>
               </a:ext>
             </a:extLst>
           </a:blip>
@@ -8283,7 +8260,7 @@
           <a:effectLst/>
           <a:extLst>
             <a:ext uri="{91240B29-F687-4F45-9708-019B960494DF}">
-              <a14:hiddenLine xmlns:a14="http://schemas.microsoft.com/office/drawing/2010/main" w="9525">
+              <a14:hiddenLine xmlns="" xmlns:a14="http://schemas.microsoft.com/office/drawing/2010/main" w="9525">
                 <a:solidFill>
                   <a:schemeClr val="tx1"/>
                 </a:solidFill>
@@ -8293,7 +8270,7 @@
               </a14:hiddenLine>
             </a:ext>
             <a:ext uri="{AF507438-7753-43E0-B8FC-AC1667EBCBE1}">
-              <a14:hiddenEffects xmlns:a14="http://schemas.microsoft.com/office/drawing/2010/main">
+              <a14:hiddenEffects xmlns="" xmlns:a14="http://schemas.microsoft.com/office/drawing/2010/main">
                 <a:effectLst>
                   <a:outerShdw dist="35921" dir="2700000" algn="ctr" rotWithShape="0">
                     <a:schemeClr val="bg2"/>
@@ -8343,7 +8320,7 @@
           <a:effectLst/>
           <a:extLst>
             <a:ext uri="{91240B29-F687-4F45-9708-019B960494DF}">
-              <a14:hiddenLine xmlns:a14="http://schemas.microsoft.com/office/drawing/2010/main" w="9525">
+              <a14:hiddenLine xmlns="" xmlns:a14="http://schemas.microsoft.com/office/drawing/2010/main" w="9525">
                 <a:solidFill>
                   <a:schemeClr val="tx1"/>
                 </a:solidFill>
@@ -8353,7 +8330,7 @@
               </a14:hiddenLine>
             </a:ext>
             <a:ext uri="{AF507438-7753-43E0-B8FC-AC1667EBCBE1}">
-              <a14:hiddenEffects xmlns:a14="http://schemas.microsoft.com/office/drawing/2010/main">
+              <a14:hiddenEffects xmlns="" xmlns:a14="http://schemas.microsoft.com/office/drawing/2010/main">
                 <a:effectLst>
                   <a:outerShdw dist="35921" dir="2700000" algn="ctr" rotWithShape="0">
                     <a:schemeClr val="bg2"/>
@@ -8403,7 +8380,7 @@
           <a:effectLst/>
           <a:extLst>
             <a:ext uri="{91240B29-F687-4F45-9708-019B960494DF}">
-              <a14:hiddenLine xmlns:a14="http://schemas.microsoft.com/office/drawing/2010/main" w="9525">
+              <a14:hiddenLine xmlns="" xmlns:a14="http://schemas.microsoft.com/office/drawing/2010/main" w="9525">
                 <a:solidFill>
                   <a:schemeClr val="tx1"/>
                 </a:solidFill>
@@ -8413,7 +8390,7 @@
               </a14:hiddenLine>
             </a:ext>
             <a:ext uri="{AF507438-7753-43E0-B8FC-AC1667EBCBE1}">
-              <a14:hiddenEffects xmlns:a14="http://schemas.microsoft.com/office/drawing/2010/main">
+              <a14:hiddenEffects xmlns="" xmlns:a14="http://schemas.microsoft.com/office/drawing/2010/main">
                 <a:effectLst>
                   <a:outerShdw dist="35921" dir="2700000" algn="ctr" rotWithShape="0">
                     <a:schemeClr val="bg2"/>
@@ -8463,7 +8440,7 @@
           <a:effectLst/>
           <a:extLst>
             <a:ext uri="{91240B29-F687-4F45-9708-019B960494DF}">
-              <a14:hiddenLine xmlns:a14="http://schemas.microsoft.com/office/drawing/2010/main" w="9525">
+              <a14:hiddenLine xmlns="" xmlns:a14="http://schemas.microsoft.com/office/drawing/2010/main" w="9525">
                 <a:solidFill>
                   <a:schemeClr val="tx1"/>
                 </a:solidFill>
@@ -8473,7 +8450,7 @@
               </a14:hiddenLine>
             </a:ext>
             <a:ext uri="{AF507438-7753-43E0-B8FC-AC1667EBCBE1}">
-              <a14:hiddenEffects xmlns:a14="http://schemas.microsoft.com/office/drawing/2010/main">
+              <a14:hiddenEffects xmlns="" xmlns:a14="http://schemas.microsoft.com/office/drawing/2010/main">
                 <a:effectLst>
                   <a:outerShdw dist="35921" dir="2700000" algn="ctr" rotWithShape="0">
                     <a:schemeClr val="bg2"/>
@@ -8506,7 +8483,7 @@
           <a:blip r:embed="rId3" cstate="print">
             <a:extLst>
               <a:ext uri="{28A0092B-C50C-407E-A947-70E740481C1C}">
-                <a14:useLocalDpi xmlns:a14="http://schemas.microsoft.com/office/drawing/2010/main" val="0"/>
+                <a14:useLocalDpi xmlns="" xmlns:a14="http://schemas.microsoft.com/office/drawing/2010/main" val="0"/>
               </a:ext>
             </a:extLst>
           </a:blip>
@@ -8536,7 +8513,7 @@
           <a:blip r:embed="rId4" cstate="print">
             <a:extLst>
               <a:ext uri="{28A0092B-C50C-407E-A947-70E740481C1C}">
-                <a14:useLocalDpi xmlns:a14="http://schemas.microsoft.com/office/drawing/2010/main" val="0"/>
+                <a14:useLocalDpi xmlns="" xmlns:a14="http://schemas.microsoft.com/office/drawing/2010/main" val="0"/>
               </a:ext>
             </a:extLst>
           </a:blip>
@@ -8558,14 +8535,14 @@
           </a:ln>
           <a:extLst>
             <a:ext uri="{909E8E84-426E-40DD-AFC4-6F175D3DCCD1}">
-              <a14:hiddenFill xmlns:a14="http://schemas.microsoft.com/office/drawing/2010/main">
+              <a14:hiddenFill xmlns="" xmlns:a14="http://schemas.microsoft.com/office/drawing/2010/main">
                 <a:solidFill>
                   <a:srgbClr val="FFFFFF"/>
                 </a:solidFill>
               </a14:hiddenFill>
             </a:ext>
             <a:ext uri="{91240B29-F687-4F45-9708-019B960494DF}">
-              <a14:hiddenLine xmlns:a14="http://schemas.microsoft.com/office/drawing/2010/main" w="9525">
+              <a14:hiddenLine xmlns="" xmlns:a14="http://schemas.microsoft.com/office/drawing/2010/main" w="9525">
                 <a:solidFill>
                   <a:srgbClr val="000000"/>
                 </a:solidFill>
@@ -8942,7 +8919,7 @@
           <a:blip r:embed="rId6" cstate="print">
             <a:extLst>
               <a:ext uri="{28A0092B-C50C-407E-A947-70E740481C1C}">
-                <a14:useLocalDpi xmlns:a14="http://schemas.microsoft.com/office/drawing/2010/main" val="0"/>
+                <a14:useLocalDpi xmlns="" xmlns:a14="http://schemas.microsoft.com/office/drawing/2010/main" val="0"/>
               </a:ext>
             </a:extLst>
           </a:blip>
@@ -8962,7 +8939,7 @@
           <a:noFill/>
           <a:extLst>
             <a:ext uri="{909E8E84-426E-40DD-AFC4-6F175D3DCCD1}">
-              <a14:hiddenFill xmlns:a14="http://schemas.microsoft.com/office/drawing/2010/main">
+              <a14:hiddenFill xmlns="" xmlns:a14="http://schemas.microsoft.com/office/drawing/2010/main">
                 <a:solidFill>
                   <a:srgbClr val="FFFFFF"/>
                 </a:solidFill>
@@ -8974,7 +8951,7 @@
     </p:spTree>
     <p:extLst>
       <p:ext uri="{BB962C8B-B14F-4D97-AF65-F5344CB8AC3E}">
-        <p14:creationId xmlns:p14="http://schemas.microsoft.com/office/powerpoint/2010/main" val="513194652"/>
+        <p14:creationId xmlns="" xmlns:p14="http://schemas.microsoft.com/office/powerpoint/2010/main" val="513194652"/>
       </p:ext>
     </p:extLst>
   </p:cSld>
@@ -9034,7 +9011,7 @@
     </p:spTree>
     <p:extLst>
       <p:ext uri="{BB962C8B-B14F-4D97-AF65-F5344CB8AC3E}">
-        <p14:creationId xmlns:p14="http://schemas.microsoft.com/office/powerpoint/2010/main" val="3938787868"/>
+        <p14:creationId xmlns="" xmlns:p14="http://schemas.microsoft.com/office/powerpoint/2010/main" val="3938787868"/>
       </p:ext>
     </p:extLst>
   </p:cSld>
@@ -9071,7 +9048,7 @@
     </p:spTree>
     <p:extLst>
       <p:ext uri="{BB962C8B-B14F-4D97-AF65-F5344CB8AC3E}">
-        <p14:creationId xmlns:p14="http://schemas.microsoft.com/office/powerpoint/2010/main" val="2423846019"/>
+        <p14:creationId xmlns="" xmlns:p14="http://schemas.microsoft.com/office/powerpoint/2010/main" val="2423846019"/>
       </p:ext>
     </p:extLst>
   </p:cSld>
@@ -9281,7 +9258,7 @@
     </p:spTree>
     <p:extLst>
       <p:ext uri="{BB962C8B-B14F-4D97-AF65-F5344CB8AC3E}">
-        <p14:creationId xmlns:p14="http://schemas.microsoft.com/office/powerpoint/2010/main" val="552788854"/>
+        <p14:creationId xmlns="" xmlns:p14="http://schemas.microsoft.com/office/powerpoint/2010/main" val="552788854"/>
       </p:ext>
     </p:extLst>
   </p:cSld>
@@ -9487,7 +9464,7 @@
     </p:spTree>
     <p:extLst>
       <p:ext uri="{BB962C8B-B14F-4D97-AF65-F5344CB8AC3E}">
-        <p14:creationId xmlns:p14="http://schemas.microsoft.com/office/powerpoint/2010/main" val="271575678"/>
+        <p14:creationId xmlns="" xmlns:p14="http://schemas.microsoft.com/office/powerpoint/2010/main" val="271575678"/>
       </p:ext>
     </p:extLst>
   </p:cSld>
@@ -9599,7 +9576,7 @@
     </p:spTree>
     <p:extLst>
       <p:ext uri="{BB962C8B-B14F-4D97-AF65-F5344CB8AC3E}">
-        <p14:creationId xmlns:p14="http://schemas.microsoft.com/office/powerpoint/2010/main" val="418117482"/>
+        <p14:creationId xmlns="" xmlns:p14="http://schemas.microsoft.com/office/powerpoint/2010/main" val="418117482"/>
       </p:ext>
     </p:extLst>
   </p:cSld>
@@ -9732,7 +9709,7 @@
     </p:spTree>
     <p:extLst>
       <p:ext uri="{BB962C8B-B14F-4D97-AF65-F5344CB8AC3E}">
-        <p14:creationId xmlns:p14="http://schemas.microsoft.com/office/powerpoint/2010/main" val="1011151399"/>
+        <p14:creationId xmlns="" xmlns:p14="http://schemas.microsoft.com/office/powerpoint/2010/main" val="1011151399"/>
       </p:ext>
     </p:extLst>
   </p:cSld>
@@ -9836,7 +9813,7 @@
     </p:spTree>
     <p:extLst>
       <p:ext uri="{BB962C8B-B14F-4D97-AF65-F5344CB8AC3E}">
-        <p14:creationId xmlns:p14="http://schemas.microsoft.com/office/powerpoint/2010/main" val="3662560483"/>
+        <p14:creationId xmlns="" xmlns:p14="http://schemas.microsoft.com/office/powerpoint/2010/main" val="3662560483"/>
       </p:ext>
     </p:extLst>
   </p:cSld>
@@ -9896,7 +9873,7 @@
     </p:spTree>
     <p:extLst>
       <p:ext uri="{BB962C8B-B14F-4D97-AF65-F5344CB8AC3E}">
-        <p14:creationId xmlns:p14="http://schemas.microsoft.com/office/powerpoint/2010/main" val="3435233463"/>
+        <p14:creationId xmlns="" xmlns:p14="http://schemas.microsoft.com/office/powerpoint/2010/main" val="3435233463"/>
       </p:ext>
     </p:extLst>
   </p:cSld>
@@ -9942,7 +9919,7 @@
           <a:blip r:embed="rId2" cstate="print">
             <a:extLst>
               <a:ext uri="{28A0092B-C50C-407E-A947-70E740481C1C}">
-                <a14:useLocalDpi xmlns:a14="http://schemas.microsoft.com/office/drawing/2010/main" val="0"/>
+                <a14:useLocalDpi xmlns="" xmlns:a14="http://schemas.microsoft.com/office/drawing/2010/main" val="0"/>
               </a:ext>
             </a:extLst>
           </a:blip>
@@ -9987,7 +9964,7 @@
           <a:effectLst/>
           <a:extLst>
             <a:ext uri="{91240B29-F687-4F45-9708-019B960494DF}">
-              <a14:hiddenLine xmlns:a14="http://schemas.microsoft.com/office/drawing/2010/main" w="9525">
+              <a14:hiddenLine xmlns="" xmlns:a14="http://schemas.microsoft.com/office/drawing/2010/main" w="9525">
                 <a:solidFill>
                   <a:schemeClr val="tx1"/>
                 </a:solidFill>
@@ -9997,7 +9974,7 @@
               </a14:hiddenLine>
             </a:ext>
             <a:ext uri="{AF507438-7753-43E0-B8FC-AC1667EBCBE1}">
-              <a14:hiddenEffects xmlns:a14="http://schemas.microsoft.com/office/drawing/2010/main">
+              <a14:hiddenEffects xmlns="" xmlns:a14="http://schemas.microsoft.com/office/drawing/2010/main">
                 <a:effectLst>
                   <a:outerShdw dist="35921" dir="2700000" algn="ctr" rotWithShape="0">
                     <a:schemeClr val="bg2"/>
@@ -10050,7 +10027,7 @@
           <a:effectLst/>
           <a:extLst>
             <a:ext uri="{91240B29-F687-4F45-9708-019B960494DF}">
-              <a14:hiddenLine xmlns:a14="http://schemas.microsoft.com/office/drawing/2010/main" w="9525">
+              <a14:hiddenLine xmlns="" xmlns:a14="http://schemas.microsoft.com/office/drawing/2010/main" w="9525">
                 <a:solidFill>
                   <a:schemeClr val="tx1"/>
                 </a:solidFill>
@@ -10060,7 +10037,7 @@
               </a14:hiddenLine>
             </a:ext>
             <a:ext uri="{AF507438-7753-43E0-B8FC-AC1667EBCBE1}">
-              <a14:hiddenEffects xmlns:a14="http://schemas.microsoft.com/office/drawing/2010/main">
+              <a14:hiddenEffects xmlns="" xmlns:a14="http://schemas.microsoft.com/office/drawing/2010/main">
                 <a:effectLst>
                   <a:outerShdw dist="35921" dir="2700000" algn="ctr" rotWithShape="0">
                     <a:schemeClr val="bg2"/>
@@ -10113,7 +10090,7 @@
           <a:effectLst/>
           <a:extLst>
             <a:ext uri="{91240B29-F687-4F45-9708-019B960494DF}">
-              <a14:hiddenLine xmlns:a14="http://schemas.microsoft.com/office/drawing/2010/main" w="9525">
+              <a14:hiddenLine xmlns="" xmlns:a14="http://schemas.microsoft.com/office/drawing/2010/main" w="9525">
                 <a:solidFill>
                   <a:schemeClr val="tx1"/>
                 </a:solidFill>
@@ -10123,7 +10100,7 @@
               </a14:hiddenLine>
             </a:ext>
             <a:ext uri="{AF507438-7753-43E0-B8FC-AC1667EBCBE1}">
-              <a14:hiddenEffects xmlns:a14="http://schemas.microsoft.com/office/drawing/2010/main">
+              <a14:hiddenEffects xmlns="" xmlns:a14="http://schemas.microsoft.com/office/drawing/2010/main">
                 <a:effectLst>
                   <a:outerShdw dist="35921" dir="2700000" algn="ctr" rotWithShape="0">
                     <a:schemeClr val="bg2"/>
@@ -10176,7 +10153,7 @@
           <a:effectLst/>
           <a:extLst>
             <a:ext uri="{91240B29-F687-4F45-9708-019B960494DF}">
-              <a14:hiddenLine xmlns:a14="http://schemas.microsoft.com/office/drawing/2010/main" w="9525">
+              <a14:hiddenLine xmlns="" xmlns:a14="http://schemas.microsoft.com/office/drawing/2010/main" w="9525">
                 <a:solidFill>
                   <a:schemeClr val="tx1"/>
                 </a:solidFill>
@@ -10186,7 +10163,7 @@
               </a14:hiddenLine>
             </a:ext>
             <a:ext uri="{AF507438-7753-43E0-B8FC-AC1667EBCBE1}">
-              <a14:hiddenEffects xmlns:a14="http://schemas.microsoft.com/office/drawing/2010/main">
+              <a14:hiddenEffects xmlns="" xmlns:a14="http://schemas.microsoft.com/office/drawing/2010/main">
                 <a:effectLst>
                   <a:outerShdw dist="35921" dir="2700000" algn="ctr" rotWithShape="0">
                     <a:schemeClr val="bg2"/>
@@ -10222,7 +10199,7 @@
           <a:blip r:embed="rId3" cstate="print">
             <a:extLst>
               <a:ext uri="{28A0092B-C50C-407E-A947-70E740481C1C}">
-                <a14:useLocalDpi xmlns:a14="http://schemas.microsoft.com/office/drawing/2010/main" val="0"/>
+                <a14:useLocalDpi xmlns="" xmlns:a14="http://schemas.microsoft.com/office/drawing/2010/main" val="0"/>
               </a:ext>
             </a:extLst>
           </a:blip>
@@ -10252,7 +10229,7 @@
           <a:blip r:embed="rId4" cstate="print">
             <a:extLst>
               <a:ext uri="{28A0092B-C50C-407E-A947-70E740481C1C}">
-                <a14:useLocalDpi xmlns:a14="http://schemas.microsoft.com/office/drawing/2010/main" val="0"/>
+                <a14:useLocalDpi xmlns="" xmlns:a14="http://schemas.microsoft.com/office/drawing/2010/main" val="0"/>
               </a:ext>
             </a:extLst>
           </a:blip>
@@ -10274,14 +10251,14 @@
           </a:ln>
           <a:extLst>
             <a:ext uri="{909E8E84-426E-40DD-AFC4-6F175D3DCCD1}">
-              <a14:hiddenFill xmlns:a14="http://schemas.microsoft.com/office/drawing/2010/main">
+              <a14:hiddenFill xmlns="" xmlns:a14="http://schemas.microsoft.com/office/drawing/2010/main">
                 <a:solidFill>
                   <a:srgbClr val="FFFFFF"/>
                 </a:solidFill>
               </a14:hiddenFill>
             </a:ext>
             <a:ext uri="{91240B29-F687-4F45-9708-019B960494DF}">
-              <a14:hiddenLine xmlns:a14="http://schemas.microsoft.com/office/drawing/2010/main" w="9525">
+              <a14:hiddenLine xmlns="" xmlns:a14="http://schemas.microsoft.com/office/drawing/2010/main" w="9525">
                 <a:solidFill>
                   <a:srgbClr val="000000"/>
                 </a:solidFill>
@@ -10628,7 +10605,7 @@
     </p:spTree>
     <p:extLst>
       <p:ext uri="{BB962C8B-B14F-4D97-AF65-F5344CB8AC3E}">
-        <p14:creationId xmlns:p14="http://schemas.microsoft.com/office/powerpoint/2010/main" val="3709086566"/>
+        <p14:creationId xmlns="" xmlns:p14="http://schemas.microsoft.com/office/powerpoint/2010/main" val="3709086566"/>
       </p:ext>
     </p:extLst>
   </p:cSld>
@@ -10674,7 +10651,7 @@
           <a:blip r:embed="rId2">
             <a:extLst>
               <a:ext uri="{28A0092B-C50C-407E-A947-70E740481C1C}">
-                <a14:useLocalDpi xmlns:a14="http://schemas.microsoft.com/office/drawing/2010/main" val="0"/>
+                <a14:useLocalDpi xmlns="" xmlns:a14="http://schemas.microsoft.com/office/drawing/2010/main" val="0"/>
               </a:ext>
             </a:extLst>
           </a:blip>
@@ -10810,7 +10787,7 @@
           <a:blip r:embed="rId3" cstate="print">
             <a:extLst>
               <a:ext uri="{28A0092B-C50C-407E-A947-70E740481C1C}">
-                <a14:useLocalDpi xmlns:a14="http://schemas.microsoft.com/office/drawing/2010/main" val="0"/>
+                <a14:useLocalDpi xmlns="" xmlns:a14="http://schemas.microsoft.com/office/drawing/2010/main" val="0"/>
               </a:ext>
             </a:extLst>
           </a:blip>
@@ -10982,7 +10959,7 @@
     </p:spTree>
     <p:extLst>
       <p:ext uri="{BB962C8B-B14F-4D97-AF65-F5344CB8AC3E}">
-        <p14:creationId xmlns:p14="http://schemas.microsoft.com/office/powerpoint/2010/main" val="371797698"/>
+        <p14:creationId xmlns="" xmlns:p14="http://schemas.microsoft.com/office/powerpoint/2010/main" val="371797698"/>
       </p:ext>
     </p:extLst>
   </p:cSld>
@@ -11140,7 +11117,7 @@
     </p:spTree>
     <p:extLst>
       <p:ext uri="{BB962C8B-B14F-4D97-AF65-F5344CB8AC3E}">
-        <p14:creationId xmlns:p14="http://schemas.microsoft.com/office/powerpoint/2010/main" val="3284386670"/>
+        <p14:creationId xmlns="" xmlns:p14="http://schemas.microsoft.com/office/powerpoint/2010/main" val="3284386670"/>
       </p:ext>
     </p:extLst>
   </p:cSld>
@@ -11259,7 +11236,7 @@
     </p:spTree>
     <p:extLst>
       <p:ext uri="{BB962C8B-B14F-4D97-AF65-F5344CB8AC3E}">
-        <p14:creationId xmlns:p14="http://schemas.microsoft.com/office/powerpoint/2010/main" val="2955037171"/>
+        <p14:creationId xmlns="" xmlns:p14="http://schemas.microsoft.com/office/powerpoint/2010/main" val="2955037171"/>
       </p:ext>
     </p:extLst>
   </p:cSld>
@@ -11354,7 +11331,7 @@
           <a:blip r:embed="rId2" cstate="print">
             <a:extLst>
               <a:ext uri="{28A0092B-C50C-407E-A947-70E740481C1C}">
-                <a14:useLocalDpi xmlns:a14="http://schemas.microsoft.com/office/drawing/2010/main" val="0"/>
+                <a14:useLocalDpi xmlns="" xmlns:a14="http://schemas.microsoft.com/office/drawing/2010/main" val="0"/>
               </a:ext>
             </a:extLst>
           </a:blip>
@@ -11509,7 +11486,7 @@
           <a:blip r:embed="rId3" cstate="print">
             <a:extLst>
               <a:ext uri="{28A0092B-C50C-407E-A947-70E740481C1C}">
-                <a14:useLocalDpi xmlns:a14="http://schemas.microsoft.com/office/drawing/2010/main" val="0"/>
+                <a14:useLocalDpi xmlns="" xmlns:a14="http://schemas.microsoft.com/office/drawing/2010/main" val="0"/>
               </a:ext>
             </a:extLst>
           </a:blip>
@@ -11530,7 +11507,7 @@
     </p:spTree>
     <p:extLst>
       <p:ext uri="{BB962C8B-B14F-4D97-AF65-F5344CB8AC3E}">
-        <p14:creationId xmlns:p14="http://schemas.microsoft.com/office/powerpoint/2010/main" val="1883936988"/>
+        <p14:creationId xmlns="" xmlns:p14="http://schemas.microsoft.com/office/powerpoint/2010/main" val="1883936988"/>
       </p:ext>
     </p:extLst>
   </p:cSld>
@@ -11576,7 +11553,7 @@
           <a:blip r:embed="rId2" cstate="email">
             <a:extLst>
               <a:ext uri="{28A0092B-C50C-407E-A947-70E740481C1C}">
-                <a14:useLocalDpi xmlns:a14="http://schemas.microsoft.com/office/drawing/2010/main"/>
+                <a14:useLocalDpi xmlns="" xmlns:a14="http://schemas.microsoft.com/office/drawing/2010/main"/>
               </a:ext>
             </a:extLst>
           </a:blip>
@@ -11703,18 +11680,18 @@
     </p:spTree>
     <p:extLst>
       <p:ext uri="{BB962C8B-B14F-4D97-AF65-F5344CB8AC3E}">
-        <p14:creationId xmlns:p14="http://schemas.microsoft.com/office/powerpoint/2010/main" val="2590922567"/>
+        <p14:creationId xmlns="" xmlns:p14="http://schemas.microsoft.com/office/powerpoint/2010/main" val="2590922567"/>
       </p:ext>
     </p:extLst>
   </p:cSld>
   <p:clrMapOvr>
     <a:masterClrMapping/>
   </p:clrMapOvr>
-  <mc:AlternateContent xmlns:mc="http://schemas.openxmlformats.org/markup-compatibility/2006" xmlns:p14="http://schemas.microsoft.com/office/powerpoint/2010/main">
-    <mc:Choice Requires="p14">
+  <mc:AlternateContent xmlns:mc="http://schemas.openxmlformats.org/markup-compatibility/2006">
+    <mc:Choice xmlns="" xmlns:p14="http://schemas.microsoft.com/office/powerpoint/2010/main" Requires="p14">
       <p:transition spd="slow" p14:dur="2000"/>
     </mc:Choice>
-    <mc:Fallback xmlns="">
+    <mc:Fallback>
       <p:transition spd="slow"/>
     </mc:Fallback>
   </mc:AlternateContent>
@@ -11956,7 +11933,7 @@
     </p:spTree>
     <p:extLst>
       <p:ext uri="{BB962C8B-B14F-4D97-AF65-F5344CB8AC3E}">
-        <p14:creationId xmlns:p14="http://schemas.microsoft.com/office/powerpoint/2010/main" val="585312066"/>
+        <p14:creationId xmlns="" xmlns:p14="http://schemas.microsoft.com/office/powerpoint/2010/main" val="585312066"/>
       </p:ext>
     </p:extLst>
   </p:cSld>
@@ -12058,7 +12035,7 @@
     </p:spTree>
     <p:extLst>
       <p:ext uri="{BB962C8B-B14F-4D97-AF65-F5344CB8AC3E}">
-        <p14:creationId xmlns:p14="http://schemas.microsoft.com/office/powerpoint/2010/main" val="1164115589"/>
+        <p14:creationId xmlns="" xmlns:p14="http://schemas.microsoft.com/office/powerpoint/2010/main" val="1164115589"/>
       </p:ext>
     </p:extLst>
   </p:cSld>
@@ -12288,7 +12265,7 @@
     </p:spTree>
     <p:extLst>
       <p:ext uri="{BB962C8B-B14F-4D97-AF65-F5344CB8AC3E}">
-        <p14:creationId xmlns:p14="http://schemas.microsoft.com/office/powerpoint/2010/main" val="1405143611"/>
+        <p14:creationId xmlns="" xmlns:p14="http://schemas.microsoft.com/office/powerpoint/2010/main" val="1405143611"/>
       </p:ext>
     </p:extLst>
   </p:cSld>
@@ -12348,7 +12325,7 @@
     </p:spTree>
     <p:extLst>
       <p:ext uri="{BB962C8B-B14F-4D97-AF65-F5344CB8AC3E}">
-        <p14:creationId xmlns:p14="http://schemas.microsoft.com/office/powerpoint/2010/main" val="1657428178"/>
+        <p14:creationId xmlns="" xmlns:p14="http://schemas.microsoft.com/office/powerpoint/2010/main" val="1657428178"/>
       </p:ext>
     </p:extLst>
   </p:cSld>
@@ -12385,7 +12362,7 @@
     </p:spTree>
     <p:extLst>
       <p:ext uri="{BB962C8B-B14F-4D97-AF65-F5344CB8AC3E}">
-        <p14:creationId xmlns:p14="http://schemas.microsoft.com/office/powerpoint/2010/main" val="2229656865"/>
+        <p14:creationId xmlns="" xmlns:p14="http://schemas.microsoft.com/office/powerpoint/2010/main" val="2229656865"/>
       </p:ext>
     </p:extLst>
   </p:cSld>
@@ -12595,7 +12572,7 @@
     </p:spTree>
     <p:extLst>
       <p:ext uri="{BB962C8B-B14F-4D97-AF65-F5344CB8AC3E}">
-        <p14:creationId xmlns:p14="http://schemas.microsoft.com/office/powerpoint/2010/main" val="1658717521"/>
+        <p14:creationId xmlns="" xmlns:p14="http://schemas.microsoft.com/office/powerpoint/2010/main" val="1658717521"/>
       </p:ext>
     </p:extLst>
   </p:cSld>
@@ -12801,7 +12778,7 @@
     </p:spTree>
     <p:extLst>
       <p:ext uri="{BB962C8B-B14F-4D97-AF65-F5344CB8AC3E}">
-        <p14:creationId xmlns:p14="http://schemas.microsoft.com/office/powerpoint/2010/main" val="3818687901"/>
+        <p14:creationId xmlns="" xmlns:p14="http://schemas.microsoft.com/office/powerpoint/2010/main" val="3818687901"/>
       </p:ext>
     </p:extLst>
   </p:cSld>
@@ -12855,7 +12832,7 @@
           <a:blip r:embed="rId16" cstate="print">
             <a:extLst>
               <a:ext uri="{BEBA8EAE-BF5A-486C-A8C5-ECC9F3942E4B}">
-                <a14:imgProps xmlns:a14="http://schemas.microsoft.com/office/drawing/2010/main">
+                <a14:imgProps xmlns="" xmlns:a14="http://schemas.microsoft.com/office/drawing/2010/main">
                   <a14:imgLayer r:embed="rId17">
                     <a14:imgEffect>
                       <a14:sharpenSoften amount="100000"/>
@@ -12867,7 +12844,7 @@
                 </a14:imgProps>
               </a:ext>
               <a:ext uri="{28A0092B-C50C-407E-A947-70E740481C1C}">
-                <a14:useLocalDpi xmlns:a14="http://schemas.microsoft.com/office/drawing/2010/main" val="0"/>
+                <a14:useLocalDpi xmlns="" xmlns:a14="http://schemas.microsoft.com/office/drawing/2010/main" val="0"/>
               </a:ext>
             </a:extLst>
           </a:blip>
@@ -12926,7 +12903,7 @@
             <a:effectLst/>
             <a:extLst>
               <a:ext uri="{91240B29-F687-4F45-9708-019B960494DF}">
-                <a14:hiddenLine xmlns:a14="http://schemas.microsoft.com/office/drawing/2010/main" w="9525">
+                <a14:hiddenLine xmlns="" xmlns:a14="http://schemas.microsoft.com/office/drawing/2010/main" w="9525">
                   <a:solidFill>
                     <a:schemeClr val="tx1"/>
                   </a:solidFill>
@@ -12936,7 +12913,7 @@
                 </a14:hiddenLine>
               </a:ext>
               <a:ext uri="{AF507438-7753-43E0-B8FC-AC1667EBCBE1}">
-                <a14:hiddenEffects xmlns:a14="http://schemas.microsoft.com/office/drawing/2010/main">
+                <a14:hiddenEffects xmlns="" xmlns:a14="http://schemas.microsoft.com/office/drawing/2010/main">
                   <a:effectLst>
                     <a:outerShdw dist="35921" dir="2700000" algn="ctr" rotWithShape="0">
                       <a:schemeClr val="bg2"/>
@@ -12986,7 +12963,7 @@
             <a:effectLst/>
             <a:extLst>
               <a:ext uri="{91240B29-F687-4F45-9708-019B960494DF}">
-                <a14:hiddenLine xmlns:a14="http://schemas.microsoft.com/office/drawing/2010/main" w="9525">
+                <a14:hiddenLine xmlns="" xmlns:a14="http://schemas.microsoft.com/office/drawing/2010/main" w="9525">
                   <a:solidFill>
                     <a:schemeClr val="tx1"/>
                   </a:solidFill>
@@ -12996,7 +12973,7 @@
                 </a14:hiddenLine>
               </a:ext>
               <a:ext uri="{AF507438-7753-43E0-B8FC-AC1667EBCBE1}">
-                <a14:hiddenEffects xmlns:a14="http://schemas.microsoft.com/office/drawing/2010/main">
+                <a14:hiddenEffects xmlns="" xmlns:a14="http://schemas.microsoft.com/office/drawing/2010/main">
                   <a:effectLst>
                     <a:outerShdw dist="35921" dir="2700000" algn="ctr" rotWithShape="0">
                       <a:schemeClr val="bg2"/>
@@ -13046,7 +13023,7 @@
             <a:effectLst/>
             <a:extLst>
               <a:ext uri="{91240B29-F687-4F45-9708-019B960494DF}">
-                <a14:hiddenLine xmlns:a14="http://schemas.microsoft.com/office/drawing/2010/main" w="9525">
+                <a14:hiddenLine xmlns="" xmlns:a14="http://schemas.microsoft.com/office/drawing/2010/main" w="9525">
                   <a:solidFill>
                     <a:schemeClr val="tx1"/>
                   </a:solidFill>
@@ -13056,7 +13033,7 @@
                 </a14:hiddenLine>
               </a:ext>
               <a:ext uri="{AF507438-7753-43E0-B8FC-AC1667EBCBE1}">
-                <a14:hiddenEffects xmlns:a14="http://schemas.microsoft.com/office/drawing/2010/main">
+                <a14:hiddenEffects xmlns="" xmlns:a14="http://schemas.microsoft.com/office/drawing/2010/main">
                   <a:effectLst>
                     <a:outerShdw dist="35921" dir="2700000" algn="ctr" rotWithShape="0">
                       <a:schemeClr val="bg2"/>
@@ -13106,7 +13083,7 @@
             <a:effectLst/>
             <a:extLst>
               <a:ext uri="{91240B29-F687-4F45-9708-019B960494DF}">
-                <a14:hiddenLine xmlns:a14="http://schemas.microsoft.com/office/drawing/2010/main" w="9525">
+                <a14:hiddenLine xmlns="" xmlns:a14="http://schemas.microsoft.com/office/drawing/2010/main" w="9525">
                   <a:solidFill>
                     <a:schemeClr val="tx1"/>
                   </a:solidFill>
@@ -13116,7 +13093,7 @@
                 </a14:hiddenLine>
               </a:ext>
               <a:ext uri="{AF507438-7753-43E0-B8FC-AC1667EBCBE1}">
-                <a14:hiddenEffects xmlns:a14="http://schemas.microsoft.com/office/drawing/2010/main">
+                <a14:hiddenEffects xmlns="" xmlns:a14="http://schemas.microsoft.com/office/drawing/2010/main">
                   <a:effectLst>
                     <a:outerShdw dist="35921" dir="2700000" algn="ctr" rotWithShape="0">
                       <a:schemeClr val="bg2"/>
@@ -13163,14 +13140,14 @@
           <a:effectLst/>
           <a:extLst>
             <a:ext uri="{909E8E84-426E-40DD-AFC4-6F175D3DCCD1}">
-              <a14:hiddenFill xmlns:a14="http://schemas.microsoft.com/office/drawing/2010/main">
+              <a14:hiddenFill xmlns="" xmlns:a14="http://schemas.microsoft.com/office/drawing/2010/main">
                 <a:solidFill>
                   <a:schemeClr val="accent1"/>
                 </a:solidFill>
               </a14:hiddenFill>
             </a:ext>
             <a:ext uri="{91240B29-F687-4F45-9708-019B960494DF}">
-              <a14:hiddenLine xmlns:a14="http://schemas.microsoft.com/office/drawing/2010/main" w="9525">
+              <a14:hiddenLine xmlns="" xmlns:a14="http://schemas.microsoft.com/office/drawing/2010/main" w="9525">
                 <a:solidFill>
                   <a:schemeClr val="tx1"/>
                 </a:solidFill>
@@ -13180,7 +13157,7 @@
               </a14:hiddenLine>
             </a:ext>
             <a:ext uri="{AF507438-7753-43E0-B8FC-AC1667EBCBE1}">
-              <a14:hiddenEffects xmlns:a14="http://schemas.microsoft.com/office/drawing/2010/main">
+              <a14:hiddenEffects xmlns="" xmlns:a14="http://schemas.microsoft.com/office/drawing/2010/main">
                 <a:effectLst>
                   <a:outerShdw dist="35921" dir="2700000" algn="ctr" rotWithShape="0">
                     <a:schemeClr val="bg2"/>
@@ -13246,7 +13223,7 @@
           <a:blip r:embed="rId18" cstate="print">
             <a:extLst>
               <a:ext uri="{28A0092B-C50C-407E-A947-70E740481C1C}">
-                <a14:useLocalDpi xmlns:a14="http://schemas.microsoft.com/office/drawing/2010/main" val="0"/>
+                <a14:useLocalDpi xmlns="" xmlns:a14="http://schemas.microsoft.com/office/drawing/2010/main" val="0"/>
               </a:ext>
             </a:extLst>
           </a:blip>
@@ -13268,14 +13245,14 @@
           </a:ln>
           <a:extLst>
             <a:ext uri="{909E8E84-426E-40DD-AFC4-6F175D3DCCD1}">
-              <a14:hiddenFill xmlns:a14="http://schemas.microsoft.com/office/drawing/2010/main">
+              <a14:hiddenFill xmlns="" xmlns:a14="http://schemas.microsoft.com/office/drawing/2010/main">
                 <a:solidFill>
                   <a:srgbClr val="FFFFFF"/>
                 </a:solidFill>
               </a14:hiddenFill>
             </a:ext>
             <a:ext uri="{91240B29-F687-4F45-9708-019B960494DF}">
-              <a14:hiddenLine xmlns:a14="http://schemas.microsoft.com/office/drawing/2010/main" w="9525">
+              <a14:hiddenLine xmlns="" xmlns:a14="http://schemas.microsoft.com/office/drawing/2010/main" w="9525">
                 <a:solidFill>
                   <a:srgbClr val="000000"/>
                 </a:solidFill>
@@ -13699,7 +13676,7 @@
             <a:effectLst/>
             <a:extLst>
               <a:ext uri="{91240B29-F687-4F45-9708-019B960494DF}">
-                <a14:hiddenLine xmlns:a14="http://schemas.microsoft.com/office/drawing/2010/main" w="9525">
+                <a14:hiddenLine xmlns="" xmlns:a14="http://schemas.microsoft.com/office/drawing/2010/main" w="9525">
                   <a:solidFill>
                     <a:schemeClr val="tx1"/>
                   </a:solidFill>
@@ -13709,7 +13686,7 @@
                 </a14:hiddenLine>
               </a:ext>
               <a:ext uri="{AF507438-7753-43E0-B8FC-AC1667EBCBE1}">
-                <a14:hiddenEffects xmlns:a14="http://schemas.microsoft.com/office/drawing/2010/main">
+                <a14:hiddenEffects xmlns="" xmlns:a14="http://schemas.microsoft.com/office/drawing/2010/main">
                   <a:effectLst>
                     <a:outerShdw dist="35921" dir="2700000" algn="ctr" rotWithShape="0">
                       <a:schemeClr val="bg2"/>
@@ -13759,7 +13736,7 @@
             <a:effectLst/>
             <a:extLst>
               <a:ext uri="{91240B29-F687-4F45-9708-019B960494DF}">
-                <a14:hiddenLine xmlns:a14="http://schemas.microsoft.com/office/drawing/2010/main" w="9525">
+                <a14:hiddenLine xmlns="" xmlns:a14="http://schemas.microsoft.com/office/drawing/2010/main" w="9525">
                   <a:solidFill>
                     <a:schemeClr val="tx1"/>
                   </a:solidFill>
@@ -13769,7 +13746,7 @@
                 </a14:hiddenLine>
               </a:ext>
               <a:ext uri="{AF507438-7753-43E0-B8FC-AC1667EBCBE1}">
-                <a14:hiddenEffects xmlns:a14="http://schemas.microsoft.com/office/drawing/2010/main">
+                <a14:hiddenEffects xmlns="" xmlns:a14="http://schemas.microsoft.com/office/drawing/2010/main">
                   <a:effectLst>
                     <a:outerShdw dist="35921" dir="2700000" algn="ctr" rotWithShape="0">
                       <a:schemeClr val="bg2"/>
@@ -13819,7 +13796,7 @@
             <a:effectLst/>
             <a:extLst>
               <a:ext uri="{91240B29-F687-4F45-9708-019B960494DF}">
-                <a14:hiddenLine xmlns:a14="http://schemas.microsoft.com/office/drawing/2010/main" w="9525">
+                <a14:hiddenLine xmlns="" xmlns:a14="http://schemas.microsoft.com/office/drawing/2010/main" w="9525">
                   <a:solidFill>
                     <a:schemeClr val="tx1"/>
                   </a:solidFill>
@@ -13829,7 +13806,7 @@
                 </a14:hiddenLine>
               </a:ext>
               <a:ext uri="{AF507438-7753-43E0-B8FC-AC1667EBCBE1}">
-                <a14:hiddenEffects xmlns:a14="http://schemas.microsoft.com/office/drawing/2010/main">
+                <a14:hiddenEffects xmlns="" xmlns:a14="http://schemas.microsoft.com/office/drawing/2010/main">
                   <a:effectLst>
                     <a:outerShdw dist="35921" dir="2700000" algn="ctr" rotWithShape="0">
                       <a:schemeClr val="bg2"/>
@@ -13879,7 +13856,7 @@
             <a:effectLst/>
             <a:extLst>
               <a:ext uri="{91240B29-F687-4F45-9708-019B960494DF}">
-                <a14:hiddenLine xmlns:a14="http://schemas.microsoft.com/office/drawing/2010/main" w="9525">
+                <a14:hiddenLine xmlns="" xmlns:a14="http://schemas.microsoft.com/office/drawing/2010/main" w="9525">
                   <a:solidFill>
                     <a:schemeClr val="tx1"/>
                   </a:solidFill>
@@ -13889,7 +13866,7 @@
                 </a14:hiddenLine>
               </a:ext>
               <a:ext uri="{AF507438-7753-43E0-B8FC-AC1667EBCBE1}">
-                <a14:hiddenEffects xmlns:a14="http://schemas.microsoft.com/office/drawing/2010/main">
+                <a14:hiddenEffects xmlns="" xmlns:a14="http://schemas.microsoft.com/office/drawing/2010/main">
                   <a:effectLst>
                     <a:outerShdw dist="35921" dir="2700000" algn="ctr" rotWithShape="0">
                       <a:schemeClr val="bg2"/>
@@ -13956,7 +13933,7 @@
           <a:blip r:embed="rId19" cstate="print">
             <a:extLst>
               <a:ext uri="{28A0092B-C50C-407E-A947-70E740481C1C}">
-                <a14:useLocalDpi xmlns:a14="http://schemas.microsoft.com/office/drawing/2010/main" val="0"/>
+                <a14:useLocalDpi xmlns="" xmlns:a14="http://schemas.microsoft.com/office/drawing/2010/main" val="0"/>
               </a:ext>
             </a:extLst>
           </a:blip>
@@ -13976,7 +13953,7 @@
           <a:noFill/>
           <a:extLst>
             <a:ext uri="{909E8E84-426E-40DD-AFC4-6F175D3DCCD1}">
-              <a14:hiddenFill xmlns:a14="http://schemas.microsoft.com/office/drawing/2010/main">
+              <a14:hiddenFill xmlns="" xmlns:a14="http://schemas.microsoft.com/office/drawing/2010/main">
                 <a:solidFill>
                   <a:srgbClr val="FFFFFF"/>
                 </a:solidFill>
@@ -13997,7 +13974,7 @@
           <a:blip r:embed="rId20" cstate="print">
             <a:extLst>
               <a:ext uri="{28A0092B-C50C-407E-A947-70E740481C1C}">
-                <a14:useLocalDpi xmlns:a14="http://schemas.microsoft.com/office/drawing/2010/main" val="0"/>
+                <a14:useLocalDpi xmlns="" xmlns:a14="http://schemas.microsoft.com/office/drawing/2010/main" val="0"/>
               </a:ext>
             </a:extLst>
           </a:blip>
@@ -14027,7 +14004,7 @@
           <a:blip r:embed="rId21" cstate="print">
             <a:extLst>
               <a:ext uri="{28A0092B-C50C-407E-A947-70E740481C1C}">
-                <a14:useLocalDpi xmlns:a14="http://schemas.microsoft.com/office/drawing/2010/main" val="0"/>
+                <a14:useLocalDpi xmlns="" xmlns:a14="http://schemas.microsoft.com/office/drawing/2010/main" val="0"/>
               </a:ext>
             </a:extLst>
           </a:blip>
@@ -14492,7 +14469,7 @@
           <a:blip r:embed="rId16" cstate="print">
             <a:extLst>
               <a:ext uri="{BEBA8EAE-BF5A-486C-A8C5-ECC9F3942E4B}">
-                <a14:imgProps xmlns:a14="http://schemas.microsoft.com/office/drawing/2010/main">
+                <a14:imgProps xmlns="" xmlns:a14="http://schemas.microsoft.com/office/drawing/2010/main">
                   <a14:imgLayer r:embed="rId17">
                     <a14:imgEffect>
                       <a14:sharpenSoften amount="100000"/>
@@ -14504,7 +14481,7 @@
                 </a14:imgProps>
               </a:ext>
               <a:ext uri="{28A0092B-C50C-407E-A947-70E740481C1C}">
-                <a14:useLocalDpi xmlns:a14="http://schemas.microsoft.com/office/drawing/2010/main" val="0"/>
+                <a14:useLocalDpi xmlns="" xmlns:a14="http://schemas.microsoft.com/office/drawing/2010/main" val="0"/>
               </a:ext>
             </a:extLst>
           </a:blip>
@@ -14563,7 +14540,7 @@
             <a:effectLst/>
             <a:extLst>
               <a:ext uri="{91240B29-F687-4F45-9708-019B960494DF}">
-                <a14:hiddenLine xmlns:a14="http://schemas.microsoft.com/office/drawing/2010/main" w="9525">
+                <a14:hiddenLine xmlns="" xmlns:a14="http://schemas.microsoft.com/office/drawing/2010/main" w="9525">
                   <a:solidFill>
                     <a:schemeClr val="tx1"/>
                   </a:solidFill>
@@ -14573,7 +14550,7 @@
                 </a14:hiddenLine>
               </a:ext>
               <a:ext uri="{AF507438-7753-43E0-B8FC-AC1667EBCBE1}">
-                <a14:hiddenEffects xmlns:a14="http://schemas.microsoft.com/office/drawing/2010/main">
+                <a14:hiddenEffects xmlns="" xmlns:a14="http://schemas.microsoft.com/office/drawing/2010/main">
                   <a:effectLst>
                     <a:outerShdw dist="35921" dir="2700000" algn="ctr" rotWithShape="0">
                       <a:schemeClr val="bg2"/>
@@ -14626,7 +14603,7 @@
             <a:effectLst/>
             <a:extLst>
               <a:ext uri="{91240B29-F687-4F45-9708-019B960494DF}">
-                <a14:hiddenLine xmlns:a14="http://schemas.microsoft.com/office/drawing/2010/main" w="9525">
+                <a14:hiddenLine xmlns="" xmlns:a14="http://schemas.microsoft.com/office/drawing/2010/main" w="9525">
                   <a:solidFill>
                     <a:schemeClr val="tx1"/>
                   </a:solidFill>
@@ -14636,7 +14613,7 @@
                 </a14:hiddenLine>
               </a:ext>
               <a:ext uri="{AF507438-7753-43E0-B8FC-AC1667EBCBE1}">
-                <a14:hiddenEffects xmlns:a14="http://schemas.microsoft.com/office/drawing/2010/main">
+                <a14:hiddenEffects xmlns="" xmlns:a14="http://schemas.microsoft.com/office/drawing/2010/main">
                   <a:effectLst>
                     <a:outerShdw dist="35921" dir="2700000" algn="ctr" rotWithShape="0">
                       <a:schemeClr val="bg2"/>
@@ -14689,7 +14666,7 @@
             <a:effectLst/>
             <a:extLst>
               <a:ext uri="{91240B29-F687-4F45-9708-019B960494DF}">
-                <a14:hiddenLine xmlns:a14="http://schemas.microsoft.com/office/drawing/2010/main" w="9525">
+                <a14:hiddenLine xmlns="" xmlns:a14="http://schemas.microsoft.com/office/drawing/2010/main" w="9525">
                   <a:solidFill>
                     <a:schemeClr val="tx1"/>
                   </a:solidFill>
@@ -14699,7 +14676,7 @@
                 </a14:hiddenLine>
               </a:ext>
               <a:ext uri="{AF507438-7753-43E0-B8FC-AC1667EBCBE1}">
-                <a14:hiddenEffects xmlns:a14="http://schemas.microsoft.com/office/drawing/2010/main">
+                <a14:hiddenEffects xmlns="" xmlns:a14="http://schemas.microsoft.com/office/drawing/2010/main">
                   <a:effectLst>
                     <a:outerShdw dist="35921" dir="2700000" algn="ctr" rotWithShape="0">
                       <a:schemeClr val="bg2"/>
@@ -14752,7 +14729,7 @@
             <a:effectLst/>
             <a:extLst>
               <a:ext uri="{91240B29-F687-4F45-9708-019B960494DF}">
-                <a14:hiddenLine xmlns:a14="http://schemas.microsoft.com/office/drawing/2010/main" w="9525">
+                <a14:hiddenLine xmlns="" xmlns:a14="http://schemas.microsoft.com/office/drawing/2010/main" w="9525">
                   <a:solidFill>
                     <a:schemeClr val="tx1"/>
                   </a:solidFill>
@@ -14762,7 +14739,7 @@
                 </a14:hiddenLine>
               </a:ext>
               <a:ext uri="{AF507438-7753-43E0-B8FC-AC1667EBCBE1}">
-                <a14:hiddenEffects xmlns:a14="http://schemas.microsoft.com/office/drawing/2010/main">
+                <a14:hiddenEffects xmlns="" xmlns:a14="http://schemas.microsoft.com/office/drawing/2010/main">
                   <a:effectLst>
                     <a:outerShdw dist="35921" dir="2700000" algn="ctr" rotWithShape="0">
                       <a:schemeClr val="bg2"/>
@@ -14812,14 +14789,14 @@
           <a:effectLst/>
           <a:extLst>
             <a:ext uri="{909E8E84-426E-40DD-AFC4-6F175D3DCCD1}">
-              <a14:hiddenFill xmlns:a14="http://schemas.microsoft.com/office/drawing/2010/main">
+              <a14:hiddenFill xmlns="" xmlns:a14="http://schemas.microsoft.com/office/drawing/2010/main">
                 <a:solidFill>
                   <a:schemeClr val="accent1"/>
                 </a:solidFill>
               </a14:hiddenFill>
             </a:ext>
             <a:ext uri="{91240B29-F687-4F45-9708-019B960494DF}">
-              <a14:hiddenLine xmlns:a14="http://schemas.microsoft.com/office/drawing/2010/main" w="9525">
+              <a14:hiddenLine xmlns="" xmlns:a14="http://schemas.microsoft.com/office/drawing/2010/main" w="9525">
                 <a:solidFill>
                   <a:schemeClr val="tx1"/>
                 </a:solidFill>
@@ -14829,7 +14806,7 @@
               </a14:hiddenLine>
             </a:ext>
             <a:ext uri="{AF507438-7753-43E0-B8FC-AC1667EBCBE1}">
-              <a14:hiddenEffects xmlns:a14="http://schemas.microsoft.com/office/drawing/2010/main">
+              <a14:hiddenEffects xmlns="" xmlns:a14="http://schemas.microsoft.com/office/drawing/2010/main">
                 <a:effectLst>
                   <a:outerShdw dist="35921" dir="2700000" algn="ctr" rotWithShape="0">
                     <a:schemeClr val="bg2"/>
@@ -14895,7 +14872,7 @@
           <a:blip r:embed="rId18" cstate="print">
             <a:extLst>
               <a:ext uri="{28A0092B-C50C-407E-A947-70E740481C1C}">
-                <a14:useLocalDpi xmlns:a14="http://schemas.microsoft.com/office/drawing/2010/main" val="0"/>
+                <a14:useLocalDpi xmlns="" xmlns:a14="http://schemas.microsoft.com/office/drawing/2010/main" val="0"/>
               </a:ext>
             </a:extLst>
           </a:blip>
@@ -14917,14 +14894,14 @@
           </a:ln>
           <a:extLst>
             <a:ext uri="{909E8E84-426E-40DD-AFC4-6F175D3DCCD1}">
-              <a14:hiddenFill xmlns:a14="http://schemas.microsoft.com/office/drawing/2010/main">
+              <a14:hiddenFill xmlns="" xmlns:a14="http://schemas.microsoft.com/office/drawing/2010/main">
                 <a:solidFill>
                   <a:srgbClr val="FFFFFF"/>
                 </a:solidFill>
               </a14:hiddenFill>
             </a:ext>
             <a:ext uri="{91240B29-F687-4F45-9708-019B960494DF}">
-              <a14:hiddenLine xmlns:a14="http://schemas.microsoft.com/office/drawing/2010/main" w="9525">
+              <a14:hiddenLine xmlns="" xmlns:a14="http://schemas.microsoft.com/office/drawing/2010/main" w="9525">
                 <a:solidFill>
                   <a:srgbClr val="000000"/>
                 </a:solidFill>
@@ -15267,7 +15244,7 @@
           <a:blip r:embed="rId20" cstate="print">
             <a:extLst>
               <a:ext uri="{28A0092B-C50C-407E-A947-70E740481C1C}">
-                <a14:useLocalDpi xmlns:a14="http://schemas.microsoft.com/office/drawing/2010/main" val="0"/>
+                <a14:useLocalDpi xmlns="" xmlns:a14="http://schemas.microsoft.com/office/drawing/2010/main" val="0"/>
               </a:ext>
             </a:extLst>
           </a:blip>
@@ -15410,7 +15387,7 @@
             <a:effectLst/>
             <a:extLst>
               <a:ext uri="{91240B29-F687-4F45-9708-019B960494DF}">
-                <a14:hiddenLine xmlns:a14="http://schemas.microsoft.com/office/drawing/2010/main" w="9525">
+                <a14:hiddenLine xmlns="" xmlns:a14="http://schemas.microsoft.com/office/drawing/2010/main" w="9525">
                   <a:solidFill>
                     <a:schemeClr val="tx1"/>
                   </a:solidFill>
@@ -15420,7 +15397,7 @@
                 </a14:hiddenLine>
               </a:ext>
               <a:ext uri="{AF507438-7753-43E0-B8FC-AC1667EBCBE1}">
-                <a14:hiddenEffects xmlns:a14="http://schemas.microsoft.com/office/drawing/2010/main">
+                <a14:hiddenEffects xmlns="" xmlns:a14="http://schemas.microsoft.com/office/drawing/2010/main">
                   <a:effectLst>
                     <a:outerShdw dist="35921" dir="2700000" algn="ctr" rotWithShape="0">
                       <a:schemeClr val="bg2"/>
@@ -15473,7 +15450,7 @@
             <a:effectLst/>
             <a:extLst>
               <a:ext uri="{91240B29-F687-4F45-9708-019B960494DF}">
-                <a14:hiddenLine xmlns:a14="http://schemas.microsoft.com/office/drawing/2010/main" w="9525">
+                <a14:hiddenLine xmlns="" xmlns:a14="http://schemas.microsoft.com/office/drawing/2010/main" w="9525">
                   <a:solidFill>
                     <a:schemeClr val="tx1"/>
                   </a:solidFill>
@@ -15483,7 +15460,7 @@
                 </a14:hiddenLine>
               </a:ext>
               <a:ext uri="{AF507438-7753-43E0-B8FC-AC1667EBCBE1}">
-                <a14:hiddenEffects xmlns:a14="http://schemas.microsoft.com/office/drawing/2010/main">
+                <a14:hiddenEffects xmlns="" xmlns:a14="http://schemas.microsoft.com/office/drawing/2010/main">
                   <a:effectLst>
                     <a:outerShdw dist="35921" dir="2700000" algn="ctr" rotWithShape="0">
                       <a:schemeClr val="bg2"/>
@@ -15536,7 +15513,7 @@
             <a:effectLst/>
             <a:extLst>
               <a:ext uri="{91240B29-F687-4F45-9708-019B960494DF}">
-                <a14:hiddenLine xmlns:a14="http://schemas.microsoft.com/office/drawing/2010/main" w="9525">
+                <a14:hiddenLine xmlns="" xmlns:a14="http://schemas.microsoft.com/office/drawing/2010/main" w="9525">
                   <a:solidFill>
                     <a:schemeClr val="tx1"/>
                   </a:solidFill>
@@ -15546,7 +15523,7 @@
                 </a14:hiddenLine>
               </a:ext>
               <a:ext uri="{AF507438-7753-43E0-B8FC-AC1667EBCBE1}">
-                <a14:hiddenEffects xmlns:a14="http://schemas.microsoft.com/office/drawing/2010/main">
+                <a14:hiddenEffects xmlns="" xmlns:a14="http://schemas.microsoft.com/office/drawing/2010/main">
                   <a:effectLst>
                     <a:outerShdw dist="35921" dir="2700000" algn="ctr" rotWithShape="0">
                       <a:schemeClr val="bg2"/>
@@ -15599,7 +15576,7 @@
             <a:effectLst/>
             <a:extLst>
               <a:ext uri="{91240B29-F687-4F45-9708-019B960494DF}">
-                <a14:hiddenLine xmlns:a14="http://schemas.microsoft.com/office/drawing/2010/main" w="9525">
+                <a14:hiddenLine xmlns="" xmlns:a14="http://schemas.microsoft.com/office/drawing/2010/main" w="9525">
                   <a:solidFill>
                     <a:schemeClr val="tx1"/>
                   </a:solidFill>
@@ -15609,7 +15586,7 @@
                 </a14:hiddenLine>
               </a:ext>
               <a:ext uri="{AF507438-7753-43E0-B8FC-AC1667EBCBE1}">
-                <a14:hiddenEffects xmlns:a14="http://schemas.microsoft.com/office/drawing/2010/main">
+                <a14:hiddenEffects xmlns="" xmlns:a14="http://schemas.microsoft.com/office/drawing/2010/main">
                   <a:effectLst>
                     <a:outerShdw dist="35921" dir="2700000" algn="ctr" rotWithShape="0">
                       <a:schemeClr val="bg2"/>
@@ -15679,7 +15656,7 @@
           <a:blip r:embed="rId21" cstate="print">
             <a:extLst>
               <a:ext uri="{28A0092B-C50C-407E-A947-70E740481C1C}">
-                <a14:useLocalDpi xmlns:a14="http://schemas.microsoft.com/office/drawing/2010/main" val="0"/>
+                <a14:useLocalDpi xmlns="" xmlns:a14="http://schemas.microsoft.com/office/drawing/2010/main" val="0"/>
               </a:ext>
             </a:extLst>
           </a:blip>
@@ -15699,7 +15676,7 @@
           <a:noFill/>
           <a:extLst>
             <a:ext uri="{909E8E84-426E-40DD-AFC4-6F175D3DCCD1}">
-              <a14:hiddenFill xmlns:a14="http://schemas.microsoft.com/office/drawing/2010/main">
+              <a14:hiddenFill xmlns="" xmlns:a14="http://schemas.microsoft.com/office/drawing/2010/main">
                 <a:solidFill>
                   <a:srgbClr val="FFFFFF"/>
                 </a:solidFill>
@@ -15711,7 +15688,7 @@
     </p:spTree>
     <p:extLst>
       <p:ext uri="{BB962C8B-B14F-4D97-AF65-F5344CB8AC3E}">
-        <p14:creationId xmlns:p14="http://schemas.microsoft.com/office/powerpoint/2010/main" val="2805199998"/>
+        <p14:creationId xmlns="" xmlns:p14="http://schemas.microsoft.com/office/powerpoint/2010/main" val="2805199998"/>
       </p:ext>
     </p:extLst>
   </p:cSld>
@@ -16387,7 +16364,7 @@
           <a:blip r:embed="rId7" cstate="print">
             <a:extLst>
               <a:ext uri="{28A0092B-C50C-407E-A947-70E740481C1C}">
-                <a14:useLocalDpi xmlns:a14="http://schemas.microsoft.com/office/drawing/2010/main" val="0"/>
+                <a14:useLocalDpi xmlns="" xmlns:a14="http://schemas.microsoft.com/office/drawing/2010/main" val="0"/>
               </a:ext>
             </a:extLst>
           </a:blip>
@@ -16454,7 +16431,7 @@
     </p:spTree>
     <p:extLst>
       <p:ext uri="{BB962C8B-B14F-4D97-AF65-F5344CB8AC3E}">
-        <p14:creationId xmlns:p14="http://schemas.microsoft.com/office/powerpoint/2010/main" val="327887977"/>
+        <p14:creationId xmlns="" xmlns:p14="http://schemas.microsoft.com/office/powerpoint/2010/main" val="327887977"/>
       </p:ext>
     </p:extLst>
   </p:cSld>
@@ -16798,7 +16775,7 @@
           </a:prstGeom>
           <a:extLst>
             <a:ext uri="{AF507438-7753-43E0-B8FC-AC1667EBCBE1}">
-              <a14:hiddenEffects xmlns:a14="http://schemas.microsoft.com/office/drawing/2010/main">
+              <a14:hiddenEffects xmlns="" xmlns:a14="http://schemas.microsoft.com/office/drawing/2010/main">
                 <a:effectLst>
                   <a:outerShdw dist="53882" dir="2700000" algn="ctr" rotWithShape="0">
                     <a:schemeClr val="tx1"/>
@@ -17048,20 +17025,20 @@
     </p:spTree>
     <p:extLst>
       <p:ext uri="{BB962C8B-B14F-4D97-AF65-F5344CB8AC3E}">
-        <p14:creationId xmlns:p14="http://schemas.microsoft.com/office/powerpoint/2010/main" val="124899738"/>
+        <p14:creationId xmlns="" xmlns:p14="http://schemas.microsoft.com/office/powerpoint/2010/main" val="124899738"/>
       </p:ext>
     </p:extLst>
   </p:cSld>
   <p:clrMapOvr>
     <a:masterClrMapping/>
   </p:clrMapOvr>
-  <mc:AlternateContent xmlns:mc="http://schemas.openxmlformats.org/markup-compatibility/2006" xmlns:p15="http://schemas.microsoft.com/office/powerpoint/2012/main">
-    <mc:Choice Requires="p15">
+  <mc:AlternateContent xmlns:mc="http://schemas.openxmlformats.org/markup-compatibility/2006">
+    <mc:Choice xmlns="" xmlns:p15="http://schemas.microsoft.com/office/powerpoint/2012/main" Requires="p15">
       <p:transition xmlns:p14="http://schemas.microsoft.com/office/powerpoint/2010/main" spd="slow" p14:dur="1250">
         <p15:prstTrans prst="pageCurlDouble"/>
       </p:transition>
     </mc:Choice>
-    <mc:Fallback xmlns="">
+    <mc:Fallback>
       <p:transition spd="slow">
         <p:fade/>
       </p:transition>
@@ -17474,7 +17451,7 @@
         </p:nvSpPr>
         <p:spPr>
           <a:xfrm>
-            <a:off x="807131" y="4146024"/>
+            <a:off x="807131" y="4106835"/>
             <a:ext cx="4553673" cy="1877437"/>
           </a:xfrm>
           <a:prstGeom prst="rect">
@@ -17552,7 +17529,7 @@
                   <a:schemeClr val="bg1"/>
                 </a:solidFill>
               </a:rPr>
-              <a:t>Migrated AWS Lambda to TIAA VPC environment.</a:t>
+              <a:t>Migrated AWS Lambda to TIAA VPC environment.1</a:t>
             </a:r>
           </a:p>
         </p:txBody>
@@ -17569,7 +17546,7 @@
           <a:blip r:embed="rId2" cstate="print">
             <a:extLst>
               <a:ext uri="{28A0092B-C50C-407E-A947-70E740481C1C}">
-                <a14:useLocalDpi xmlns:a14="http://schemas.microsoft.com/office/drawing/2010/main" val="0"/>
+                <a14:useLocalDpi xmlns="" xmlns:a14="http://schemas.microsoft.com/office/drawing/2010/main" val="0"/>
               </a:ext>
             </a:extLst>
           </a:blip>
@@ -17592,14 +17569,14 @@
           </a:ln>
           <a:extLst>
             <a:ext uri="{909E8E84-426E-40DD-AFC4-6F175D3DCCD1}">
-              <a14:hiddenFill xmlns:a14="http://schemas.microsoft.com/office/drawing/2010/main">
+              <a14:hiddenFill xmlns="" xmlns:a14="http://schemas.microsoft.com/office/drawing/2010/main">
                 <a:solidFill>
                   <a:srgbClr val="FFFFFF"/>
                 </a:solidFill>
               </a14:hiddenFill>
             </a:ext>
             <a:ext uri="{91240B29-F687-4F45-9708-019B960494DF}">
-              <a14:hiddenLine xmlns:a14="http://schemas.microsoft.com/office/drawing/2010/main" w="9525">
+              <a14:hiddenLine xmlns="" xmlns:a14="http://schemas.microsoft.com/office/drawing/2010/main" w="9525">
                 <a:solidFill>
                   <a:srgbClr val="000000"/>
                 </a:solidFill>
@@ -17623,7 +17600,7 @@
           <a:blip r:embed="rId3" cstate="print">
             <a:extLst>
               <a:ext uri="{28A0092B-C50C-407E-A947-70E740481C1C}">
-                <a14:useLocalDpi xmlns:a14="http://schemas.microsoft.com/office/drawing/2010/main" val="0"/>
+                <a14:useLocalDpi xmlns="" xmlns:a14="http://schemas.microsoft.com/office/drawing/2010/main" val="0"/>
               </a:ext>
             </a:extLst>
           </a:blip>
@@ -17646,14 +17623,14 @@
           </a:ln>
           <a:extLst>
             <a:ext uri="{909E8E84-426E-40DD-AFC4-6F175D3DCCD1}">
-              <a14:hiddenFill xmlns:a14="http://schemas.microsoft.com/office/drawing/2010/main">
+              <a14:hiddenFill xmlns="" xmlns:a14="http://schemas.microsoft.com/office/drawing/2010/main">
                 <a:solidFill>
                   <a:srgbClr val="FFFFFF"/>
                 </a:solidFill>
               </a14:hiddenFill>
             </a:ext>
             <a:ext uri="{91240B29-F687-4F45-9708-019B960494DF}">
-              <a14:hiddenLine xmlns:a14="http://schemas.microsoft.com/office/drawing/2010/main" w="9525">
+              <a14:hiddenLine xmlns="" xmlns:a14="http://schemas.microsoft.com/office/drawing/2010/main" w="9525">
                 <a:solidFill>
                   <a:srgbClr val="000000"/>
                 </a:solidFill>
@@ -17677,7 +17654,7 @@
           <a:blip r:embed="rId4">
             <a:extLst>
               <a:ext uri="{28A0092B-C50C-407E-A947-70E740481C1C}">
-                <a14:useLocalDpi xmlns:a14="http://schemas.microsoft.com/office/drawing/2010/main" val="0"/>
+                <a14:useLocalDpi xmlns="" xmlns:a14="http://schemas.microsoft.com/office/drawing/2010/main" val="0"/>
               </a:ext>
             </a:extLst>
           </a:blip>
@@ -17698,14 +17675,14 @@
           </a:ln>
           <a:extLst>
             <a:ext uri="{909E8E84-426E-40DD-AFC4-6F175D3DCCD1}">
-              <a14:hiddenFill xmlns:a14="http://schemas.microsoft.com/office/drawing/2010/main">
+              <a14:hiddenFill xmlns="" xmlns:a14="http://schemas.microsoft.com/office/drawing/2010/main">
                 <a:solidFill>
                   <a:srgbClr val="FFFFFF"/>
                 </a:solidFill>
               </a14:hiddenFill>
             </a:ext>
             <a:ext uri="{91240B29-F687-4F45-9708-019B960494DF}">
-              <a14:hiddenLine xmlns:a14="http://schemas.microsoft.com/office/drawing/2010/main" w="9525">
+              <a14:hiddenLine xmlns="" xmlns:a14="http://schemas.microsoft.com/office/drawing/2010/main" w="9525">
                 <a:solidFill>
                   <a:srgbClr val="000000"/>
                 </a:solidFill>
@@ -17720,20 +17697,20 @@
     </p:spTree>
     <p:extLst>
       <p:ext uri="{BB962C8B-B14F-4D97-AF65-F5344CB8AC3E}">
-        <p14:creationId xmlns:p14="http://schemas.microsoft.com/office/powerpoint/2010/main" val="4288076408"/>
+        <p14:creationId xmlns="" xmlns:p14="http://schemas.microsoft.com/office/powerpoint/2010/main" val="4288076408"/>
       </p:ext>
     </p:extLst>
   </p:cSld>
   <p:clrMapOvr>
     <a:masterClrMapping/>
   </p:clrMapOvr>
-  <mc:AlternateContent xmlns:mc="http://schemas.openxmlformats.org/markup-compatibility/2006" xmlns:p15="http://schemas.microsoft.com/office/powerpoint/2012/main">
-    <mc:Choice Requires="p15">
+  <mc:AlternateContent xmlns:mc="http://schemas.openxmlformats.org/markup-compatibility/2006">
+    <mc:Choice xmlns="" xmlns:p15="http://schemas.microsoft.com/office/powerpoint/2012/main" Requires="p15">
       <p:transition xmlns:p14="http://schemas.microsoft.com/office/powerpoint/2010/main" spd="slow" p14:dur="1250">
         <p15:prstTrans prst="pageCurlDouble"/>
       </p:transition>
     </mc:Choice>
-    <mc:Fallback xmlns="">
+    <mc:Fallback>
       <p:transition spd="slow">
         <p:fade/>
       </p:transition>
@@ -17879,20 +17856,20 @@
     </p:spTree>
     <p:extLst>
       <p:ext uri="{BB962C8B-B14F-4D97-AF65-F5344CB8AC3E}">
-        <p14:creationId xmlns:p14="http://schemas.microsoft.com/office/powerpoint/2010/main" val="4209617294"/>
+        <p14:creationId xmlns="" xmlns:p14="http://schemas.microsoft.com/office/powerpoint/2010/main" val="4209617294"/>
       </p:ext>
     </p:extLst>
   </p:cSld>
   <p:clrMapOvr>
     <a:masterClrMapping/>
   </p:clrMapOvr>
-  <mc:AlternateContent xmlns:mc="http://schemas.openxmlformats.org/markup-compatibility/2006" xmlns:p15="http://schemas.microsoft.com/office/powerpoint/2012/main">
-    <mc:Choice Requires="p15">
+  <mc:AlternateContent xmlns:mc="http://schemas.openxmlformats.org/markup-compatibility/2006">
+    <mc:Choice xmlns="" xmlns:p15="http://schemas.microsoft.com/office/powerpoint/2012/main" Requires="p15">
       <p:transition xmlns:p14="http://schemas.microsoft.com/office/powerpoint/2010/main" spd="slow" p14:dur="1250">
         <p15:prstTrans prst="pageCurlDouble"/>
       </p:transition>
     </mc:Choice>
-    <mc:Fallback xmlns="">
+    <mc:Fallback>
       <p:transition spd="slow">
         <p:fade/>
       </p:transition>
@@ -18196,7 +18173,7 @@
           <p:nvPr>
             <p:extLst>
               <p:ext uri="{D42A27DB-BD31-4B8C-83A1-F6EECF244321}">
-                <p14:modId xmlns:p14="http://schemas.microsoft.com/office/powerpoint/2010/main" val="1919410329"/>
+                <p14:modId xmlns="" xmlns:p14="http://schemas.microsoft.com/office/powerpoint/2010/main" val="1919410329"/>
               </p:ext>
             </p:extLst>
           </p:nvPr>
@@ -18343,7 +18320,7 @@
           <p:nvPr>
             <p:extLst>
               <p:ext uri="{D42A27DB-BD31-4B8C-83A1-F6EECF244321}">
-                <p14:modId xmlns:p14="http://schemas.microsoft.com/office/powerpoint/2010/main" val="1801826050"/>
+                <p14:modId xmlns="" xmlns:p14="http://schemas.microsoft.com/office/powerpoint/2010/main" val="1801826050"/>
               </p:ext>
             </p:extLst>
           </p:nvPr>
@@ -18362,42 +18339,42 @@
                 <a:gridCol w="1238666">
                   <a:extLst>
                     <a:ext uri="{9D8B030D-6E8A-4147-A177-3AD203B41FA5}">
-                      <a16:colId xmlns:a16="http://schemas.microsoft.com/office/drawing/2014/main" val="437570508"/>
+                      <a16:colId xmlns="" xmlns:a16="http://schemas.microsoft.com/office/drawing/2014/main" val="437570508"/>
                     </a:ext>
                   </a:extLst>
                 </a:gridCol>
                 <a:gridCol w="644956">
                   <a:extLst>
                     <a:ext uri="{9D8B030D-6E8A-4147-A177-3AD203B41FA5}">
-                      <a16:colId xmlns:a16="http://schemas.microsoft.com/office/drawing/2014/main" val="2644268842"/>
+                      <a16:colId xmlns="" xmlns:a16="http://schemas.microsoft.com/office/drawing/2014/main" val="2644268842"/>
                     </a:ext>
                   </a:extLst>
                 </a:gridCol>
                 <a:gridCol w="816775">
                   <a:extLst>
                     <a:ext uri="{9D8B030D-6E8A-4147-A177-3AD203B41FA5}">
-                      <a16:colId xmlns:a16="http://schemas.microsoft.com/office/drawing/2014/main" val="3366416359"/>
+                      <a16:colId xmlns="" xmlns:a16="http://schemas.microsoft.com/office/drawing/2014/main" val="3366416359"/>
                     </a:ext>
                   </a:extLst>
                 </a:gridCol>
                 <a:gridCol w="940962">
                   <a:extLst>
                     <a:ext uri="{9D8B030D-6E8A-4147-A177-3AD203B41FA5}">
-                      <a16:colId xmlns:a16="http://schemas.microsoft.com/office/drawing/2014/main" val="773277111"/>
+                      <a16:colId xmlns="" xmlns:a16="http://schemas.microsoft.com/office/drawing/2014/main" val="773277111"/>
                     </a:ext>
                   </a:extLst>
                 </a:gridCol>
                 <a:gridCol w="1269288">
                   <a:extLst>
                     <a:ext uri="{9D8B030D-6E8A-4147-A177-3AD203B41FA5}">
-                      <a16:colId xmlns:a16="http://schemas.microsoft.com/office/drawing/2014/main" val="118753089"/>
+                      <a16:colId xmlns="" xmlns:a16="http://schemas.microsoft.com/office/drawing/2014/main" val="118753089"/>
                     </a:ext>
                   </a:extLst>
                 </a:gridCol>
                 <a:gridCol w="3653011">
                   <a:extLst>
                     <a:ext uri="{9D8B030D-6E8A-4147-A177-3AD203B41FA5}">
-                      <a16:colId xmlns:a16="http://schemas.microsoft.com/office/drawing/2014/main" val="1917268064"/>
+                      <a16:colId xmlns="" xmlns:a16="http://schemas.microsoft.com/office/drawing/2014/main" val="1917268064"/>
                     </a:ext>
                   </a:extLst>
                 </a:gridCol>
@@ -18567,7 +18544,7 @@
                 </a:tc>
                 <a:extLst>
                   <a:ext uri="{0D108BD9-81ED-4DB2-BD59-A6C34878D82A}">
-                    <a16:rowId xmlns:a16="http://schemas.microsoft.com/office/drawing/2014/main" val="1804894734"/>
+                    <a16:rowId xmlns="" xmlns:a16="http://schemas.microsoft.com/office/drawing/2014/main" val="1804894734"/>
                   </a:ext>
                 </a:extLst>
               </a:tr>
@@ -18758,7 +18735,7 @@
                 </a:tc>
                 <a:extLst>
                   <a:ext uri="{0D108BD9-81ED-4DB2-BD59-A6C34878D82A}">
-                    <a16:rowId xmlns:a16="http://schemas.microsoft.com/office/drawing/2014/main" val="860083434"/>
+                    <a16:rowId xmlns="" xmlns:a16="http://schemas.microsoft.com/office/drawing/2014/main" val="860083434"/>
                   </a:ext>
                 </a:extLst>
               </a:tr>
@@ -20274,20 +20251,20 @@
     </p:spTree>
     <p:extLst>
       <p:ext uri="{BB962C8B-B14F-4D97-AF65-F5344CB8AC3E}">
-        <p14:creationId xmlns:p14="http://schemas.microsoft.com/office/powerpoint/2010/main" val="403618172"/>
+        <p14:creationId xmlns="" xmlns:p14="http://schemas.microsoft.com/office/powerpoint/2010/main" val="403618172"/>
       </p:ext>
     </p:extLst>
   </p:cSld>
   <p:clrMapOvr>
     <a:masterClrMapping/>
   </p:clrMapOvr>
-  <mc:AlternateContent xmlns:mc="http://schemas.openxmlformats.org/markup-compatibility/2006" xmlns:p15="http://schemas.microsoft.com/office/powerpoint/2012/main">
-    <mc:Choice Requires="p15">
+  <mc:AlternateContent xmlns:mc="http://schemas.openxmlformats.org/markup-compatibility/2006">
+    <mc:Choice xmlns="" xmlns:p15="http://schemas.microsoft.com/office/powerpoint/2012/main" Requires="p15">
       <p:transition xmlns:p14="http://schemas.microsoft.com/office/powerpoint/2010/main" spd="slow" p14:dur="1250">
         <p15:prstTrans prst="pageCurlDouble"/>
       </p:transition>
     </mc:Choice>
-    <mc:Fallback xmlns="">
+    <mc:Fallback>
       <p:transition spd="slow">
         <p:fade/>
       </p:transition>
@@ -20379,14 +20356,14 @@
           <a:effectLst/>
           <a:extLst>
             <a:ext uri="{909E8E84-426E-40DD-AFC4-6F175D3DCCD1}">
-              <a14:hiddenFill xmlns:a14="http://schemas.microsoft.com/office/drawing/2010/main">
+              <a14:hiddenFill xmlns="" xmlns:a14="http://schemas.microsoft.com/office/drawing/2010/main">
                 <a:solidFill>
                   <a:schemeClr val="accent1"/>
                 </a:solidFill>
               </a14:hiddenFill>
             </a:ext>
             <a:ext uri="{91240B29-F687-4F45-9708-019B960494DF}">
-              <a14:hiddenLine xmlns:a14="http://schemas.microsoft.com/office/drawing/2010/main" w="9525">
+              <a14:hiddenLine xmlns="" xmlns:a14="http://schemas.microsoft.com/office/drawing/2010/main" w="9525">
                 <a:solidFill>
                   <a:schemeClr val="tx1"/>
                 </a:solidFill>
@@ -20396,7 +20373,7 @@
               </a14:hiddenLine>
             </a:ext>
             <a:ext uri="{AF507438-7753-43E0-B8FC-AC1667EBCBE1}">
-              <a14:hiddenEffects xmlns:a14="http://schemas.microsoft.com/office/drawing/2010/main">
+              <a14:hiddenEffects xmlns="" xmlns:a14="http://schemas.microsoft.com/office/drawing/2010/main">
                 <a:effectLst>
                   <a:outerShdw dist="35921" dir="2700000" algn="ctr" rotWithShape="0">
                     <a:schemeClr val="bg2"/>
@@ -20600,7 +20577,7 @@
           <p:nvPr>
             <p:extLst>
               <p:ext uri="{D42A27DB-BD31-4B8C-83A1-F6EECF244321}">
-                <p14:modId xmlns:p14="http://schemas.microsoft.com/office/powerpoint/2010/main" val="2309941806"/>
+                <p14:modId xmlns="" xmlns:p14="http://schemas.microsoft.com/office/powerpoint/2010/main" val="2309941806"/>
               </p:ext>
             </p:extLst>
           </p:nvPr>
@@ -20619,70 +20596,70 @@
                 <a:gridCol w="847526">
                   <a:extLst>
                     <a:ext uri="{9D8B030D-6E8A-4147-A177-3AD203B41FA5}">
-                      <a16:colId xmlns:a16="http://schemas.microsoft.com/office/drawing/2014/main" val="975508152"/>
+                      <a16:colId xmlns="" xmlns:a16="http://schemas.microsoft.com/office/drawing/2014/main" val="975508152"/>
                     </a:ext>
                   </a:extLst>
                 </a:gridCol>
                 <a:gridCol w="847526">
                   <a:extLst>
                     <a:ext uri="{9D8B030D-6E8A-4147-A177-3AD203B41FA5}">
-                      <a16:colId xmlns:a16="http://schemas.microsoft.com/office/drawing/2014/main" val="3341474751"/>
+                      <a16:colId xmlns="" xmlns:a16="http://schemas.microsoft.com/office/drawing/2014/main" val="3341474751"/>
                     </a:ext>
                   </a:extLst>
                 </a:gridCol>
                 <a:gridCol w="847526">
                   <a:extLst>
                     <a:ext uri="{9D8B030D-6E8A-4147-A177-3AD203B41FA5}">
-                      <a16:colId xmlns:a16="http://schemas.microsoft.com/office/drawing/2014/main" val="1536675786"/>
+                      <a16:colId xmlns="" xmlns:a16="http://schemas.microsoft.com/office/drawing/2014/main" val="1536675786"/>
                     </a:ext>
                   </a:extLst>
                 </a:gridCol>
                 <a:gridCol w="847526">
                   <a:extLst>
                     <a:ext uri="{9D8B030D-6E8A-4147-A177-3AD203B41FA5}">
-                      <a16:colId xmlns:a16="http://schemas.microsoft.com/office/drawing/2014/main" val="3961556036"/>
+                      <a16:colId xmlns="" xmlns:a16="http://schemas.microsoft.com/office/drawing/2014/main" val="3961556036"/>
                     </a:ext>
                   </a:extLst>
                 </a:gridCol>
                 <a:gridCol w="847526">
                   <a:extLst>
                     <a:ext uri="{9D8B030D-6E8A-4147-A177-3AD203B41FA5}">
-                      <a16:colId xmlns:a16="http://schemas.microsoft.com/office/drawing/2014/main" val="1732999911"/>
+                      <a16:colId xmlns="" xmlns:a16="http://schemas.microsoft.com/office/drawing/2014/main" val="1732999911"/>
                     </a:ext>
                   </a:extLst>
                 </a:gridCol>
                 <a:gridCol w="847526">
                   <a:extLst>
                     <a:ext uri="{9D8B030D-6E8A-4147-A177-3AD203B41FA5}">
-                      <a16:colId xmlns:a16="http://schemas.microsoft.com/office/drawing/2014/main" val="3875367118"/>
+                      <a16:colId xmlns="" xmlns:a16="http://schemas.microsoft.com/office/drawing/2014/main" val="3875367118"/>
                     </a:ext>
                   </a:extLst>
                 </a:gridCol>
                 <a:gridCol w="847526">
                   <a:extLst>
                     <a:ext uri="{9D8B030D-6E8A-4147-A177-3AD203B41FA5}">
-                      <a16:colId xmlns:a16="http://schemas.microsoft.com/office/drawing/2014/main" val="3282707227"/>
+                      <a16:colId xmlns="" xmlns:a16="http://schemas.microsoft.com/office/drawing/2014/main" val="3282707227"/>
                     </a:ext>
                   </a:extLst>
                 </a:gridCol>
                 <a:gridCol w="847526">
                   <a:extLst>
                     <a:ext uri="{9D8B030D-6E8A-4147-A177-3AD203B41FA5}">
-                      <a16:colId xmlns:a16="http://schemas.microsoft.com/office/drawing/2014/main" val="743674528"/>
+                      <a16:colId xmlns="" xmlns:a16="http://schemas.microsoft.com/office/drawing/2014/main" val="743674528"/>
                     </a:ext>
                   </a:extLst>
                 </a:gridCol>
                 <a:gridCol w="847526">
                   <a:extLst>
                     <a:ext uri="{9D8B030D-6E8A-4147-A177-3AD203B41FA5}">
-                      <a16:colId xmlns:a16="http://schemas.microsoft.com/office/drawing/2014/main" val="2583310581"/>
+                      <a16:colId xmlns="" xmlns:a16="http://schemas.microsoft.com/office/drawing/2014/main" val="2583310581"/>
                     </a:ext>
                   </a:extLst>
                 </a:gridCol>
                 <a:gridCol w="847526">
                   <a:extLst>
                     <a:ext uri="{9D8B030D-6E8A-4147-A177-3AD203B41FA5}">
-                      <a16:colId xmlns:a16="http://schemas.microsoft.com/office/drawing/2014/main" val="1201607865"/>
+                      <a16:colId xmlns="" xmlns:a16="http://schemas.microsoft.com/office/drawing/2014/main" val="1201607865"/>
                     </a:ext>
                   </a:extLst>
                 </a:gridCol>
@@ -20960,7 +20937,7 @@
                 </a:tc>
                 <a:extLst>
                   <a:ext uri="{0D108BD9-81ED-4DB2-BD59-A6C34878D82A}">
-                    <a16:rowId xmlns:a16="http://schemas.microsoft.com/office/drawing/2014/main" val="3281196957"/>
+                    <a16:rowId xmlns="" xmlns:a16="http://schemas.microsoft.com/office/drawing/2014/main" val="3281196957"/>
                   </a:ext>
                 </a:extLst>
               </a:tr>
@@ -21209,7 +21186,7 @@
                 </a:tc>
                 <a:extLst>
                   <a:ext uri="{0D108BD9-81ED-4DB2-BD59-A6C34878D82A}">
-                    <a16:rowId xmlns:a16="http://schemas.microsoft.com/office/drawing/2014/main" val="738302951"/>
+                    <a16:rowId xmlns="" xmlns:a16="http://schemas.microsoft.com/office/drawing/2014/main" val="738302951"/>
                   </a:ext>
                 </a:extLst>
               </a:tr>
@@ -21468,7 +21445,7 @@
                 </a:tc>
                 <a:extLst>
                   <a:ext uri="{0D108BD9-81ED-4DB2-BD59-A6C34878D82A}">
-                    <a16:rowId xmlns:a16="http://schemas.microsoft.com/office/drawing/2014/main" val="1168158958"/>
+                    <a16:rowId xmlns="" xmlns:a16="http://schemas.microsoft.com/office/drawing/2014/main" val="1168158958"/>
                   </a:ext>
                 </a:extLst>
               </a:tr>
@@ -21721,7 +21698,7 @@
                 </a:tc>
                 <a:extLst>
                   <a:ext uri="{0D108BD9-81ED-4DB2-BD59-A6C34878D82A}">
-                    <a16:rowId xmlns:a16="http://schemas.microsoft.com/office/drawing/2014/main" val="613528305"/>
+                    <a16:rowId xmlns="" xmlns:a16="http://schemas.microsoft.com/office/drawing/2014/main" val="613528305"/>
                   </a:ext>
                 </a:extLst>
               </a:tr>
@@ -21988,7 +21965,7 @@
                 </a:tc>
                 <a:extLst>
                   <a:ext uri="{0D108BD9-81ED-4DB2-BD59-A6C34878D82A}">
-                    <a16:rowId xmlns:a16="http://schemas.microsoft.com/office/drawing/2014/main" val="2895259617"/>
+                    <a16:rowId xmlns="" xmlns:a16="http://schemas.microsoft.com/office/drawing/2014/main" val="2895259617"/>
                   </a:ext>
                 </a:extLst>
               </a:tr>
@@ -22241,7 +22218,7 @@
                 </a:tc>
                 <a:extLst>
                   <a:ext uri="{0D108BD9-81ED-4DB2-BD59-A6C34878D82A}">
-                    <a16:rowId xmlns:a16="http://schemas.microsoft.com/office/drawing/2014/main" val="1251422180"/>
+                    <a16:rowId xmlns="" xmlns:a16="http://schemas.microsoft.com/office/drawing/2014/main" val="1251422180"/>
                   </a:ext>
                 </a:extLst>
               </a:tr>
@@ -22512,7 +22489,7 @@
                 </a:tc>
                 <a:extLst>
                   <a:ext uri="{0D108BD9-81ED-4DB2-BD59-A6C34878D82A}">
-                    <a16:rowId xmlns:a16="http://schemas.microsoft.com/office/drawing/2014/main" val="3392894689"/>
+                    <a16:rowId xmlns="" xmlns:a16="http://schemas.microsoft.com/office/drawing/2014/main" val="3392894689"/>
                   </a:ext>
                 </a:extLst>
               </a:tr>
@@ -22719,7 +22696,7 @@
                 </a:tc>
                 <a:extLst>
                   <a:ext uri="{0D108BD9-81ED-4DB2-BD59-A6C34878D82A}">
-                    <a16:rowId xmlns:a16="http://schemas.microsoft.com/office/drawing/2014/main" val="1574996085"/>
+                    <a16:rowId xmlns="" xmlns:a16="http://schemas.microsoft.com/office/drawing/2014/main" val="1574996085"/>
                   </a:ext>
                 </a:extLst>
               </a:tr>
@@ -22918,7 +22895,7 @@
                 </a:tc>
                 <a:extLst>
                   <a:ext uri="{0D108BD9-81ED-4DB2-BD59-A6C34878D82A}">
-                    <a16:rowId xmlns:a16="http://schemas.microsoft.com/office/drawing/2014/main" val="3350857142"/>
+                    <a16:rowId xmlns="" xmlns:a16="http://schemas.microsoft.com/office/drawing/2014/main" val="3350857142"/>
                   </a:ext>
                 </a:extLst>
               </a:tr>
@@ -23113,7 +23090,7 @@
                 </a:tc>
                 <a:extLst>
                   <a:ext uri="{0D108BD9-81ED-4DB2-BD59-A6C34878D82A}">
-                    <a16:rowId xmlns:a16="http://schemas.microsoft.com/office/drawing/2014/main" val="1710608754"/>
+                    <a16:rowId xmlns="" xmlns:a16="http://schemas.microsoft.com/office/drawing/2014/main" val="1710608754"/>
                   </a:ext>
                 </a:extLst>
               </a:tr>
@@ -23124,20 +23101,20 @@
     </p:spTree>
     <p:extLst>
       <p:ext uri="{BB962C8B-B14F-4D97-AF65-F5344CB8AC3E}">
-        <p14:creationId xmlns:p14="http://schemas.microsoft.com/office/powerpoint/2010/main" val="16852321"/>
+        <p14:creationId xmlns="" xmlns:p14="http://schemas.microsoft.com/office/powerpoint/2010/main" val="16852321"/>
       </p:ext>
     </p:extLst>
   </p:cSld>
   <p:clrMapOvr>
     <a:overrideClrMapping bg1="lt1" tx1="dk1" bg2="lt2" tx2="dk2" accent1="accent1" accent2="accent2" accent3="accent3" accent4="accent4" accent5="accent5" accent6="accent6" hlink="hlink" folHlink="folHlink"/>
   </p:clrMapOvr>
-  <mc:AlternateContent xmlns:mc="http://schemas.openxmlformats.org/markup-compatibility/2006" xmlns:p15="http://schemas.microsoft.com/office/powerpoint/2012/main">
-    <mc:Choice Requires="p15">
+  <mc:AlternateContent xmlns:mc="http://schemas.openxmlformats.org/markup-compatibility/2006">
+    <mc:Choice xmlns="" xmlns:p15="http://schemas.microsoft.com/office/powerpoint/2012/main" Requires="p15">
       <p:transition xmlns:p14="http://schemas.microsoft.com/office/powerpoint/2010/main" spd="slow" p14:dur="1250">
         <p15:prstTrans prst="pageCurlDouble"/>
       </p:transition>
     </mc:Choice>
-    <mc:Fallback xmlns="">
+    <mc:Fallback>
       <p:transition spd="slow">
         <p:fade/>
       </p:transition>
@@ -23315,20 +23292,20 @@
     </p:spTree>
     <p:extLst>
       <p:ext uri="{BB962C8B-B14F-4D97-AF65-F5344CB8AC3E}">
-        <p14:creationId xmlns:p14="http://schemas.microsoft.com/office/powerpoint/2010/main" val="3680676655"/>
+        <p14:creationId xmlns="" xmlns:p14="http://schemas.microsoft.com/office/powerpoint/2010/main" val="3680676655"/>
       </p:ext>
     </p:extLst>
   </p:cSld>
   <p:clrMapOvr>
     <a:masterClrMapping/>
   </p:clrMapOvr>
-  <mc:AlternateContent xmlns:mc="http://schemas.openxmlformats.org/markup-compatibility/2006" xmlns:p15="http://schemas.microsoft.com/office/powerpoint/2012/main">
-    <mc:Choice Requires="p15">
+  <mc:AlternateContent xmlns:mc="http://schemas.openxmlformats.org/markup-compatibility/2006">
+    <mc:Choice xmlns="" xmlns:p15="http://schemas.microsoft.com/office/powerpoint/2012/main" Requires="p15">
       <p:transition xmlns:p14="http://schemas.microsoft.com/office/powerpoint/2010/main" spd="slow" p14:dur="1250">
         <p15:prstTrans prst="pageCurlDouble"/>
       </p:transition>
     </mc:Choice>
-    <mc:Fallback xmlns="">
+    <mc:Fallback>
       <p:transition spd="slow">
         <p:fade/>
       </p:transition>
@@ -24431,18 +24408,7 @@
                 <a:ea typeface="Times New Roman" panose="02020603050405020304" pitchFamily="18" charset="0"/>
                 <a:cs typeface="Calibri" panose="020F0502020204030204" pitchFamily="34" charset="0"/>
               </a:rPr>
-              <a:t>VERACODE </a:t>
-            </a:r>
-            <a:r>
-              <a:rPr lang="en-US" sz="1400" b="1" dirty="0" smtClean="0">
-                <a:solidFill>
-                  <a:srgbClr val="25A4BD"/>
-                </a:solidFill>
-                <a:latin typeface="+mj-lt"/>
-                <a:ea typeface="Times New Roman" panose="02020603050405020304" pitchFamily="18" charset="0"/>
-                <a:cs typeface="Calibri" panose="020F0502020204030204" pitchFamily="34" charset="0"/>
-              </a:rPr>
-              <a:t>Check</a:t>
+              <a:t>VERACODE Check</a:t>
             </a:r>
           </a:p>
           <a:p>
@@ -24480,20 +24446,20 @@
     </p:spTree>
     <p:extLst>
       <p:ext uri="{BB962C8B-B14F-4D97-AF65-F5344CB8AC3E}">
-        <p14:creationId xmlns:p14="http://schemas.microsoft.com/office/powerpoint/2010/main" val="4005979904"/>
+        <p14:creationId xmlns="" xmlns:p14="http://schemas.microsoft.com/office/powerpoint/2010/main" val="4005979904"/>
       </p:ext>
     </p:extLst>
   </p:cSld>
   <p:clrMapOvr>
     <a:masterClrMapping/>
   </p:clrMapOvr>
-  <mc:AlternateContent xmlns:mc="http://schemas.openxmlformats.org/markup-compatibility/2006" xmlns:p15="http://schemas.microsoft.com/office/powerpoint/2012/main">
-    <mc:Choice Requires="p15">
+  <mc:AlternateContent xmlns:mc="http://schemas.openxmlformats.org/markup-compatibility/2006">
+    <mc:Choice xmlns="" xmlns:p15="http://schemas.microsoft.com/office/powerpoint/2012/main" Requires="p15">
       <p:transition xmlns:p14="http://schemas.microsoft.com/office/powerpoint/2010/main" spd="slow" p14:dur="1250">
         <p15:prstTrans prst="pageCurlDouble"/>
       </p:transition>
     </mc:Choice>
-    <mc:Fallback xmlns="">
+    <mc:Fallback>
       <p:transition spd="slow">
         <p:fade/>
       </p:transition>
@@ -25131,20 +25097,20 @@
     </p:spTree>
     <p:extLst>
       <p:ext uri="{BB962C8B-B14F-4D97-AF65-F5344CB8AC3E}">
-        <p14:creationId xmlns:p14="http://schemas.microsoft.com/office/powerpoint/2010/main" val="2272326805"/>
+        <p14:creationId xmlns="" xmlns:p14="http://schemas.microsoft.com/office/powerpoint/2010/main" val="2272326805"/>
       </p:ext>
     </p:extLst>
   </p:cSld>
   <p:clrMapOvr>
     <a:masterClrMapping/>
   </p:clrMapOvr>
-  <mc:AlternateContent xmlns:mc="http://schemas.openxmlformats.org/markup-compatibility/2006" xmlns:p15="http://schemas.microsoft.com/office/powerpoint/2012/main">
-    <mc:Choice Requires="p15">
+  <mc:AlternateContent xmlns:mc="http://schemas.openxmlformats.org/markup-compatibility/2006">
+    <mc:Choice xmlns="" xmlns:p15="http://schemas.microsoft.com/office/powerpoint/2012/main" Requires="p15">
       <p:transition xmlns:p14="http://schemas.microsoft.com/office/powerpoint/2010/main" spd="slow" p14:dur="1250">
         <p15:prstTrans prst="pageCurlDouble"/>
       </p:transition>
     </mc:Choice>
-    <mc:Fallback xmlns="">
+    <mc:Fallback>
       <p:transition spd="slow">
         <p:fade/>
       </p:transition>
@@ -25803,7 +25769,7 @@
           <a:blip r:embed="rId4" cstate="print">
             <a:extLst>
               <a:ext uri="{28A0092B-C50C-407E-A947-70E740481C1C}">
-                <a14:useLocalDpi xmlns:a14="http://schemas.microsoft.com/office/drawing/2010/main" val="0"/>
+                <a14:useLocalDpi xmlns="" xmlns:a14="http://schemas.microsoft.com/office/drawing/2010/main" val="0"/>
               </a:ext>
             </a:extLst>
           </a:blip>
@@ -25833,7 +25799,7 @@
           <a:blip r:embed="rId5" cstate="print">
             <a:extLst>
               <a:ext uri="{28A0092B-C50C-407E-A947-70E740481C1C}">
-                <a14:useLocalDpi xmlns:a14="http://schemas.microsoft.com/office/drawing/2010/main" val="0"/>
+                <a14:useLocalDpi xmlns="" xmlns:a14="http://schemas.microsoft.com/office/drawing/2010/main" val="0"/>
               </a:ext>
             </a:extLst>
           </a:blip>
@@ -25863,7 +25829,7 @@
           <a:blip r:embed="rId6" cstate="print">
             <a:extLst>
               <a:ext uri="{28A0092B-C50C-407E-A947-70E740481C1C}">
-                <a14:useLocalDpi xmlns:a14="http://schemas.microsoft.com/office/drawing/2010/main" val="0"/>
+                <a14:useLocalDpi xmlns="" xmlns:a14="http://schemas.microsoft.com/office/drawing/2010/main" val="0"/>
               </a:ext>
             </a:extLst>
           </a:blip>
@@ -25893,7 +25859,7 @@
           <a:blip r:embed="rId7" cstate="print">
             <a:extLst>
               <a:ext uri="{BEBA8EAE-BF5A-486C-A8C5-ECC9F3942E4B}">
-                <a14:imgProps xmlns:a14="http://schemas.microsoft.com/office/drawing/2010/main">
+                <a14:imgProps xmlns="" xmlns:a14="http://schemas.microsoft.com/office/drawing/2010/main">
                   <a14:imgLayer r:embed="rId8">
                     <a14:imgEffect>
                       <a14:brightnessContrast bright="-100000"/>
@@ -25902,7 +25868,7 @@
                 </a14:imgProps>
               </a:ext>
               <a:ext uri="{28A0092B-C50C-407E-A947-70E740481C1C}">
-                <a14:useLocalDpi xmlns:a14="http://schemas.microsoft.com/office/drawing/2010/main" val="0"/>
+                <a14:useLocalDpi xmlns="" xmlns:a14="http://schemas.microsoft.com/office/drawing/2010/main" val="0"/>
               </a:ext>
             </a:extLst>
           </a:blip>
@@ -25932,7 +25898,7 @@
           <a:blip r:embed="rId9" cstate="print">
             <a:extLst>
               <a:ext uri="{28A0092B-C50C-407E-A947-70E740481C1C}">
-                <a14:useLocalDpi xmlns:a14="http://schemas.microsoft.com/office/drawing/2010/main" val="0"/>
+                <a14:useLocalDpi xmlns="" xmlns:a14="http://schemas.microsoft.com/office/drawing/2010/main" val="0"/>
               </a:ext>
             </a:extLst>
           </a:blip>
@@ -25953,20 +25919,20 @@
     </p:spTree>
     <p:extLst>
       <p:ext uri="{BB962C8B-B14F-4D97-AF65-F5344CB8AC3E}">
-        <p14:creationId xmlns:p14="http://schemas.microsoft.com/office/powerpoint/2010/main" val="3360673671"/>
+        <p14:creationId xmlns="" xmlns:p14="http://schemas.microsoft.com/office/powerpoint/2010/main" val="3360673671"/>
       </p:ext>
     </p:extLst>
   </p:cSld>
   <p:clrMapOvr>
     <a:masterClrMapping/>
   </p:clrMapOvr>
-  <mc:AlternateContent xmlns:mc="http://schemas.openxmlformats.org/markup-compatibility/2006" xmlns:p15="http://schemas.microsoft.com/office/powerpoint/2012/main">
-    <mc:Choice Requires="p15">
+  <mc:AlternateContent xmlns:mc="http://schemas.openxmlformats.org/markup-compatibility/2006">
+    <mc:Choice xmlns="" xmlns:p15="http://schemas.microsoft.com/office/powerpoint/2012/main" Requires="p15">
       <p:transition xmlns:p14="http://schemas.microsoft.com/office/powerpoint/2010/main" spd="slow" p14:dur="1250">
         <p15:prstTrans prst="pageCurlDouble"/>
       </p:transition>
     </mc:Choice>
-    <mc:Fallback xmlns="">
+    <mc:Fallback>
       <p:transition spd="slow">
         <p:fade/>
       </p:transition>
@@ -26112,20 +26078,20 @@
     </p:spTree>
     <p:extLst>
       <p:ext uri="{BB962C8B-B14F-4D97-AF65-F5344CB8AC3E}">
-        <p14:creationId xmlns:p14="http://schemas.microsoft.com/office/powerpoint/2010/main" val="913389818"/>
+        <p14:creationId xmlns="" xmlns:p14="http://schemas.microsoft.com/office/powerpoint/2010/main" val="913389818"/>
       </p:ext>
     </p:extLst>
   </p:cSld>
   <p:clrMapOvr>
     <a:masterClrMapping/>
   </p:clrMapOvr>
-  <mc:AlternateContent xmlns:mc="http://schemas.openxmlformats.org/markup-compatibility/2006" xmlns:p15="http://schemas.microsoft.com/office/powerpoint/2012/main">
-    <mc:Choice Requires="p15">
+  <mc:AlternateContent xmlns:mc="http://schemas.openxmlformats.org/markup-compatibility/2006">
+    <mc:Choice xmlns="" xmlns:p15="http://schemas.microsoft.com/office/powerpoint/2012/main" Requires="p15">
       <p:transition xmlns:p14="http://schemas.microsoft.com/office/powerpoint/2010/main" spd="slow" p14:dur="1250">
         <p15:prstTrans prst="pageCurlDouble"/>
       </p:transition>
     </mc:Choice>
-    <mc:Fallback xmlns="">
+    <mc:Fallback>
       <p:transition spd="slow">
         <p:fade/>
       </p:transition>
@@ -26735,20 +26701,20 @@
     </p:spTree>
     <p:extLst>
       <p:ext uri="{BB962C8B-B14F-4D97-AF65-F5344CB8AC3E}">
-        <p14:creationId xmlns:p14="http://schemas.microsoft.com/office/powerpoint/2010/main" val="682274833"/>
+        <p14:creationId xmlns="" xmlns:p14="http://schemas.microsoft.com/office/powerpoint/2010/main" val="682274833"/>
       </p:ext>
     </p:extLst>
   </p:cSld>
   <p:clrMapOvr>
     <a:masterClrMapping/>
   </p:clrMapOvr>
-  <mc:AlternateContent xmlns:mc="http://schemas.openxmlformats.org/markup-compatibility/2006" xmlns:p15="http://schemas.microsoft.com/office/powerpoint/2012/main">
-    <mc:Choice Requires="p15">
+  <mc:AlternateContent xmlns:mc="http://schemas.openxmlformats.org/markup-compatibility/2006">
+    <mc:Choice xmlns="" xmlns:p15="http://schemas.microsoft.com/office/powerpoint/2012/main" Requires="p15">
       <p:transition xmlns:p14="http://schemas.microsoft.com/office/powerpoint/2010/main" spd="slow" p14:dur="1250">
         <p15:prstTrans prst="pageCurlDouble"/>
       </p:transition>
     </mc:Choice>
-    <mc:Fallback xmlns="">
+    <mc:Fallback>
       <p:transition spd="slow">
         <p:fade/>
       </p:transition>
@@ -28381,20 +28347,20 @@
     </p:spTree>
     <p:extLst>
       <p:ext uri="{BB962C8B-B14F-4D97-AF65-F5344CB8AC3E}">
-        <p14:creationId xmlns:p14="http://schemas.microsoft.com/office/powerpoint/2010/main" val="2426447949"/>
+        <p14:creationId xmlns="" xmlns:p14="http://schemas.microsoft.com/office/powerpoint/2010/main" val="2426447949"/>
       </p:ext>
     </p:extLst>
   </p:cSld>
   <p:clrMapOvr>
     <a:masterClrMapping/>
   </p:clrMapOvr>
-  <mc:AlternateContent xmlns:mc="http://schemas.openxmlformats.org/markup-compatibility/2006" xmlns:p15="http://schemas.microsoft.com/office/powerpoint/2012/main">
-    <mc:Choice Requires="p15">
+  <mc:AlternateContent xmlns:mc="http://schemas.openxmlformats.org/markup-compatibility/2006">
+    <mc:Choice xmlns="" xmlns:p15="http://schemas.microsoft.com/office/powerpoint/2012/main" Requires="p15">
       <p:transition xmlns:p14="http://schemas.microsoft.com/office/powerpoint/2010/main" spd="slow" p14:dur="1250">
         <p15:prstTrans prst="pageCurlDouble"/>
       </p:transition>
     </mc:Choice>
-    <mc:Fallback xmlns="">
+    <mc:Fallback>
       <p:transition spd="slow">
         <p:fade/>
       </p:transition>
@@ -28540,20 +28506,20 @@
     </p:spTree>
     <p:extLst>
       <p:ext uri="{BB962C8B-B14F-4D97-AF65-F5344CB8AC3E}">
-        <p14:creationId xmlns:p14="http://schemas.microsoft.com/office/powerpoint/2010/main" val="3230460746"/>
+        <p14:creationId xmlns="" xmlns:p14="http://schemas.microsoft.com/office/powerpoint/2010/main" val="3230460746"/>
       </p:ext>
     </p:extLst>
   </p:cSld>
   <p:clrMapOvr>
     <a:masterClrMapping/>
   </p:clrMapOvr>
-  <mc:AlternateContent xmlns:mc="http://schemas.openxmlformats.org/markup-compatibility/2006" xmlns:p15="http://schemas.microsoft.com/office/powerpoint/2012/main">
-    <mc:Choice Requires="p15">
+  <mc:AlternateContent xmlns:mc="http://schemas.openxmlformats.org/markup-compatibility/2006">
+    <mc:Choice xmlns="" xmlns:p15="http://schemas.microsoft.com/office/powerpoint/2012/main" Requires="p15">
       <p:transition xmlns:p14="http://schemas.microsoft.com/office/powerpoint/2010/main" spd="slow" p14:dur="1250">
         <p15:prstTrans prst="pageCurlDouble"/>
       </p:transition>
     </mc:Choice>
-    <mc:Fallback xmlns="">
+    <mc:Fallback>
       <p:transition spd="slow">
         <p:fade/>
       </p:transition>
@@ -28632,7 +28598,7 @@
           <p:nvPr>
             <p:extLst>
               <p:ext uri="{D42A27DB-BD31-4B8C-83A1-F6EECF244321}">
-                <p14:modId xmlns:p14="http://schemas.microsoft.com/office/powerpoint/2010/main" val="3870566354"/>
+                <p14:modId xmlns="" xmlns:p14="http://schemas.microsoft.com/office/powerpoint/2010/main" val="3870566354"/>
               </p:ext>
             </p:extLst>
           </p:nvPr>
@@ -29394,20 +29360,20 @@
     </p:spTree>
     <p:extLst>
       <p:ext uri="{BB962C8B-B14F-4D97-AF65-F5344CB8AC3E}">
-        <p14:creationId xmlns:p14="http://schemas.microsoft.com/office/powerpoint/2010/main" val="2136820324"/>
+        <p14:creationId xmlns="" xmlns:p14="http://schemas.microsoft.com/office/powerpoint/2010/main" val="2136820324"/>
       </p:ext>
     </p:extLst>
   </p:cSld>
   <p:clrMapOvr>
     <a:masterClrMapping/>
   </p:clrMapOvr>
-  <mc:AlternateContent xmlns:mc="http://schemas.openxmlformats.org/markup-compatibility/2006" xmlns:p15="http://schemas.microsoft.com/office/powerpoint/2012/main">
-    <mc:Choice Requires="p15">
+  <mc:AlternateContent xmlns:mc="http://schemas.openxmlformats.org/markup-compatibility/2006">
+    <mc:Choice xmlns="" xmlns:p15="http://schemas.microsoft.com/office/powerpoint/2012/main" Requires="p15">
       <p:transition xmlns:p14="http://schemas.microsoft.com/office/powerpoint/2010/main" spd="slow" p14:dur="1250">
         <p15:prstTrans prst="pageCurlDouble"/>
       </p:transition>
     </mc:Choice>
-    <mc:Fallback xmlns="">
+    <mc:Fallback>
       <p:transition spd="slow">
         <p:fade/>
       </p:transition>
@@ -29485,7 +29451,7 @@
           <p:nvPr>
             <p:extLst>
               <p:ext uri="{D42A27DB-BD31-4B8C-83A1-F6EECF244321}">
-                <p14:modId xmlns:p14="http://schemas.microsoft.com/office/powerpoint/2010/main" val="3808397299"/>
+                <p14:modId xmlns="" xmlns:p14="http://schemas.microsoft.com/office/powerpoint/2010/main" val="3808397299"/>
               </p:ext>
             </p:extLst>
           </p:nvPr>
@@ -29504,56 +29470,56 @@
                 <a:gridCol w="597049">
                   <a:extLst>
                     <a:ext uri="{9D8B030D-6E8A-4147-A177-3AD203B41FA5}">
-                      <a16:colId xmlns:a16="http://schemas.microsoft.com/office/drawing/2014/main" val="20000"/>
+                      <a16:colId xmlns="" xmlns:a16="http://schemas.microsoft.com/office/drawing/2014/main" val="20000"/>
                     </a:ext>
                   </a:extLst>
                 </a:gridCol>
                 <a:gridCol w="1317812">
                   <a:extLst>
                     <a:ext uri="{9D8B030D-6E8A-4147-A177-3AD203B41FA5}">
-                      <a16:colId xmlns:a16="http://schemas.microsoft.com/office/drawing/2014/main" val="20001"/>
+                      <a16:colId xmlns="" xmlns:a16="http://schemas.microsoft.com/office/drawing/2014/main" val="20001"/>
                     </a:ext>
                   </a:extLst>
                 </a:gridCol>
                 <a:gridCol w="1183341">
                   <a:extLst>
                     <a:ext uri="{9D8B030D-6E8A-4147-A177-3AD203B41FA5}">
-                      <a16:colId xmlns:a16="http://schemas.microsoft.com/office/drawing/2014/main" val="20002"/>
+                      <a16:colId xmlns="" xmlns:a16="http://schemas.microsoft.com/office/drawing/2014/main" val="20002"/>
                     </a:ext>
                   </a:extLst>
                 </a:gridCol>
                 <a:gridCol w="1290918">
                   <a:extLst>
                     <a:ext uri="{9D8B030D-6E8A-4147-A177-3AD203B41FA5}">
-                      <a16:colId xmlns:a16="http://schemas.microsoft.com/office/drawing/2014/main" val="20003"/>
+                      <a16:colId xmlns="" xmlns:a16="http://schemas.microsoft.com/office/drawing/2014/main" val="20003"/>
                     </a:ext>
                   </a:extLst>
                 </a:gridCol>
                 <a:gridCol w="1097280">
                   <a:extLst>
                     <a:ext uri="{9D8B030D-6E8A-4147-A177-3AD203B41FA5}">
-                      <a16:colId xmlns:a16="http://schemas.microsoft.com/office/drawing/2014/main" val="20004"/>
+                      <a16:colId xmlns="" xmlns:a16="http://schemas.microsoft.com/office/drawing/2014/main" val="20004"/>
                     </a:ext>
                   </a:extLst>
                 </a:gridCol>
                 <a:gridCol w="1363532">
                   <a:extLst>
                     <a:ext uri="{9D8B030D-6E8A-4147-A177-3AD203B41FA5}">
-                      <a16:colId xmlns:a16="http://schemas.microsoft.com/office/drawing/2014/main" val="20005"/>
+                      <a16:colId xmlns="" xmlns:a16="http://schemas.microsoft.com/office/drawing/2014/main" val="20005"/>
                     </a:ext>
                   </a:extLst>
                 </a:gridCol>
                 <a:gridCol w="1102659">
                   <a:extLst>
                     <a:ext uri="{9D8B030D-6E8A-4147-A177-3AD203B41FA5}">
-                      <a16:colId xmlns:a16="http://schemas.microsoft.com/office/drawing/2014/main" val="20006"/>
+                      <a16:colId xmlns="" xmlns:a16="http://schemas.microsoft.com/office/drawing/2014/main" val="20006"/>
                     </a:ext>
                   </a:extLst>
                 </a:gridCol>
                 <a:gridCol w="825649">
                   <a:extLst>
                     <a:ext uri="{9D8B030D-6E8A-4147-A177-3AD203B41FA5}">
-                      <a16:colId xmlns:a16="http://schemas.microsoft.com/office/drawing/2014/main" val="20007"/>
+                      <a16:colId xmlns="" xmlns:a16="http://schemas.microsoft.com/office/drawing/2014/main" val="20007"/>
                     </a:ext>
                   </a:extLst>
                 </a:gridCol>
@@ -29818,7 +29784,7 @@
                 </a:tc>
                 <a:extLst>
                   <a:ext uri="{0D108BD9-81ED-4DB2-BD59-A6C34878D82A}">
-                    <a16:rowId xmlns:a16="http://schemas.microsoft.com/office/drawing/2014/main" val="10000"/>
+                    <a16:rowId xmlns="" xmlns:a16="http://schemas.microsoft.com/office/drawing/2014/main" val="10000"/>
                   </a:ext>
                 </a:extLst>
               </a:tr>
@@ -29829,20 +29795,20 @@
     </p:spTree>
     <p:extLst>
       <p:ext uri="{BB962C8B-B14F-4D97-AF65-F5344CB8AC3E}">
-        <p14:creationId xmlns:p14="http://schemas.microsoft.com/office/powerpoint/2010/main" val="765781177"/>
+        <p14:creationId xmlns="" xmlns:p14="http://schemas.microsoft.com/office/powerpoint/2010/main" val="765781177"/>
       </p:ext>
     </p:extLst>
   </p:cSld>
   <p:clrMapOvr>
     <a:masterClrMapping/>
   </p:clrMapOvr>
-  <mc:AlternateContent xmlns:mc="http://schemas.openxmlformats.org/markup-compatibility/2006" xmlns:p15="http://schemas.microsoft.com/office/powerpoint/2012/main">
-    <mc:Choice Requires="p15">
+  <mc:AlternateContent xmlns:mc="http://schemas.openxmlformats.org/markup-compatibility/2006">
+    <mc:Choice xmlns="" xmlns:p15="http://schemas.microsoft.com/office/powerpoint/2012/main" Requires="p15">
       <p:transition xmlns:p14="http://schemas.microsoft.com/office/powerpoint/2010/main" spd="slow" p14:dur="1250">
         <p15:prstTrans prst="pageCurlDouble"/>
       </p:transition>
     </mc:Choice>
-    <mc:Fallback xmlns="">
+    <mc:Fallback>
       <p:transition spd="slow">
         <p:fade/>
       </p:transition>
@@ -30103,20 +30069,20 @@
     </p:spTree>
     <p:extLst>
       <p:ext uri="{BB962C8B-B14F-4D97-AF65-F5344CB8AC3E}">
-        <p14:creationId xmlns:p14="http://schemas.microsoft.com/office/powerpoint/2010/main" val="489594660"/>
+        <p14:creationId xmlns="" xmlns:p14="http://schemas.microsoft.com/office/powerpoint/2010/main" val="489594660"/>
       </p:ext>
     </p:extLst>
   </p:cSld>
   <p:clrMapOvr>
     <a:masterClrMapping/>
   </p:clrMapOvr>
-  <mc:AlternateContent xmlns:mc="http://schemas.openxmlformats.org/markup-compatibility/2006" xmlns:p15="http://schemas.microsoft.com/office/powerpoint/2012/main">
-    <mc:Choice Requires="p15">
+  <mc:AlternateContent xmlns:mc="http://schemas.openxmlformats.org/markup-compatibility/2006">
+    <mc:Choice xmlns="" xmlns:p15="http://schemas.microsoft.com/office/powerpoint/2012/main" Requires="p15">
       <p:transition xmlns:p14="http://schemas.microsoft.com/office/powerpoint/2010/main" spd="slow" p14:dur="1250">
         <p15:prstTrans prst="pageCurlDouble"/>
       </p:transition>
     </mc:Choice>
-    <mc:Fallback xmlns="">
+    <mc:Fallback>
       <p:transition spd="slow">
         <p:fade/>
       </p:transition>
@@ -30341,20 +30307,20 @@
     </p:spTree>
     <p:extLst>
       <p:ext uri="{BB962C8B-B14F-4D97-AF65-F5344CB8AC3E}">
-        <p14:creationId xmlns:p14="http://schemas.microsoft.com/office/powerpoint/2010/main" val="3104915211"/>
+        <p14:creationId xmlns="" xmlns:p14="http://schemas.microsoft.com/office/powerpoint/2010/main" val="3104915211"/>
       </p:ext>
     </p:extLst>
   </p:cSld>
   <p:clrMapOvr>
     <a:masterClrMapping/>
   </p:clrMapOvr>
-  <mc:AlternateContent xmlns:mc="http://schemas.openxmlformats.org/markup-compatibility/2006" xmlns:p15="http://schemas.microsoft.com/office/powerpoint/2012/main">
-    <mc:Choice Requires="p15">
+  <mc:AlternateContent xmlns:mc="http://schemas.openxmlformats.org/markup-compatibility/2006">
+    <mc:Choice xmlns="" xmlns:p15="http://schemas.microsoft.com/office/powerpoint/2012/main" Requires="p15">
       <p:transition xmlns:p14="http://schemas.microsoft.com/office/powerpoint/2010/main" spd="slow" p14:dur="1250">
         <p15:prstTrans prst="pageCurlDouble"/>
       </p:transition>
     </mc:Choice>
-    <mc:Fallback xmlns="">
+    <mc:Fallback>
       <p:transition spd="slow">
         <p:fade/>
       </p:transition>
@@ -30464,14 +30430,14 @@
           <a:effectLst/>
           <a:extLst>
             <a:ext uri="{909E8E84-426E-40DD-AFC4-6F175D3DCCD1}">
-              <a14:hiddenFill xmlns:a14="http://schemas.microsoft.com/office/drawing/2010/main">
+              <a14:hiddenFill xmlns="" xmlns:a14="http://schemas.microsoft.com/office/drawing/2010/main">
                 <a:solidFill>
                   <a:schemeClr val="accent1"/>
                 </a:solidFill>
               </a14:hiddenFill>
             </a:ext>
             <a:ext uri="{91240B29-F687-4F45-9708-019B960494DF}">
-              <a14:hiddenLine xmlns:a14="http://schemas.microsoft.com/office/drawing/2010/main" w="9525">
+              <a14:hiddenLine xmlns="" xmlns:a14="http://schemas.microsoft.com/office/drawing/2010/main" w="9525">
                 <a:solidFill>
                   <a:schemeClr val="tx1"/>
                 </a:solidFill>
@@ -30481,7 +30447,7 @@
               </a14:hiddenLine>
             </a:ext>
             <a:ext uri="{AF507438-7753-43E0-B8FC-AC1667EBCBE1}">
-              <a14:hiddenEffects xmlns:a14="http://schemas.microsoft.com/office/drawing/2010/main">
+              <a14:hiddenEffects xmlns="" xmlns:a14="http://schemas.microsoft.com/office/drawing/2010/main">
                 <a:effectLst>
                   <a:outerShdw dist="35921" dir="2700000" algn="ctr" rotWithShape="0">
                     <a:schemeClr val="bg2"/>
@@ -30516,7 +30482,7 @@
           <a:blip r:embed="rId2" r:link="rId3">
             <a:extLst>
               <a:ext uri="{28A0092B-C50C-407E-A947-70E740481C1C}">
-                <a14:useLocalDpi xmlns:a14="http://schemas.microsoft.com/office/drawing/2010/main" val="0"/>
+                <a14:useLocalDpi xmlns="" xmlns:a14="http://schemas.microsoft.com/office/drawing/2010/main" val="0"/>
               </a:ext>
             </a:extLst>
           </a:blip>
@@ -30536,7 +30502,7 @@
           <a:noFill/>
           <a:extLst>
             <a:ext uri="{909E8E84-426E-40DD-AFC4-6F175D3DCCD1}">
-              <a14:hiddenFill xmlns:a14="http://schemas.microsoft.com/office/drawing/2010/main">
+              <a14:hiddenFill xmlns="" xmlns:a14="http://schemas.microsoft.com/office/drawing/2010/main">
                 <a:solidFill>
                   <a:srgbClr val="FFFFFF"/>
                 </a:solidFill>
@@ -30557,7 +30523,7 @@
           <a:blip r:embed="rId4">
             <a:extLst>
               <a:ext uri="{28A0092B-C50C-407E-A947-70E740481C1C}">
-                <a14:useLocalDpi xmlns:a14="http://schemas.microsoft.com/office/drawing/2010/main" val="0"/>
+                <a14:useLocalDpi xmlns="" xmlns:a14="http://schemas.microsoft.com/office/drawing/2010/main" val="0"/>
               </a:ext>
             </a:extLst>
           </a:blip>
@@ -30580,14 +30546,14 @@
           </a:ln>
           <a:extLst>
             <a:ext uri="{909E8E84-426E-40DD-AFC4-6F175D3DCCD1}">
-              <a14:hiddenFill xmlns:a14="http://schemas.microsoft.com/office/drawing/2010/main">
+              <a14:hiddenFill xmlns="" xmlns:a14="http://schemas.microsoft.com/office/drawing/2010/main">
                 <a:solidFill>
                   <a:srgbClr val="FFFFFF"/>
                 </a:solidFill>
               </a14:hiddenFill>
             </a:ext>
             <a:ext uri="{91240B29-F687-4F45-9708-019B960494DF}">
-              <a14:hiddenLine xmlns:a14="http://schemas.microsoft.com/office/drawing/2010/main" w="9525">
+              <a14:hiddenLine xmlns="" xmlns:a14="http://schemas.microsoft.com/office/drawing/2010/main" w="9525">
                 <a:solidFill>
                   <a:srgbClr val="000000"/>
                 </a:solidFill>
@@ -30602,7 +30568,7 @@
     </p:spTree>
     <p:extLst>
       <p:ext uri="{BB962C8B-B14F-4D97-AF65-F5344CB8AC3E}">
-        <p14:creationId xmlns:p14="http://schemas.microsoft.com/office/powerpoint/2010/main" val="1679823734"/>
+        <p14:creationId xmlns="" xmlns:p14="http://schemas.microsoft.com/office/powerpoint/2010/main" val="1679823734"/>
       </p:ext>
     </p:extLst>
   </p:cSld>
@@ -30687,7 +30653,7 @@
           <a:blip r:embed="rId2">
             <a:extLst>
               <a:ext uri="{28A0092B-C50C-407E-A947-70E740481C1C}">
-                <a14:useLocalDpi xmlns:a14="http://schemas.microsoft.com/office/drawing/2010/main" val="0"/>
+                <a14:useLocalDpi xmlns="" xmlns:a14="http://schemas.microsoft.com/office/drawing/2010/main" val="0"/>
               </a:ext>
             </a:extLst>
           </a:blip>
@@ -30710,14 +30676,14 @@
           </a:ln>
           <a:extLst>
             <a:ext uri="{909E8E84-426E-40DD-AFC4-6F175D3DCCD1}">
-              <a14:hiddenFill xmlns:a14="http://schemas.microsoft.com/office/drawing/2010/main">
+              <a14:hiddenFill xmlns="" xmlns:a14="http://schemas.microsoft.com/office/drawing/2010/main">
                 <a:solidFill>
                   <a:srgbClr val="FFFFFF"/>
                 </a:solidFill>
               </a14:hiddenFill>
             </a:ext>
             <a:ext uri="{91240B29-F687-4F45-9708-019B960494DF}">
-              <a14:hiddenLine xmlns:a14="http://schemas.microsoft.com/office/drawing/2010/main" w="9525">
+              <a14:hiddenLine xmlns="" xmlns:a14="http://schemas.microsoft.com/office/drawing/2010/main" w="9525">
                 <a:solidFill>
                   <a:srgbClr val="000000"/>
                 </a:solidFill>
@@ -30732,7 +30698,7 @@
     </p:spTree>
     <p:extLst>
       <p:ext uri="{BB962C8B-B14F-4D97-AF65-F5344CB8AC3E}">
-        <p14:creationId xmlns:p14="http://schemas.microsoft.com/office/powerpoint/2010/main" val="3433005607"/>
+        <p14:creationId xmlns="" xmlns:p14="http://schemas.microsoft.com/office/powerpoint/2010/main" val="3433005607"/>
       </p:ext>
     </p:extLst>
   </p:cSld>
@@ -30817,7 +30783,7 @@
           <a:blip r:embed="rId2">
             <a:extLst>
               <a:ext uri="{28A0092B-C50C-407E-A947-70E740481C1C}">
-                <a14:useLocalDpi xmlns:a14="http://schemas.microsoft.com/office/drawing/2010/main" val="0"/>
+                <a14:useLocalDpi xmlns="" xmlns:a14="http://schemas.microsoft.com/office/drawing/2010/main" val="0"/>
               </a:ext>
             </a:extLst>
           </a:blip>
@@ -30840,14 +30806,14 @@
           </a:ln>
           <a:extLst>
             <a:ext uri="{909E8E84-426E-40DD-AFC4-6F175D3DCCD1}">
-              <a14:hiddenFill xmlns:a14="http://schemas.microsoft.com/office/drawing/2010/main">
+              <a14:hiddenFill xmlns="" xmlns:a14="http://schemas.microsoft.com/office/drawing/2010/main">
                 <a:solidFill>
                   <a:srgbClr val="FFFFFF"/>
                 </a:solidFill>
               </a14:hiddenFill>
             </a:ext>
             <a:ext uri="{91240B29-F687-4F45-9708-019B960494DF}">
-              <a14:hiddenLine xmlns:a14="http://schemas.microsoft.com/office/drawing/2010/main" w="9525">
+              <a14:hiddenLine xmlns="" xmlns:a14="http://schemas.microsoft.com/office/drawing/2010/main" w="9525">
                 <a:solidFill>
                   <a:srgbClr val="000000"/>
                 </a:solidFill>
@@ -30862,7 +30828,7 @@
     </p:spTree>
     <p:extLst>
       <p:ext uri="{BB962C8B-B14F-4D97-AF65-F5344CB8AC3E}">
-        <p14:creationId xmlns:p14="http://schemas.microsoft.com/office/powerpoint/2010/main" val="3893277333"/>
+        <p14:creationId xmlns="" xmlns:p14="http://schemas.microsoft.com/office/powerpoint/2010/main" val="3893277333"/>
       </p:ext>
     </p:extLst>
   </p:cSld>
@@ -30968,14 +30934,14 @@
           <a:effectLst/>
           <a:extLst>
             <a:ext uri="{909E8E84-426E-40DD-AFC4-6F175D3DCCD1}">
-              <a14:hiddenFill xmlns:a14="http://schemas.microsoft.com/office/drawing/2010/main">
+              <a14:hiddenFill xmlns="" xmlns:a14="http://schemas.microsoft.com/office/drawing/2010/main">
                 <a:solidFill>
                   <a:schemeClr val="accent1"/>
                 </a:solidFill>
               </a14:hiddenFill>
             </a:ext>
             <a:ext uri="{91240B29-F687-4F45-9708-019B960494DF}">
-              <a14:hiddenLine xmlns:a14="http://schemas.microsoft.com/office/drawing/2010/main" w="9525">
+              <a14:hiddenLine xmlns="" xmlns:a14="http://schemas.microsoft.com/office/drawing/2010/main" w="9525">
                 <a:solidFill>
                   <a:schemeClr val="tx1"/>
                 </a:solidFill>
@@ -30985,7 +30951,7 @@
               </a14:hiddenLine>
             </a:ext>
             <a:ext uri="{AF507438-7753-43E0-B8FC-AC1667EBCBE1}">
-              <a14:hiddenEffects xmlns:a14="http://schemas.microsoft.com/office/drawing/2010/main">
+              <a14:hiddenEffects xmlns="" xmlns:a14="http://schemas.microsoft.com/office/drawing/2010/main">
                 <a:effectLst>
                   <a:outerShdw dist="35921" dir="2700000" algn="ctr" rotWithShape="0">
                     <a:schemeClr val="bg2"/>
@@ -31020,7 +30986,7 @@
           <a:blip r:embed="rId2">
             <a:extLst>
               <a:ext uri="{28A0092B-C50C-407E-A947-70E740481C1C}">
-                <a14:useLocalDpi xmlns:a14="http://schemas.microsoft.com/office/drawing/2010/main" val="0"/>
+                <a14:useLocalDpi xmlns="" xmlns:a14="http://schemas.microsoft.com/office/drawing/2010/main" val="0"/>
               </a:ext>
             </a:extLst>
           </a:blip>
@@ -31043,14 +31009,14 @@
           </a:ln>
           <a:extLst>
             <a:ext uri="{909E8E84-426E-40DD-AFC4-6F175D3DCCD1}">
-              <a14:hiddenFill xmlns:a14="http://schemas.microsoft.com/office/drawing/2010/main">
+              <a14:hiddenFill xmlns="" xmlns:a14="http://schemas.microsoft.com/office/drawing/2010/main">
                 <a:solidFill>
                   <a:srgbClr val="FFFFFF"/>
                 </a:solidFill>
               </a14:hiddenFill>
             </a:ext>
             <a:ext uri="{91240B29-F687-4F45-9708-019B960494DF}">
-              <a14:hiddenLine xmlns:a14="http://schemas.microsoft.com/office/drawing/2010/main" w="9525">
+              <a14:hiddenLine xmlns="" xmlns:a14="http://schemas.microsoft.com/office/drawing/2010/main" w="9525">
                 <a:solidFill>
                   <a:srgbClr val="000000"/>
                 </a:solidFill>
@@ -31065,7 +31031,7 @@
     </p:spTree>
     <p:extLst>
       <p:ext uri="{BB962C8B-B14F-4D97-AF65-F5344CB8AC3E}">
-        <p14:creationId xmlns:p14="http://schemas.microsoft.com/office/powerpoint/2010/main" val="1447921463"/>
+        <p14:creationId xmlns="" xmlns:p14="http://schemas.microsoft.com/office/powerpoint/2010/main" val="1447921463"/>
       </p:ext>
     </p:extLst>
   </p:cSld>
@@ -31134,7 +31100,7 @@
           <a:p>
             <a:r>
               <a:rPr lang="en-US" dirty="0" smtClean="0"/>
-              <a:t>TIAA Market Quote and Performance conversation flow</a:t>
+              <a:t>TIAA Market Quote and Performance Conversation Flow</a:t>
             </a:r>
             <a:endParaRPr lang="en-US" dirty="0"/>
           </a:p>
@@ -31163,14 +31129,14 @@
           <a:effectLst/>
           <a:extLst>
             <a:ext uri="{909E8E84-426E-40DD-AFC4-6F175D3DCCD1}">
-              <a14:hiddenFill xmlns:a14="http://schemas.microsoft.com/office/drawing/2010/main">
+              <a14:hiddenFill xmlns="" xmlns:a14="http://schemas.microsoft.com/office/drawing/2010/main">
                 <a:solidFill>
                   <a:schemeClr val="accent1"/>
                 </a:solidFill>
               </a14:hiddenFill>
             </a:ext>
             <a:ext uri="{91240B29-F687-4F45-9708-019B960494DF}">
-              <a14:hiddenLine xmlns:a14="http://schemas.microsoft.com/office/drawing/2010/main" w="9525">
+              <a14:hiddenLine xmlns="" xmlns:a14="http://schemas.microsoft.com/office/drawing/2010/main" w="9525">
                 <a:solidFill>
                   <a:schemeClr val="tx1"/>
                 </a:solidFill>
@@ -31180,7 +31146,7 @@
               </a14:hiddenLine>
             </a:ext>
             <a:ext uri="{AF507438-7753-43E0-B8FC-AC1667EBCBE1}">
-              <a14:hiddenEffects xmlns:a14="http://schemas.microsoft.com/office/drawing/2010/main">
+              <a14:hiddenEffects xmlns="" xmlns:a14="http://schemas.microsoft.com/office/drawing/2010/main">
                 <a:effectLst>
                   <a:outerShdw dist="35921" dir="2700000" algn="ctr" rotWithShape="0">
                     <a:schemeClr val="bg2"/>
@@ -31215,7 +31181,7 @@
           <a:blip r:embed="rId2">
             <a:extLst>
               <a:ext uri="{28A0092B-C50C-407E-A947-70E740481C1C}">
-                <a14:useLocalDpi xmlns:a14="http://schemas.microsoft.com/office/drawing/2010/main" val="0"/>
+                <a14:useLocalDpi xmlns="" xmlns:a14="http://schemas.microsoft.com/office/drawing/2010/main" val="0"/>
               </a:ext>
             </a:extLst>
           </a:blip>
@@ -31238,14 +31204,14 @@
           </a:ln>
           <a:extLst>
             <a:ext uri="{909E8E84-426E-40DD-AFC4-6F175D3DCCD1}">
-              <a14:hiddenFill xmlns:a14="http://schemas.microsoft.com/office/drawing/2010/main">
+              <a14:hiddenFill xmlns="" xmlns:a14="http://schemas.microsoft.com/office/drawing/2010/main">
                 <a:solidFill>
                   <a:srgbClr val="FFFFFF"/>
                 </a:solidFill>
               </a14:hiddenFill>
             </a:ext>
             <a:ext uri="{91240B29-F687-4F45-9708-019B960494DF}">
-              <a14:hiddenLine xmlns:a14="http://schemas.microsoft.com/office/drawing/2010/main" w="9525">
+              <a14:hiddenLine xmlns="" xmlns:a14="http://schemas.microsoft.com/office/drawing/2010/main" w="9525">
                 <a:solidFill>
                   <a:srgbClr val="000000"/>
                 </a:solidFill>
@@ -31260,7 +31226,7 @@
     </p:spTree>
     <p:extLst>
       <p:ext uri="{BB962C8B-B14F-4D97-AF65-F5344CB8AC3E}">
-        <p14:creationId xmlns:p14="http://schemas.microsoft.com/office/powerpoint/2010/main" val="2113998741"/>
+        <p14:creationId xmlns="" xmlns:p14="http://schemas.microsoft.com/office/powerpoint/2010/main" val="2113998741"/>
       </p:ext>
     </p:extLst>
   </p:cSld>
@@ -31557,20 +31523,20 @@
     </p:spTree>
     <p:extLst>
       <p:ext uri="{BB962C8B-B14F-4D97-AF65-F5344CB8AC3E}">
-        <p14:creationId xmlns:p14="http://schemas.microsoft.com/office/powerpoint/2010/main" val="3242232661"/>
+        <p14:creationId xmlns="" xmlns:p14="http://schemas.microsoft.com/office/powerpoint/2010/main" val="3242232661"/>
       </p:ext>
     </p:extLst>
   </p:cSld>
   <p:clrMapOvr>
     <a:masterClrMapping/>
   </p:clrMapOvr>
-  <mc:AlternateContent xmlns:mc="http://schemas.openxmlformats.org/markup-compatibility/2006" xmlns:p15="http://schemas.microsoft.com/office/powerpoint/2012/main">
-    <mc:Choice Requires="p15">
+  <mc:AlternateContent xmlns:mc="http://schemas.openxmlformats.org/markup-compatibility/2006">
+    <mc:Choice xmlns="" xmlns:p15="http://schemas.microsoft.com/office/powerpoint/2012/main" Requires="p15">
       <p:transition xmlns:p14="http://schemas.microsoft.com/office/powerpoint/2010/main" spd="slow" p14:dur="1250">
         <p15:prstTrans prst="pageCurlDouble"/>
       </p:transition>
     </mc:Choice>
-    <mc:Fallback xmlns="">
+    <mc:Fallback>
       <p:transition spd="slow">
         <p:fade/>
       </p:transition>
@@ -31645,7 +31611,7 @@
           <a:p>
             <a:r>
               <a:rPr lang="en-US" dirty="0" smtClean="0"/>
-              <a:t>TIAA Alexa Skill Companion App View</a:t>
+              <a:t>TIAA Alexa Skill – Web Companion App</a:t>
             </a:r>
             <a:endParaRPr lang="en-US" dirty="0"/>
           </a:p>
@@ -31674,14 +31640,14 @@
           <a:effectLst/>
           <a:extLst>
             <a:ext uri="{909E8E84-426E-40DD-AFC4-6F175D3DCCD1}">
-              <a14:hiddenFill xmlns:a14="http://schemas.microsoft.com/office/drawing/2010/main">
+              <a14:hiddenFill xmlns="" xmlns:a14="http://schemas.microsoft.com/office/drawing/2010/main">
                 <a:solidFill>
                   <a:schemeClr val="accent1"/>
                 </a:solidFill>
               </a14:hiddenFill>
             </a:ext>
             <a:ext uri="{91240B29-F687-4F45-9708-019B960494DF}">
-              <a14:hiddenLine xmlns:a14="http://schemas.microsoft.com/office/drawing/2010/main" w="9525">
+              <a14:hiddenLine xmlns="" xmlns:a14="http://schemas.microsoft.com/office/drawing/2010/main" w="9525">
                 <a:solidFill>
                   <a:schemeClr val="tx1"/>
                 </a:solidFill>
@@ -31691,7 +31657,7 @@
               </a14:hiddenLine>
             </a:ext>
             <a:ext uri="{AF507438-7753-43E0-B8FC-AC1667EBCBE1}">
-              <a14:hiddenEffects xmlns:a14="http://schemas.microsoft.com/office/drawing/2010/main">
+              <a14:hiddenEffects xmlns="" xmlns:a14="http://schemas.microsoft.com/office/drawing/2010/main">
                 <a:effectLst>
                   <a:outerShdw dist="35921" dir="2700000" algn="ctr" rotWithShape="0">
                     <a:schemeClr val="bg2"/>
@@ -31726,7 +31692,7 @@
           <a:blip r:embed="rId2">
             <a:extLst>
               <a:ext uri="{28A0092B-C50C-407E-A947-70E740481C1C}">
-                <a14:useLocalDpi xmlns:a14="http://schemas.microsoft.com/office/drawing/2010/main" val="0"/>
+                <a14:useLocalDpi xmlns="" xmlns:a14="http://schemas.microsoft.com/office/drawing/2010/main" val="0"/>
               </a:ext>
             </a:extLst>
           </a:blip>
@@ -31747,7 +31713,7 @@
     </p:spTree>
     <p:extLst>
       <p:ext uri="{BB962C8B-B14F-4D97-AF65-F5344CB8AC3E}">
-        <p14:creationId xmlns:p14="http://schemas.microsoft.com/office/powerpoint/2010/main" val="3104639109"/>
+        <p14:creationId xmlns="" xmlns:p14="http://schemas.microsoft.com/office/powerpoint/2010/main" val="3104639109"/>
       </p:ext>
     </p:extLst>
   </p:cSld>
@@ -31758,6 +31724,531 @@
 </file>
 
 <file path=ppt/slides/slide31.xml><?xml version="1.0" encoding="utf-8"?>
+<p:sld xmlns:a="http://schemas.openxmlformats.org/drawingml/2006/main" xmlns:r="http://schemas.openxmlformats.org/officeDocument/2006/relationships" xmlns:p="http://schemas.openxmlformats.org/presentationml/2006/main">
+  <p:cSld>
+    <p:spTree>
+      <p:nvGrpSpPr>
+        <p:cNvPr id="1" name=""/>
+        <p:cNvGrpSpPr/>
+        <p:nvPr/>
+      </p:nvGrpSpPr>
+      <p:grpSpPr>
+        <a:xfrm>
+          <a:off x="0" y="0"/>
+          <a:ext cx="0" cy="0"/>
+          <a:chOff x="0" y="0"/>
+          <a:chExt cx="0" cy="0"/>
+        </a:xfrm>
+      </p:grpSpPr>
+      <p:sp>
+        <p:nvSpPr>
+          <p:cNvPr id="2" name="Content Placeholder 1"/>
+          <p:cNvSpPr>
+            <a:spLocks noGrp="1"/>
+          </p:cNvSpPr>
+          <p:nvPr>
+            <p:ph idx="1"/>
+          </p:nvPr>
+        </p:nvSpPr>
+        <p:spPr/>
+        <p:txBody>
+          <a:bodyPr/>
+          <a:lstStyle/>
+          <a:p>
+            <a:r>
+              <a:rPr lang="en-US" dirty="0" smtClean="0"/>
+              <a:t>Screenshots (if any)</a:t>
+            </a:r>
+            <a:endParaRPr lang="en-US" dirty="0"/>
+          </a:p>
+        </p:txBody>
+      </p:sp>
+      <p:sp>
+        <p:nvSpPr>
+          <p:cNvPr id="3" name="Title 2"/>
+          <p:cNvSpPr>
+            <a:spLocks noGrp="1"/>
+          </p:cNvSpPr>
+          <p:nvPr>
+            <p:ph type="title"/>
+          </p:nvPr>
+        </p:nvSpPr>
+        <p:spPr/>
+        <p:txBody>
+          <a:bodyPr>
+            <a:normAutofit/>
+          </a:bodyPr>
+          <a:lstStyle/>
+          <a:p>
+            <a:r>
+              <a:rPr lang="en-US" dirty="0" smtClean="0"/>
+              <a:t>TIAA Alexa Skill – Mobile Companion App</a:t>
+            </a:r>
+            <a:endParaRPr lang="en-US" dirty="0"/>
+          </a:p>
+        </p:txBody>
+      </p:sp>
+      <p:sp>
+        <p:nvSpPr>
+          <p:cNvPr id="4" name="Rectangle 2"/>
+          <p:cNvSpPr>
+            <a:spLocks noChangeArrowheads="1"/>
+          </p:cNvSpPr>
+          <p:nvPr/>
+        </p:nvSpPr>
+        <p:spPr bwMode="auto">
+          <a:xfrm>
+            <a:off x="0" y="0"/>
+            <a:ext cx="9144000" cy="457200"/>
+          </a:xfrm>
+          <a:prstGeom prst="rect">
+            <a:avLst/>
+          </a:prstGeom>
+          <a:noFill/>
+          <a:ln>
+            <a:noFill/>
+          </a:ln>
+          <a:effectLst/>
+          <a:extLst>
+            <a:ext uri="{909E8E84-426E-40DD-AFC4-6F175D3DCCD1}">
+              <a14:hiddenFill xmlns="" xmlns:a14="http://schemas.microsoft.com/office/drawing/2010/main">
+                <a:solidFill>
+                  <a:schemeClr val="accent1"/>
+                </a:solidFill>
+              </a14:hiddenFill>
+            </a:ext>
+            <a:ext uri="{91240B29-F687-4F45-9708-019B960494DF}">
+              <a14:hiddenLine xmlns="" xmlns:a14="http://schemas.microsoft.com/office/drawing/2010/main" w="9525">
+                <a:solidFill>
+                  <a:schemeClr val="tx1"/>
+                </a:solidFill>
+                <a:miter lim="800000"/>
+                <a:headEnd/>
+                <a:tailEnd/>
+              </a14:hiddenLine>
+            </a:ext>
+            <a:ext uri="{AF507438-7753-43E0-B8FC-AC1667EBCBE1}">
+              <a14:hiddenEffects xmlns="" xmlns:a14="http://schemas.microsoft.com/office/drawing/2010/main">
+                <a:effectLst>
+                  <a:outerShdw dist="35921" dir="2700000" algn="ctr" rotWithShape="0">
+                    <a:schemeClr val="bg2"/>
+                  </a:outerShdw>
+                </a:effectLst>
+              </a14:hiddenEffects>
+            </a:ext>
+          </a:extLst>
+        </p:spPr>
+        <p:txBody>
+          <a:bodyPr vert="horz" wrap="none" lIns="91440" tIns="45720" rIns="91440" bIns="45720" numCol="1" anchor="ctr" anchorCtr="0" compatLnSpc="1">
+            <a:prstTxWarp prst="textNoShape">
+              <a:avLst/>
+            </a:prstTxWarp>
+            <a:spAutoFit/>
+          </a:bodyPr>
+          <a:lstStyle/>
+          <a:p>
+            <a:endParaRPr lang="en-US"/>
+          </a:p>
+        </p:txBody>
+      </p:sp>
+      <p:pic>
+        <p:nvPicPr>
+          <p:cNvPr id="1027" name="Picture 3" descr="D:\Beu's Backup\react\Screenshot_20190810-100652_Amazon Alexa (1).jpg"/>
+          <p:cNvPicPr>
+            <a:picLocks noChangeAspect="1" noChangeArrowheads="1"/>
+          </p:cNvPicPr>
+          <p:nvPr/>
+        </p:nvPicPr>
+        <p:blipFill>
+          <a:blip r:embed="rId2" cstate="print"/>
+          <a:srcRect/>
+          <a:stretch>
+            <a:fillRect/>
+          </a:stretch>
+        </p:blipFill>
+        <p:spPr bwMode="auto">
+          <a:xfrm>
+            <a:off x="3977233" y="672262"/>
+            <a:ext cx="2717482" cy="5585935"/>
+          </a:xfrm>
+          <a:prstGeom prst="rect">
+            <a:avLst/>
+          </a:prstGeom>
+          <a:noFill/>
+        </p:spPr>
+      </p:pic>
+    </p:spTree>
+    <p:extLst>
+      <p:ext uri="{BB962C8B-B14F-4D97-AF65-F5344CB8AC3E}">
+        <p14:creationId xmlns="" xmlns:p14="http://schemas.microsoft.com/office/powerpoint/2010/main" val="3104639109"/>
+      </p:ext>
+    </p:extLst>
+  </p:cSld>
+  <p:clrMapOvr>
+    <a:masterClrMapping/>
+  </p:clrMapOvr>
+</p:sld>
+</file>
+
+<file path=ppt/slides/slide32.xml><?xml version="1.0" encoding="utf-8"?>
+<p:sld xmlns:a="http://schemas.openxmlformats.org/drawingml/2006/main" xmlns:r="http://schemas.openxmlformats.org/officeDocument/2006/relationships" xmlns:p="http://schemas.openxmlformats.org/presentationml/2006/main">
+  <p:cSld>
+    <p:spTree>
+      <p:nvGrpSpPr>
+        <p:cNvPr id="1" name=""/>
+        <p:cNvGrpSpPr/>
+        <p:nvPr/>
+      </p:nvGrpSpPr>
+      <p:grpSpPr>
+        <a:xfrm>
+          <a:off x="0" y="0"/>
+          <a:ext cx="0" cy="0"/>
+          <a:chOff x="0" y="0"/>
+          <a:chExt cx="0" cy="0"/>
+        </a:xfrm>
+      </p:grpSpPr>
+      <p:sp>
+        <p:nvSpPr>
+          <p:cNvPr id="2" name="Content Placeholder 1"/>
+          <p:cNvSpPr>
+            <a:spLocks noGrp="1"/>
+          </p:cNvSpPr>
+          <p:nvPr>
+            <p:ph idx="1"/>
+          </p:nvPr>
+        </p:nvSpPr>
+        <p:spPr/>
+        <p:txBody>
+          <a:bodyPr/>
+          <a:lstStyle/>
+          <a:p>
+            <a:r>
+              <a:rPr lang="en-US" dirty="0" smtClean="0"/>
+              <a:t>Screenshots (if any)</a:t>
+            </a:r>
+            <a:endParaRPr lang="en-US" dirty="0"/>
+          </a:p>
+        </p:txBody>
+      </p:sp>
+      <p:sp>
+        <p:nvSpPr>
+          <p:cNvPr id="3" name="Title 2"/>
+          <p:cNvSpPr>
+            <a:spLocks noGrp="1"/>
+          </p:cNvSpPr>
+          <p:nvPr>
+            <p:ph type="title"/>
+          </p:nvPr>
+        </p:nvSpPr>
+        <p:spPr/>
+        <p:txBody>
+          <a:bodyPr>
+            <a:normAutofit/>
+          </a:bodyPr>
+          <a:lstStyle/>
+          <a:p>
+            <a:r>
+              <a:rPr lang="en-US" dirty="0" smtClean="0"/>
+              <a:t>TIAA </a:t>
+            </a:r>
+            <a:r>
+              <a:rPr lang="en-US" dirty="0" err="1" smtClean="0"/>
+              <a:t>Alexa</a:t>
+            </a:r>
+            <a:r>
+              <a:rPr lang="en-US" dirty="0" smtClean="0"/>
+              <a:t> Skill – Mobile Companion App – Linking Account</a:t>
+            </a:r>
+            <a:endParaRPr lang="en-US" dirty="0"/>
+          </a:p>
+        </p:txBody>
+      </p:sp>
+      <p:sp>
+        <p:nvSpPr>
+          <p:cNvPr id="4" name="Rectangle 2"/>
+          <p:cNvSpPr>
+            <a:spLocks noChangeArrowheads="1"/>
+          </p:cNvSpPr>
+          <p:nvPr/>
+        </p:nvSpPr>
+        <p:spPr bwMode="auto">
+          <a:xfrm>
+            <a:off x="0" y="0"/>
+            <a:ext cx="9144000" cy="457200"/>
+          </a:xfrm>
+          <a:prstGeom prst="rect">
+            <a:avLst/>
+          </a:prstGeom>
+          <a:noFill/>
+          <a:ln>
+            <a:noFill/>
+          </a:ln>
+          <a:effectLst/>
+          <a:extLst>
+            <a:ext uri="{909E8E84-426E-40DD-AFC4-6F175D3DCCD1}">
+              <a14:hiddenFill xmlns="" xmlns:a14="http://schemas.microsoft.com/office/drawing/2010/main">
+                <a:solidFill>
+                  <a:schemeClr val="accent1"/>
+                </a:solidFill>
+              </a14:hiddenFill>
+            </a:ext>
+            <a:ext uri="{91240B29-F687-4F45-9708-019B960494DF}">
+              <a14:hiddenLine xmlns="" xmlns:a14="http://schemas.microsoft.com/office/drawing/2010/main" w="9525">
+                <a:solidFill>
+                  <a:schemeClr val="tx1"/>
+                </a:solidFill>
+                <a:miter lim="800000"/>
+                <a:headEnd/>
+                <a:tailEnd/>
+              </a14:hiddenLine>
+            </a:ext>
+            <a:ext uri="{AF507438-7753-43E0-B8FC-AC1667EBCBE1}">
+              <a14:hiddenEffects xmlns="" xmlns:a14="http://schemas.microsoft.com/office/drawing/2010/main">
+                <a:effectLst>
+                  <a:outerShdw dist="35921" dir="2700000" algn="ctr" rotWithShape="0">
+                    <a:schemeClr val="bg2"/>
+                  </a:outerShdw>
+                </a:effectLst>
+              </a14:hiddenEffects>
+            </a:ext>
+          </a:extLst>
+        </p:spPr>
+        <p:txBody>
+          <a:bodyPr vert="horz" wrap="none" lIns="91440" tIns="45720" rIns="91440" bIns="45720" numCol="1" anchor="ctr" anchorCtr="0" compatLnSpc="1">
+            <a:prstTxWarp prst="textNoShape">
+              <a:avLst/>
+            </a:prstTxWarp>
+            <a:spAutoFit/>
+          </a:bodyPr>
+          <a:lstStyle/>
+          <a:p>
+            <a:endParaRPr lang="en-US"/>
+          </a:p>
+        </p:txBody>
+      </p:sp>
+      <p:pic>
+        <p:nvPicPr>
+          <p:cNvPr id="2052" name="Picture 4" descr="D:\Beu's Backup\react\Screenshot_20190810-101013_Amazon Alexa.jpg"/>
+          <p:cNvPicPr>
+            <a:picLocks noChangeAspect="1" noChangeArrowheads="1"/>
+          </p:cNvPicPr>
+          <p:nvPr/>
+        </p:nvPicPr>
+        <p:blipFill>
+          <a:blip r:embed="rId2" cstate="print"/>
+          <a:srcRect/>
+          <a:stretch>
+            <a:fillRect/>
+          </a:stretch>
+        </p:blipFill>
+        <p:spPr bwMode="auto">
+          <a:xfrm>
+            <a:off x="4075382" y="671905"/>
+            <a:ext cx="2710770" cy="5572140"/>
+          </a:xfrm>
+          <a:prstGeom prst="rect">
+            <a:avLst/>
+          </a:prstGeom>
+          <a:noFill/>
+        </p:spPr>
+      </p:pic>
+    </p:spTree>
+    <p:extLst>
+      <p:ext uri="{BB962C8B-B14F-4D97-AF65-F5344CB8AC3E}">
+        <p14:creationId xmlns="" xmlns:p14="http://schemas.microsoft.com/office/powerpoint/2010/main" val="3104639109"/>
+      </p:ext>
+    </p:extLst>
+  </p:cSld>
+  <p:clrMapOvr>
+    <a:masterClrMapping/>
+  </p:clrMapOvr>
+</p:sld>
+</file>
+
+<file path=ppt/slides/slide33.xml><?xml version="1.0" encoding="utf-8"?>
+<p:sld xmlns:a="http://schemas.openxmlformats.org/drawingml/2006/main" xmlns:r="http://schemas.openxmlformats.org/officeDocument/2006/relationships" xmlns:p="http://schemas.openxmlformats.org/presentationml/2006/main">
+  <p:cSld>
+    <p:spTree>
+      <p:nvGrpSpPr>
+        <p:cNvPr id="1" name=""/>
+        <p:cNvGrpSpPr/>
+        <p:nvPr/>
+      </p:nvGrpSpPr>
+      <p:grpSpPr>
+        <a:xfrm>
+          <a:off x="0" y="0"/>
+          <a:ext cx="0" cy="0"/>
+          <a:chOff x="0" y="0"/>
+          <a:chExt cx="0" cy="0"/>
+        </a:xfrm>
+      </p:grpSpPr>
+      <p:sp>
+        <p:nvSpPr>
+          <p:cNvPr id="2" name="Content Placeholder 1"/>
+          <p:cNvSpPr>
+            <a:spLocks noGrp="1"/>
+          </p:cNvSpPr>
+          <p:nvPr>
+            <p:ph idx="1"/>
+          </p:nvPr>
+        </p:nvSpPr>
+        <p:spPr/>
+        <p:txBody>
+          <a:bodyPr/>
+          <a:lstStyle/>
+          <a:p>
+            <a:r>
+              <a:rPr lang="en-US" dirty="0" smtClean="0"/>
+              <a:t>Screenshots (if any)</a:t>
+            </a:r>
+            <a:endParaRPr lang="en-US" dirty="0"/>
+          </a:p>
+        </p:txBody>
+      </p:sp>
+      <p:sp>
+        <p:nvSpPr>
+          <p:cNvPr id="3" name="Title 2"/>
+          <p:cNvSpPr>
+            <a:spLocks noGrp="1"/>
+          </p:cNvSpPr>
+          <p:nvPr>
+            <p:ph type="title"/>
+          </p:nvPr>
+        </p:nvSpPr>
+        <p:spPr/>
+        <p:txBody>
+          <a:bodyPr>
+            <a:normAutofit/>
+          </a:bodyPr>
+          <a:lstStyle/>
+          <a:p>
+            <a:r>
+              <a:rPr lang="en-US" dirty="0" smtClean="0"/>
+              <a:t>TIAA </a:t>
+            </a:r>
+            <a:r>
+              <a:rPr lang="en-US" dirty="0" err="1" smtClean="0"/>
+              <a:t>Alexa</a:t>
+            </a:r>
+            <a:r>
+              <a:rPr lang="en-US" dirty="0" smtClean="0"/>
+              <a:t> Skill – Mobile Companion App </a:t>
+            </a:r>
+            <a:r>
+              <a:rPr lang="en-US" smtClean="0"/>
+              <a:t>– </a:t>
+            </a:r>
+            <a:r>
+              <a:rPr lang="en-US" smtClean="0"/>
+              <a:t>Trivia</a:t>
+            </a:r>
+            <a:endParaRPr lang="en-US" dirty="0"/>
+          </a:p>
+        </p:txBody>
+      </p:sp>
+      <p:sp>
+        <p:nvSpPr>
+          <p:cNvPr id="4" name="Rectangle 2"/>
+          <p:cNvSpPr>
+            <a:spLocks noChangeArrowheads="1"/>
+          </p:cNvSpPr>
+          <p:nvPr/>
+        </p:nvSpPr>
+        <p:spPr bwMode="auto">
+          <a:xfrm>
+            <a:off x="0" y="0"/>
+            <a:ext cx="9144000" cy="457200"/>
+          </a:xfrm>
+          <a:prstGeom prst="rect">
+            <a:avLst/>
+          </a:prstGeom>
+          <a:noFill/>
+          <a:ln>
+            <a:noFill/>
+          </a:ln>
+          <a:effectLst/>
+          <a:extLst>
+            <a:ext uri="{909E8E84-426E-40DD-AFC4-6F175D3DCCD1}">
+              <a14:hiddenFill xmlns="" xmlns:a14="http://schemas.microsoft.com/office/drawing/2010/main">
+                <a:solidFill>
+                  <a:schemeClr val="accent1"/>
+                </a:solidFill>
+              </a14:hiddenFill>
+            </a:ext>
+            <a:ext uri="{91240B29-F687-4F45-9708-019B960494DF}">
+              <a14:hiddenLine xmlns="" xmlns:a14="http://schemas.microsoft.com/office/drawing/2010/main" w="9525">
+                <a:solidFill>
+                  <a:schemeClr val="tx1"/>
+                </a:solidFill>
+                <a:miter lim="800000"/>
+                <a:headEnd/>
+                <a:tailEnd/>
+              </a14:hiddenLine>
+            </a:ext>
+            <a:ext uri="{AF507438-7753-43E0-B8FC-AC1667EBCBE1}">
+              <a14:hiddenEffects xmlns="" xmlns:a14="http://schemas.microsoft.com/office/drawing/2010/main">
+                <a:effectLst>
+                  <a:outerShdw dist="35921" dir="2700000" algn="ctr" rotWithShape="0">
+                    <a:schemeClr val="bg2"/>
+                  </a:outerShdw>
+                </a:effectLst>
+              </a14:hiddenEffects>
+            </a:ext>
+          </a:extLst>
+        </p:spPr>
+        <p:txBody>
+          <a:bodyPr vert="horz" wrap="none" lIns="91440" tIns="45720" rIns="91440" bIns="45720" numCol="1" anchor="ctr" anchorCtr="0" compatLnSpc="1">
+            <a:prstTxWarp prst="textNoShape">
+              <a:avLst/>
+            </a:prstTxWarp>
+            <a:spAutoFit/>
+          </a:bodyPr>
+          <a:lstStyle/>
+          <a:p>
+            <a:endParaRPr lang="en-US"/>
+          </a:p>
+        </p:txBody>
+      </p:sp>
+      <p:pic>
+        <p:nvPicPr>
+          <p:cNvPr id="3076" name="Picture 4" descr="C:\Users\Victor Joshua\Downloads\Screenshot_20190810-103158_Amazon Alexa.jpg"/>
+          <p:cNvPicPr>
+            <a:picLocks noChangeAspect="1" noChangeArrowheads="1"/>
+          </p:cNvPicPr>
+          <p:nvPr/>
+        </p:nvPicPr>
+        <p:blipFill>
+          <a:blip r:embed="rId2" cstate="print"/>
+          <a:srcRect/>
+          <a:stretch>
+            <a:fillRect/>
+          </a:stretch>
+        </p:blipFill>
+        <p:spPr bwMode="auto">
+          <a:xfrm>
+            <a:off x="3699118" y="569032"/>
+            <a:ext cx="2773526" cy="5701137"/>
+          </a:xfrm>
+          <a:prstGeom prst="rect">
+            <a:avLst/>
+          </a:prstGeom>
+          <a:noFill/>
+        </p:spPr>
+      </p:pic>
+    </p:spTree>
+    <p:extLst>
+      <p:ext uri="{BB962C8B-B14F-4D97-AF65-F5344CB8AC3E}">
+        <p14:creationId xmlns="" xmlns:p14="http://schemas.microsoft.com/office/powerpoint/2010/main" val="3104639109"/>
+      </p:ext>
+    </p:extLst>
+  </p:cSld>
+  <p:clrMapOvr>
+    <a:masterClrMapping/>
+  </p:clrMapOvr>
+</p:sld>
+</file>
+
+<file path=ppt/slides/slide34.xml><?xml version="1.0" encoding="utf-8"?>
 <p:sld xmlns:a="http://schemas.openxmlformats.org/drawingml/2006/main" xmlns:r="http://schemas.openxmlformats.org/officeDocument/2006/relationships" xmlns:p="http://schemas.openxmlformats.org/presentationml/2006/main">
   <p:cSld>
     <p:spTree>
@@ -31817,20 +32308,20 @@
     </p:spTree>
     <p:extLst>
       <p:ext uri="{BB962C8B-B14F-4D97-AF65-F5344CB8AC3E}">
-        <p14:creationId xmlns:p14="http://schemas.microsoft.com/office/powerpoint/2010/main" val="1658094072"/>
+        <p14:creationId xmlns="" xmlns:p14="http://schemas.microsoft.com/office/powerpoint/2010/main" val="1658094072"/>
       </p:ext>
     </p:extLst>
   </p:cSld>
   <p:clrMapOvr>
     <a:masterClrMapping/>
   </p:clrMapOvr>
-  <mc:AlternateContent xmlns:mc="http://schemas.openxmlformats.org/markup-compatibility/2006" xmlns:p15="http://schemas.microsoft.com/office/powerpoint/2012/main">
-    <mc:Choice Requires="p15">
+  <mc:AlternateContent xmlns:mc="http://schemas.openxmlformats.org/markup-compatibility/2006">
+    <mc:Choice xmlns="" xmlns:p15="http://schemas.microsoft.com/office/powerpoint/2012/main" Requires="p15">
       <p:transition xmlns:p14="http://schemas.microsoft.com/office/powerpoint/2010/main" spd="slow" p14:dur="1250">
         <p15:prstTrans prst="pageCurlDouble"/>
       </p:transition>
     </mc:Choice>
-    <mc:Fallback xmlns="">
+    <mc:Fallback>
       <p:transition spd="slow">
         <p:fade/>
       </p:transition>
@@ -33427,7 +33918,7 @@
           <p:cNvPr id="30" name="TextBox 29">
             <a:extLst>
               <a:ext uri="{FF2B5EF4-FFF2-40B4-BE49-F238E27FC236}">
-                <a16:creationId xmlns:a16="http://schemas.microsoft.com/office/drawing/2014/main" id="{3C287144-458D-47A4-929E-C834887CA039}"/>
+                <a16:creationId xmlns="" xmlns:a16="http://schemas.microsoft.com/office/drawing/2014/main" id="{3C287144-458D-47A4-929E-C834887CA039}"/>
               </a:ext>
             </a:extLst>
           </p:cNvPr>
@@ -33468,7 +33959,7 @@
           <p:cNvPr id="31" name="TextBox 30">
             <a:extLst>
               <a:ext uri="{FF2B5EF4-FFF2-40B4-BE49-F238E27FC236}">
-                <a16:creationId xmlns:a16="http://schemas.microsoft.com/office/drawing/2014/main" id="{0DB609A8-ACA5-449D-9050-E714CB33C032}"/>
+                <a16:creationId xmlns="" xmlns:a16="http://schemas.microsoft.com/office/drawing/2014/main" id="{0DB609A8-ACA5-449D-9050-E714CB33C032}"/>
               </a:ext>
             </a:extLst>
           </p:cNvPr>
@@ -33508,7 +33999,7 @@
           <p:cNvPr id="34" name="TextBox 33">
             <a:extLst>
               <a:ext uri="{FF2B5EF4-FFF2-40B4-BE49-F238E27FC236}">
-                <a16:creationId xmlns:a16="http://schemas.microsoft.com/office/drawing/2014/main" id="{723B68D3-2810-434B-B53F-00829AEC4E99}"/>
+                <a16:creationId xmlns="" xmlns:a16="http://schemas.microsoft.com/office/drawing/2014/main" id="{723B68D3-2810-434B-B53F-00829AEC4E99}"/>
               </a:ext>
             </a:extLst>
           </p:cNvPr>
@@ -33550,7 +34041,7 @@
           <p:cNvPr id="36" name="TextBox 35">
             <a:extLst>
               <a:ext uri="{FF2B5EF4-FFF2-40B4-BE49-F238E27FC236}">
-                <a16:creationId xmlns:a16="http://schemas.microsoft.com/office/drawing/2014/main" id="{D0157DA0-2324-42B2-8B02-93726D5C3546}"/>
+                <a16:creationId xmlns="" xmlns:a16="http://schemas.microsoft.com/office/drawing/2014/main" id="{D0157DA0-2324-42B2-8B02-93726D5C3546}"/>
               </a:ext>
             </a:extLst>
           </p:cNvPr>
@@ -33600,7 +34091,7 @@
           <p:cNvPr id="37" name="TextBox 36">
             <a:extLst>
               <a:ext uri="{FF2B5EF4-FFF2-40B4-BE49-F238E27FC236}">
-                <a16:creationId xmlns:a16="http://schemas.microsoft.com/office/drawing/2014/main" id="{723B68D3-2810-434B-B53F-00829AEC4E99}"/>
+                <a16:creationId xmlns="" xmlns:a16="http://schemas.microsoft.com/office/drawing/2014/main" id="{723B68D3-2810-434B-B53F-00829AEC4E99}"/>
               </a:ext>
             </a:extLst>
           </p:cNvPr>
@@ -33640,7 +34131,7 @@
           <p:cNvPr id="39" name="TextBox 38">
             <a:extLst>
               <a:ext uri="{FF2B5EF4-FFF2-40B4-BE49-F238E27FC236}">
-                <a16:creationId xmlns:a16="http://schemas.microsoft.com/office/drawing/2014/main" id="{D0157DA0-2324-42B2-8B02-93726D5C3546}"/>
+                <a16:creationId xmlns="" xmlns:a16="http://schemas.microsoft.com/office/drawing/2014/main" id="{D0157DA0-2324-42B2-8B02-93726D5C3546}"/>
               </a:ext>
             </a:extLst>
           </p:cNvPr>
@@ -33681,7 +34172,7 @@
           <p:cNvPr id="40" name="TextBox 39">
             <a:extLst>
               <a:ext uri="{FF2B5EF4-FFF2-40B4-BE49-F238E27FC236}">
-                <a16:creationId xmlns:a16="http://schemas.microsoft.com/office/drawing/2014/main" id="{723B68D3-2810-434B-B53F-00829AEC4E99}"/>
+                <a16:creationId xmlns="" xmlns:a16="http://schemas.microsoft.com/office/drawing/2014/main" id="{723B68D3-2810-434B-B53F-00829AEC4E99}"/>
               </a:ext>
             </a:extLst>
           </p:cNvPr>
@@ -33721,7 +34212,7 @@
           <p:cNvPr id="42" name="TextBox 41">
             <a:extLst>
               <a:ext uri="{FF2B5EF4-FFF2-40B4-BE49-F238E27FC236}">
-                <a16:creationId xmlns:a16="http://schemas.microsoft.com/office/drawing/2014/main" id="{7CDA468F-F7FF-4539-BF5B-E8904B623984}"/>
+                <a16:creationId xmlns="" xmlns:a16="http://schemas.microsoft.com/office/drawing/2014/main" id="{7CDA468F-F7FF-4539-BF5B-E8904B623984}"/>
               </a:ext>
             </a:extLst>
           </p:cNvPr>
@@ -33762,7 +34253,7 @@
           <p:cNvPr id="43" name="TextBox 42">
             <a:extLst>
               <a:ext uri="{FF2B5EF4-FFF2-40B4-BE49-F238E27FC236}">
-                <a16:creationId xmlns:a16="http://schemas.microsoft.com/office/drawing/2014/main" id="{788FCAB3-1945-4376-BFD4-31A04D7C5AD5}"/>
+                <a16:creationId xmlns="" xmlns:a16="http://schemas.microsoft.com/office/drawing/2014/main" id="{788FCAB3-1945-4376-BFD4-31A04D7C5AD5}"/>
               </a:ext>
             </a:extLst>
           </p:cNvPr>
@@ -33975,7 +34466,7 @@
           <p:cNvPr id="29" name="TextBox 28">
             <a:extLst>
               <a:ext uri="{FF2B5EF4-FFF2-40B4-BE49-F238E27FC236}">
-                <a16:creationId xmlns:a16="http://schemas.microsoft.com/office/drawing/2014/main" id="{D0157DA0-2324-42B2-8B02-93726D5C3546}"/>
+                <a16:creationId xmlns="" xmlns:a16="http://schemas.microsoft.com/office/drawing/2014/main" id="{D0157DA0-2324-42B2-8B02-93726D5C3546}"/>
               </a:ext>
             </a:extLst>
           </p:cNvPr>
@@ -34023,20 +34514,20 @@
     </p:spTree>
     <p:extLst>
       <p:ext uri="{BB962C8B-B14F-4D97-AF65-F5344CB8AC3E}">
-        <p14:creationId xmlns:p14="http://schemas.microsoft.com/office/powerpoint/2010/main" val="3953468505"/>
+        <p14:creationId xmlns="" xmlns:p14="http://schemas.microsoft.com/office/powerpoint/2010/main" val="3953468505"/>
       </p:ext>
     </p:extLst>
   </p:cSld>
   <p:clrMapOvr>
     <a:masterClrMapping/>
   </p:clrMapOvr>
-  <mc:AlternateContent xmlns:mc="http://schemas.openxmlformats.org/markup-compatibility/2006" xmlns:p15="http://schemas.microsoft.com/office/powerpoint/2012/main">
-    <mc:Choice Requires="p15">
+  <mc:AlternateContent xmlns:mc="http://schemas.openxmlformats.org/markup-compatibility/2006">
+    <mc:Choice xmlns="" xmlns:p15="http://schemas.microsoft.com/office/powerpoint/2012/main" Requires="p15">
       <p:transition xmlns:p14="http://schemas.microsoft.com/office/powerpoint/2010/main" spd="slow" p14:dur="1250">
         <p15:prstTrans prst="pageCurlDouble"/>
       </p:transition>
     </mc:Choice>
-    <mc:Fallback xmlns="">
+    <mc:Fallback>
       <p:transition spd="slow">
         <p:fade/>
       </p:transition>
@@ -35603,7 +36094,7 @@
           <p:cNvPr id="30" name="TextBox 29">
             <a:extLst>
               <a:ext uri="{FF2B5EF4-FFF2-40B4-BE49-F238E27FC236}">
-                <a16:creationId xmlns:a16="http://schemas.microsoft.com/office/drawing/2014/main" id="{3C287144-458D-47A4-929E-C834887CA039}"/>
+                <a16:creationId xmlns="" xmlns:a16="http://schemas.microsoft.com/office/drawing/2014/main" id="{3C287144-458D-47A4-929E-C834887CA039}"/>
               </a:ext>
             </a:extLst>
           </p:cNvPr>
@@ -35644,7 +36135,7 @@
           <p:cNvPr id="31" name="TextBox 30">
             <a:extLst>
               <a:ext uri="{FF2B5EF4-FFF2-40B4-BE49-F238E27FC236}">
-                <a16:creationId xmlns:a16="http://schemas.microsoft.com/office/drawing/2014/main" id="{0DB609A8-ACA5-449D-9050-E714CB33C032}"/>
+                <a16:creationId xmlns="" xmlns:a16="http://schemas.microsoft.com/office/drawing/2014/main" id="{0DB609A8-ACA5-449D-9050-E714CB33C032}"/>
               </a:ext>
             </a:extLst>
           </p:cNvPr>
@@ -35684,7 +36175,7 @@
           <p:cNvPr id="34" name="TextBox 33">
             <a:extLst>
               <a:ext uri="{FF2B5EF4-FFF2-40B4-BE49-F238E27FC236}">
-                <a16:creationId xmlns:a16="http://schemas.microsoft.com/office/drawing/2014/main" id="{723B68D3-2810-434B-B53F-00829AEC4E99}"/>
+                <a16:creationId xmlns="" xmlns:a16="http://schemas.microsoft.com/office/drawing/2014/main" id="{723B68D3-2810-434B-B53F-00829AEC4E99}"/>
               </a:ext>
             </a:extLst>
           </p:cNvPr>
@@ -35730,7 +36221,7 @@
           <p:cNvPr id="36" name="TextBox 35">
             <a:extLst>
               <a:ext uri="{FF2B5EF4-FFF2-40B4-BE49-F238E27FC236}">
-                <a16:creationId xmlns:a16="http://schemas.microsoft.com/office/drawing/2014/main" id="{D0157DA0-2324-42B2-8B02-93726D5C3546}"/>
+                <a16:creationId xmlns="" xmlns:a16="http://schemas.microsoft.com/office/drawing/2014/main" id="{D0157DA0-2324-42B2-8B02-93726D5C3546}"/>
               </a:ext>
             </a:extLst>
           </p:cNvPr>
@@ -35777,7 +36268,7 @@
           <p:cNvPr id="37" name="TextBox 36">
             <a:extLst>
               <a:ext uri="{FF2B5EF4-FFF2-40B4-BE49-F238E27FC236}">
-                <a16:creationId xmlns:a16="http://schemas.microsoft.com/office/drawing/2014/main" id="{723B68D3-2810-434B-B53F-00829AEC4E99}"/>
+                <a16:creationId xmlns="" xmlns:a16="http://schemas.microsoft.com/office/drawing/2014/main" id="{723B68D3-2810-434B-B53F-00829AEC4E99}"/>
               </a:ext>
             </a:extLst>
           </p:cNvPr>
@@ -35823,7 +36314,7 @@
           <p:cNvPr id="39" name="TextBox 38">
             <a:extLst>
               <a:ext uri="{FF2B5EF4-FFF2-40B4-BE49-F238E27FC236}">
-                <a16:creationId xmlns:a16="http://schemas.microsoft.com/office/drawing/2014/main" id="{D0157DA0-2324-42B2-8B02-93726D5C3546}"/>
+                <a16:creationId xmlns="" xmlns:a16="http://schemas.microsoft.com/office/drawing/2014/main" id="{D0157DA0-2324-42B2-8B02-93726D5C3546}"/>
               </a:ext>
             </a:extLst>
           </p:cNvPr>
@@ -35870,7 +36361,7 @@
           <p:cNvPr id="40" name="TextBox 39">
             <a:extLst>
               <a:ext uri="{FF2B5EF4-FFF2-40B4-BE49-F238E27FC236}">
-                <a16:creationId xmlns:a16="http://schemas.microsoft.com/office/drawing/2014/main" id="{723B68D3-2810-434B-B53F-00829AEC4E99}"/>
+                <a16:creationId xmlns="" xmlns:a16="http://schemas.microsoft.com/office/drawing/2014/main" id="{723B68D3-2810-434B-B53F-00829AEC4E99}"/>
               </a:ext>
             </a:extLst>
           </p:cNvPr>
@@ -35934,7 +36425,7 @@
           <p:cNvPr id="42" name="TextBox 41">
             <a:extLst>
               <a:ext uri="{FF2B5EF4-FFF2-40B4-BE49-F238E27FC236}">
-                <a16:creationId xmlns:a16="http://schemas.microsoft.com/office/drawing/2014/main" id="{7CDA468F-F7FF-4539-BF5B-E8904B623984}"/>
+                <a16:creationId xmlns="" xmlns:a16="http://schemas.microsoft.com/office/drawing/2014/main" id="{7CDA468F-F7FF-4539-BF5B-E8904B623984}"/>
               </a:ext>
             </a:extLst>
           </p:cNvPr>
@@ -35981,7 +36472,7 @@
           <p:cNvPr id="43" name="TextBox 42">
             <a:extLst>
               <a:ext uri="{FF2B5EF4-FFF2-40B4-BE49-F238E27FC236}">
-                <a16:creationId xmlns:a16="http://schemas.microsoft.com/office/drawing/2014/main" id="{788FCAB3-1945-4376-BFD4-31A04D7C5AD5}"/>
+                <a16:creationId xmlns="" xmlns:a16="http://schemas.microsoft.com/office/drawing/2014/main" id="{788FCAB3-1945-4376-BFD4-31A04D7C5AD5}"/>
               </a:ext>
             </a:extLst>
           </p:cNvPr>
@@ -36196,7 +36687,7 @@
           <p:cNvPr id="56" name="TextBox 55">
             <a:extLst>
               <a:ext uri="{FF2B5EF4-FFF2-40B4-BE49-F238E27FC236}">
-                <a16:creationId xmlns:a16="http://schemas.microsoft.com/office/drawing/2014/main" id="{D0157DA0-2324-42B2-8B02-93726D5C3546}"/>
+                <a16:creationId xmlns="" xmlns:a16="http://schemas.microsoft.com/office/drawing/2014/main" id="{D0157DA0-2324-42B2-8B02-93726D5C3546}"/>
               </a:ext>
             </a:extLst>
           </p:cNvPr>
@@ -36241,20 +36732,20 @@
     </p:spTree>
     <p:extLst>
       <p:ext uri="{BB962C8B-B14F-4D97-AF65-F5344CB8AC3E}">
-        <p14:creationId xmlns:p14="http://schemas.microsoft.com/office/powerpoint/2010/main" val="2888818518"/>
+        <p14:creationId xmlns="" xmlns:p14="http://schemas.microsoft.com/office/powerpoint/2010/main" val="2888818518"/>
       </p:ext>
     </p:extLst>
   </p:cSld>
   <p:clrMapOvr>
     <a:masterClrMapping/>
   </p:clrMapOvr>
-  <mc:AlternateContent xmlns:mc="http://schemas.openxmlformats.org/markup-compatibility/2006" xmlns:p15="http://schemas.microsoft.com/office/powerpoint/2012/main">
-    <mc:Choice Requires="p15">
+  <mc:AlternateContent xmlns:mc="http://schemas.openxmlformats.org/markup-compatibility/2006">
+    <mc:Choice xmlns="" xmlns:p15="http://schemas.microsoft.com/office/powerpoint/2012/main" Requires="p15">
       <p:transition xmlns:p14="http://schemas.microsoft.com/office/powerpoint/2010/main" spd="slow" p14:dur="1250">
         <p15:prstTrans prst="pageCurlDouble"/>
       </p:transition>
     </mc:Choice>
-    <mc:Fallback xmlns="">
+    <mc:Fallback>
       <p:transition spd="slow">
         <p:fade/>
       </p:transition>
@@ -36440,20 +36931,20 @@
     </p:spTree>
     <p:extLst>
       <p:ext uri="{BB962C8B-B14F-4D97-AF65-F5344CB8AC3E}">
-        <p14:creationId xmlns:p14="http://schemas.microsoft.com/office/powerpoint/2010/main" val="127242977"/>
+        <p14:creationId xmlns="" xmlns:p14="http://schemas.microsoft.com/office/powerpoint/2010/main" val="127242977"/>
       </p:ext>
     </p:extLst>
   </p:cSld>
   <p:clrMapOvr>
     <a:masterClrMapping/>
   </p:clrMapOvr>
-  <mc:AlternateContent xmlns:mc="http://schemas.openxmlformats.org/markup-compatibility/2006" xmlns:p15="http://schemas.microsoft.com/office/powerpoint/2012/main">
-    <mc:Choice Requires="p15">
+  <mc:AlternateContent xmlns:mc="http://schemas.openxmlformats.org/markup-compatibility/2006">
+    <mc:Choice xmlns="" xmlns:p15="http://schemas.microsoft.com/office/powerpoint/2012/main" Requires="p15">
       <p:transition xmlns:p14="http://schemas.microsoft.com/office/powerpoint/2010/main" spd="slow" p14:dur="1250">
         <p15:prstTrans prst="pageCurlDouble"/>
       </p:transition>
     </mc:Choice>
-    <mc:Fallback xmlns="">
+    <mc:Fallback>
       <p:transition spd="slow">
         <p:fade/>
       </p:transition>
@@ -36820,7 +37311,19 @@
             </a:r>
             <a:r>
               <a:rPr lang="en-US" sz="1200" dirty="0"/>
-              <a:t>TIAA Alexa Skill is the application that gives the ability to Alexa to understand the user intents issued in the form of voice commands</a:t>
+              <a:t>TIAA Alexa Skill is the application that gives </a:t>
+            </a:r>
+            <a:r>
+              <a:rPr lang="en-US" sz="1200" dirty="0" err="1" smtClean="0"/>
+              <a:t>Alexa</a:t>
+            </a:r>
+            <a:r>
+              <a:rPr lang="en-US" sz="1200" dirty="0" smtClean="0"/>
+              <a:t> the ability </a:t>
+            </a:r>
+            <a:r>
+              <a:rPr lang="en-US" sz="1200" dirty="0"/>
+              <a:t>to understand the user intents issued in the form of voice commands</a:t>
             </a:r>
             <a:r>
               <a:rPr lang="en-US" sz="1200" dirty="0" smtClean="0"/>
@@ -36997,7 +37500,7 @@
         </p:nvSpPr>
         <p:spPr>
           <a:xfrm>
-            <a:off x="262214" y="3636389"/>
+            <a:off x="262214" y="3544948"/>
             <a:ext cx="1559744" cy="310176"/>
           </a:xfrm>
           <a:prstGeom prst="homePlate">
@@ -37043,7 +37546,7 @@
         </p:nvSpPr>
         <p:spPr>
           <a:xfrm>
-            <a:off x="257045" y="3633642"/>
+            <a:off x="257045" y="3568328"/>
             <a:ext cx="2443293" cy="723275"/>
           </a:xfrm>
           <a:prstGeom prst="rect">
@@ -37090,7 +37593,7 @@
         </p:nvSpPr>
         <p:spPr>
           <a:xfrm>
-            <a:off x="2795145" y="3664099"/>
+            <a:off x="2795145" y="3572658"/>
             <a:ext cx="1711541" cy="282466"/>
           </a:xfrm>
           <a:prstGeom prst="homePlate">
@@ -37136,7 +37639,7 @@
         </p:nvSpPr>
         <p:spPr>
           <a:xfrm>
-            <a:off x="2796523" y="3636389"/>
+            <a:off x="2796523" y="3571074"/>
             <a:ext cx="6347477" cy="2769989"/>
           </a:xfrm>
           <a:prstGeom prst="rect">
@@ -37292,7 +37795,7 @@
           <a:blip r:embed="rId2" cstate="print">
             <a:extLst>
               <a:ext uri="{28A0092B-C50C-407E-A947-70E740481C1C}">
-                <a14:useLocalDpi xmlns:a14="http://schemas.microsoft.com/office/drawing/2010/main" val="0"/>
+                <a14:useLocalDpi xmlns="" xmlns:a14="http://schemas.microsoft.com/office/drawing/2010/main" val="0"/>
               </a:ext>
             </a:extLst>
           </a:blip>
@@ -37322,7 +37825,7 @@
           <a:blip r:embed="rId3" cstate="print">
             <a:extLst>
               <a:ext uri="{28A0092B-C50C-407E-A947-70E740481C1C}">
-                <a14:useLocalDpi xmlns:a14="http://schemas.microsoft.com/office/drawing/2010/main" val="0"/>
+                <a14:useLocalDpi xmlns="" xmlns:a14="http://schemas.microsoft.com/office/drawing/2010/main" val="0"/>
               </a:ext>
             </a:extLst>
           </a:blip>
@@ -37349,7 +37852,7 @@
           <p:nvPr/>
         </p:nvPicPr>
         <p:blipFill>
-          <a:blip r:embed="rId4"/>
+          <a:blip r:embed="rId4" cstate="print"/>
           <a:stretch>
             <a:fillRect/>
           </a:stretch>
@@ -37376,7 +37879,7 @@
           <a:blip r:embed="rId5" cstate="print">
             <a:extLst>
               <a:ext uri="{28A0092B-C50C-407E-A947-70E740481C1C}">
-                <a14:useLocalDpi xmlns:a14="http://schemas.microsoft.com/office/drawing/2010/main" val="0"/>
+                <a14:useLocalDpi xmlns="" xmlns:a14="http://schemas.microsoft.com/office/drawing/2010/main" val="0"/>
               </a:ext>
             </a:extLst>
           </a:blip>
@@ -37406,7 +37909,7 @@
           <a:blip r:embed="rId6" cstate="print">
             <a:extLst>
               <a:ext uri="{28A0092B-C50C-407E-A947-70E740481C1C}">
-                <a14:useLocalDpi xmlns:a14="http://schemas.microsoft.com/office/drawing/2010/main" val="0"/>
+                <a14:useLocalDpi xmlns="" xmlns:a14="http://schemas.microsoft.com/office/drawing/2010/main" val="0"/>
               </a:ext>
             </a:extLst>
           </a:blip>
@@ -37427,20 +37930,20 @@
     </p:spTree>
     <p:extLst>
       <p:ext uri="{BB962C8B-B14F-4D97-AF65-F5344CB8AC3E}">
-        <p14:creationId xmlns:p14="http://schemas.microsoft.com/office/powerpoint/2010/main" val="3966218742"/>
+        <p14:creationId xmlns="" xmlns:p14="http://schemas.microsoft.com/office/powerpoint/2010/main" val="3966218742"/>
       </p:ext>
     </p:extLst>
   </p:cSld>
   <p:clrMapOvr>
     <a:masterClrMapping/>
   </p:clrMapOvr>
-  <mc:AlternateContent xmlns:mc="http://schemas.openxmlformats.org/markup-compatibility/2006" xmlns:p15="http://schemas.microsoft.com/office/powerpoint/2012/main">
-    <mc:Choice Requires="p15">
+  <mc:AlternateContent xmlns:mc="http://schemas.openxmlformats.org/markup-compatibility/2006">
+    <mc:Choice xmlns="" xmlns:p15="http://schemas.microsoft.com/office/powerpoint/2012/main" Requires="p15">
       <p:transition xmlns:p14="http://schemas.microsoft.com/office/powerpoint/2010/main" spd="slow" p14:dur="1250">
         <p15:prstTrans prst="pageCurlDouble"/>
       </p:transition>
     </mc:Choice>
-    <mc:Fallback xmlns="">
+    <mc:Fallback>
       <p:transition spd="slow">
         <p:fade/>
       </p:transition>
@@ -37965,7 +38468,7 @@
           <a:blip r:embed="rId2">
             <a:extLst>
               <a:ext uri="{28A0092B-C50C-407E-A947-70E740481C1C}">
-                <a14:useLocalDpi xmlns:a14="http://schemas.microsoft.com/office/drawing/2010/main" val="0"/>
+                <a14:useLocalDpi xmlns="" xmlns:a14="http://schemas.microsoft.com/office/drawing/2010/main" val="0"/>
               </a:ext>
             </a:extLst>
           </a:blip>
@@ -37988,14 +38491,14 @@
           </a:ln>
           <a:extLst>
             <a:ext uri="{909E8E84-426E-40DD-AFC4-6F175D3DCCD1}">
-              <a14:hiddenFill xmlns:a14="http://schemas.microsoft.com/office/drawing/2010/main">
+              <a14:hiddenFill xmlns="" xmlns:a14="http://schemas.microsoft.com/office/drawing/2010/main">
                 <a:solidFill>
                   <a:srgbClr val="FFFFFF"/>
                 </a:solidFill>
               </a14:hiddenFill>
             </a:ext>
             <a:ext uri="{91240B29-F687-4F45-9708-019B960494DF}">
-              <a14:hiddenLine xmlns:a14="http://schemas.microsoft.com/office/drawing/2010/main" w="9525">
+              <a14:hiddenLine xmlns="" xmlns:a14="http://schemas.microsoft.com/office/drawing/2010/main" w="9525">
                 <a:solidFill>
                   <a:srgbClr val="000000"/>
                 </a:solidFill>
@@ -38019,7 +38522,7 @@
           <a:blip r:embed="rId3">
             <a:extLst>
               <a:ext uri="{28A0092B-C50C-407E-A947-70E740481C1C}">
-                <a14:useLocalDpi xmlns:a14="http://schemas.microsoft.com/office/drawing/2010/main" val="0"/>
+                <a14:useLocalDpi xmlns="" xmlns:a14="http://schemas.microsoft.com/office/drawing/2010/main" val="0"/>
               </a:ext>
             </a:extLst>
           </a:blip>
@@ -38042,14 +38545,14 @@
           </a:ln>
           <a:extLst>
             <a:ext uri="{909E8E84-426E-40DD-AFC4-6F175D3DCCD1}">
-              <a14:hiddenFill xmlns:a14="http://schemas.microsoft.com/office/drawing/2010/main">
+              <a14:hiddenFill xmlns="" xmlns:a14="http://schemas.microsoft.com/office/drawing/2010/main">
                 <a:solidFill>
                   <a:srgbClr val="FFFFFF"/>
                 </a:solidFill>
               </a14:hiddenFill>
             </a:ext>
             <a:ext uri="{91240B29-F687-4F45-9708-019B960494DF}">
-              <a14:hiddenLine xmlns:a14="http://schemas.microsoft.com/office/drawing/2010/main" w="9525">
+              <a14:hiddenLine xmlns="" xmlns:a14="http://schemas.microsoft.com/office/drawing/2010/main" w="9525">
                 <a:solidFill>
                   <a:srgbClr val="000000"/>
                 </a:solidFill>
@@ -38064,20 +38567,20 @@
     </p:spTree>
     <p:extLst>
       <p:ext uri="{BB962C8B-B14F-4D97-AF65-F5344CB8AC3E}">
-        <p14:creationId xmlns:p14="http://schemas.microsoft.com/office/powerpoint/2010/main" val="1325573067"/>
+        <p14:creationId xmlns="" xmlns:p14="http://schemas.microsoft.com/office/powerpoint/2010/main" val="1325573067"/>
       </p:ext>
     </p:extLst>
   </p:cSld>
   <p:clrMapOvr>
     <a:masterClrMapping/>
   </p:clrMapOvr>
-  <mc:AlternateContent xmlns:mc="http://schemas.openxmlformats.org/markup-compatibility/2006" xmlns:p15="http://schemas.microsoft.com/office/powerpoint/2012/main">
-    <mc:Choice Requires="p15">
+  <mc:AlternateContent xmlns:mc="http://schemas.openxmlformats.org/markup-compatibility/2006">
+    <mc:Choice xmlns="" xmlns:p15="http://schemas.microsoft.com/office/powerpoint/2012/main" Requires="p15">
       <p:transition xmlns:p14="http://schemas.microsoft.com/office/powerpoint/2010/main" spd="slow" p14:dur="1250">
         <p15:prstTrans prst="pageCurlDouble"/>
       </p:transition>
     </mc:Choice>
-    <mc:Fallback xmlns="">
+    <mc:Fallback>
       <p:transition spd="slow">
         <p:fade/>
       </p:transition>
@@ -38563,7 +39066,23 @@
                   <a:schemeClr val="bg1"/>
                 </a:solidFill>
               </a:rPr>
-              <a:t>skill without first linking their </a:t>
+              <a:t>skill </a:t>
+            </a:r>
+            <a:r>
+              <a:rPr lang="en-US" sz="1200" dirty="0" smtClean="0">
+                <a:solidFill>
+                  <a:schemeClr val="bg1"/>
+                </a:solidFill>
+              </a:rPr>
+              <a:t>without first </a:t>
+            </a:r>
+            <a:r>
+              <a:rPr lang="en-US" sz="1200" dirty="0">
+                <a:solidFill>
+                  <a:schemeClr val="bg1"/>
+                </a:solidFill>
+              </a:rPr>
+              <a:t>linking their </a:t>
             </a:r>
             <a:r>
               <a:rPr lang="en-US" sz="1200" dirty="0" smtClean="0">
@@ -38610,7 +39129,7 @@
           <a:blip r:embed="rId2">
             <a:extLst>
               <a:ext uri="{28A0092B-C50C-407E-A947-70E740481C1C}">
-                <a14:useLocalDpi xmlns:a14="http://schemas.microsoft.com/office/drawing/2010/main" val="0"/>
+                <a14:useLocalDpi xmlns="" xmlns:a14="http://schemas.microsoft.com/office/drawing/2010/main" val="0"/>
               </a:ext>
             </a:extLst>
           </a:blip>
@@ -38631,14 +39150,14 @@
           </a:ln>
           <a:extLst>
             <a:ext uri="{909E8E84-426E-40DD-AFC4-6F175D3DCCD1}">
-              <a14:hiddenFill xmlns:a14="http://schemas.microsoft.com/office/drawing/2010/main">
+              <a14:hiddenFill xmlns="" xmlns:a14="http://schemas.microsoft.com/office/drawing/2010/main">
                 <a:solidFill>
                   <a:srgbClr val="FFFFFF"/>
                 </a:solidFill>
               </a14:hiddenFill>
             </a:ext>
             <a:ext uri="{91240B29-F687-4F45-9708-019B960494DF}">
-              <a14:hiddenLine xmlns:a14="http://schemas.microsoft.com/office/drawing/2010/main" w="9525">
+              <a14:hiddenLine xmlns="" xmlns:a14="http://schemas.microsoft.com/office/drawing/2010/main" w="9525">
                 <a:solidFill>
                   <a:srgbClr val="000000"/>
                 </a:solidFill>
@@ -38653,20 +39172,20 @@
     </p:spTree>
     <p:extLst>
       <p:ext uri="{BB962C8B-B14F-4D97-AF65-F5344CB8AC3E}">
-        <p14:creationId xmlns:p14="http://schemas.microsoft.com/office/powerpoint/2010/main" val="3888402604"/>
+        <p14:creationId xmlns="" xmlns:p14="http://schemas.microsoft.com/office/powerpoint/2010/main" val="3888402604"/>
       </p:ext>
     </p:extLst>
   </p:cSld>
   <p:clrMapOvr>
     <a:masterClrMapping/>
   </p:clrMapOvr>
-  <mc:AlternateContent xmlns:mc="http://schemas.openxmlformats.org/markup-compatibility/2006" xmlns:p15="http://schemas.microsoft.com/office/powerpoint/2012/main">
-    <mc:Choice Requires="p15">
+  <mc:AlternateContent xmlns:mc="http://schemas.openxmlformats.org/markup-compatibility/2006">
+    <mc:Choice xmlns="" xmlns:p15="http://schemas.microsoft.com/office/powerpoint/2012/main" Requires="p15">
       <p:transition xmlns:p14="http://schemas.microsoft.com/office/powerpoint/2010/main" spd="slow" p14:dur="1250">
         <p15:prstTrans prst="pageCurlDouble"/>
       </p:transition>
     </mc:Choice>
-    <mc:Fallback xmlns="">
+    <mc:Fallback>
       <p:transition spd="slow">
         <p:fade/>
       </p:transition>
